--- a/005- SSIS/6- Linq queries to our NodeOrders DB/2-LINQ-to-SQL.pptx
+++ b/005- SSIS/6- Linq queries to our NodeOrders DB/2-LINQ-to-SQL.pptx
@@ -5,30 +5,16 @@
     <p:sldMasterId id="2147483648" r:id="rId1"/>
   </p:sldMasterIdLst>
   <p:notesMasterIdLst>
-    <p:notesMasterId r:id="rId23"/>
+    <p:notesMasterId r:id="rId9"/>
   </p:notesMasterIdLst>
   <p:sldIdLst>
     <p:sldId id="256" r:id="rId2"/>
-    <p:sldId id="285" r:id="rId3"/>
-    <p:sldId id="286" r:id="rId4"/>
-    <p:sldId id="307" r:id="rId5"/>
-    <p:sldId id="302" r:id="rId6"/>
-    <p:sldId id="303" r:id="rId7"/>
-    <p:sldId id="317" r:id="rId8"/>
-    <p:sldId id="309" r:id="rId9"/>
-    <p:sldId id="310" r:id="rId10"/>
-    <p:sldId id="311" r:id="rId11"/>
-    <p:sldId id="322" r:id="rId12"/>
-    <p:sldId id="312" r:id="rId13"/>
-    <p:sldId id="320" r:id="rId14"/>
-    <p:sldId id="287" r:id="rId15"/>
-    <p:sldId id="313" r:id="rId16"/>
-    <p:sldId id="316" r:id="rId17"/>
-    <p:sldId id="315" r:id="rId18"/>
-    <p:sldId id="321" r:id="rId19"/>
-    <p:sldId id="318" r:id="rId20"/>
-    <p:sldId id="319" r:id="rId21"/>
-    <p:sldId id="323" r:id="rId22"/>
+    <p:sldId id="287" r:id="rId3"/>
+    <p:sldId id="316" r:id="rId4"/>
+    <p:sldId id="315" r:id="rId5"/>
+    <p:sldId id="321" r:id="rId6"/>
+    <p:sldId id="318" r:id="rId7"/>
+    <p:sldId id="319" r:id="rId8"/>
   </p:sldIdLst>
   <p:sldSz cx="9144000" cy="6858000" type="screen4x3"/>
   <p:notesSz cx="6858000" cy="9144000"/>
@@ -228,7 +214,7 @@
           <a:p>
             <a:fld id="{C26F076B-7587-4749-BB59-FD64C8726444}" type="datetimeFigureOut">
               <a:rPr lang="en-US" smtClean="0"/>
-              <a:t>5/3/2017</a:t>
+              <a:t>5/11/2020</a:t>
             </a:fld>
             <a:endParaRPr lang="en-US"/>
           </a:p>
@@ -514,7 +500,7 @@
       </p:grpSpPr>
       <p:sp>
         <p:nvSpPr>
-          <p:cNvPr id="149506" name="Rectangle 7"/>
+          <p:cNvPr id="151554" name="Rectangle 7"/>
           <p:cNvSpPr txBox="1">
             <a:spLocks noGrp="1" noChangeArrowheads="1"/>
           </p:cNvSpPr>
@@ -654,566 +640,10 @@
           </a:lstStyle>
           <a:p>
             <a:pPr algn="r"/>
-            <a:fld id="{4D2D0FDF-3C90-42AD-8068-A50E9DF95C5C}" type="slidenum">
+            <a:fld id="{4CF84D5B-A080-4844-9A91-E7645089B050}" type="slidenum">
               <a:rPr lang="en-US" altLang="en-US" sz="1200"/>
               <a:pPr algn="r"/>
               <a:t>2</a:t>
-            </a:fld>
-            <a:endParaRPr lang="en-US" altLang="en-US" sz="1200"/>
-          </a:p>
-        </p:txBody>
-      </p:sp>
-      <p:sp>
-        <p:nvSpPr>
-          <p:cNvPr id="149507" name="Rectangle 2"/>
-          <p:cNvSpPr>
-            <a:spLocks noGrp="1" noRot="1" noChangeAspect="1" noChangeArrowheads="1" noTextEdit="1"/>
-          </p:cNvSpPr>
-          <p:nvPr>
-            <p:ph type="sldImg"/>
-          </p:nvPr>
-        </p:nvSpPr>
-        <p:spPr>
-          <a:ln/>
-        </p:spPr>
-      </p:sp>
-      <p:sp>
-        <p:nvSpPr>
-          <p:cNvPr id="149508" name="Rectangle 3"/>
-          <p:cNvSpPr>
-            <a:spLocks noGrp="1" noChangeArrowheads="1"/>
-          </p:cNvSpPr>
-          <p:nvPr>
-            <p:ph type="body" idx="1"/>
-          </p:nvPr>
-        </p:nvSpPr>
-        <p:spPr>
-          <a:noFill/>
-          <a:ln/>
-          <a:extLst>
-            <a:ext uri="{909E8E84-426E-40DD-AFC4-6F175D3DCCD1}">
-              <a14:hiddenFill xmlns:a14="http://schemas.microsoft.com/office/drawing/2010/main">
-                <a:solidFill>
-                  <a:srgbClr val="FFFFFF"/>
-                </a:solidFill>
-              </a14:hiddenFill>
-            </a:ext>
-            <a:ext uri="{91240B29-F687-4F45-9708-019B960494DF}">
-              <a14:hiddenLine xmlns:a14="http://schemas.microsoft.com/office/drawing/2010/main" w="9525">
-                <a:solidFill>
-                  <a:srgbClr val="000000"/>
-                </a:solidFill>
-                <a:miter lim="800000"/>
-                <a:headEnd/>
-                <a:tailEnd/>
-              </a14:hiddenLine>
-            </a:ext>
-          </a:extLst>
-        </p:spPr>
-        <p:txBody>
-          <a:bodyPr/>
-          <a:lstStyle/>
-          <a:p>
-            <a:endParaRPr lang="en-US" altLang="en-US"/>
-          </a:p>
-        </p:txBody>
-      </p:sp>
-    </p:spTree>
-    <p:extLst>
-      <p:ext uri="{BB962C8B-B14F-4D97-AF65-F5344CB8AC3E}">
-        <p14:creationId xmlns:p14="http://schemas.microsoft.com/office/powerpoint/2010/main" val="4193426627"/>
-      </p:ext>
-    </p:extLst>
-  </p:cSld>
-  <p:clrMapOvr>
-    <a:masterClrMapping/>
-  </p:clrMapOvr>
-</p:notes>
-</file>
-
-<file path=ppt/notesSlides/notesSlide2.xml><?xml version="1.0" encoding="utf-8"?>
-<p:notes xmlns:a="http://schemas.openxmlformats.org/drawingml/2006/main" xmlns:r="http://schemas.openxmlformats.org/officeDocument/2006/relationships" xmlns:p="http://schemas.openxmlformats.org/presentationml/2006/main">
-  <p:cSld>
-    <p:spTree>
-      <p:nvGrpSpPr>
-        <p:cNvPr id="1" name=""/>
-        <p:cNvGrpSpPr/>
-        <p:nvPr/>
-      </p:nvGrpSpPr>
-      <p:grpSpPr>
-        <a:xfrm>
-          <a:off x="0" y="0"/>
-          <a:ext cx="0" cy="0"/>
-          <a:chOff x="0" y="0"/>
-          <a:chExt cx="0" cy="0"/>
-        </a:xfrm>
-      </p:grpSpPr>
-      <p:sp>
-        <p:nvSpPr>
-          <p:cNvPr id="150530" name="Rectangle 7"/>
-          <p:cNvSpPr txBox="1">
-            <a:spLocks noGrp="1" noChangeArrowheads="1"/>
-          </p:cNvSpPr>
-          <p:nvPr/>
-        </p:nvSpPr>
-        <p:spPr bwMode="auto">
-          <a:xfrm>
-            <a:off x="3886200" y="8686800"/>
-            <a:ext cx="2971800" cy="457200"/>
-          </a:xfrm>
-          <a:prstGeom prst="rect">
-            <a:avLst/>
-          </a:prstGeom>
-          <a:noFill/>
-          <a:ln>
-            <a:noFill/>
-          </a:ln>
-          <a:extLst>
-            <a:ext uri="{909E8E84-426E-40DD-AFC4-6F175D3DCCD1}">
-              <a14:hiddenFill xmlns:a14="http://schemas.microsoft.com/office/drawing/2010/main">
-                <a:solidFill>
-                  <a:srgbClr val="FFFFFF"/>
-                </a:solidFill>
-              </a14:hiddenFill>
-            </a:ext>
-            <a:ext uri="{91240B29-F687-4F45-9708-019B960494DF}">
-              <a14:hiddenLine xmlns:a14="http://schemas.microsoft.com/office/drawing/2010/main" w="9525">
-                <a:solidFill>
-                  <a:srgbClr val="000000"/>
-                </a:solidFill>
-                <a:miter lim="800000"/>
-                <a:headEnd/>
-                <a:tailEnd/>
-              </a14:hiddenLine>
-            </a:ext>
-          </a:extLst>
-        </p:spPr>
-        <p:txBody>
-          <a:bodyPr anchor="b"/>
-          <a:lstStyle>
-            <a:lvl1pPr>
-              <a:defRPr sz="2400">
-                <a:solidFill>
-                  <a:schemeClr val="tx1"/>
-                </a:solidFill>
-                <a:latin typeface="Times New Roman" pitchFamily="18" charset="0"/>
-              </a:defRPr>
-            </a:lvl1pPr>
-            <a:lvl2pPr marL="742950" indent="-285750">
-              <a:defRPr sz="2400">
-                <a:solidFill>
-                  <a:schemeClr val="tx1"/>
-                </a:solidFill>
-                <a:latin typeface="Times New Roman" pitchFamily="18" charset="0"/>
-              </a:defRPr>
-            </a:lvl2pPr>
-            <a:lvl3pPr marL="1143000" indent="-228600">
-              <a:defRPr sz="2400">
-                <a:solidFill>
-                  <a:schemeClr val="tx1"/>
-                </a:solidFill>
-                <a:latin typeface="Times New Roman" pitchFamily="18" charset="0"/>
-              </a:defRPr>
-            </a:lvl3pPr>
-            <a:lvl4pPr marL="1600200" indent="-228600">
-              <a:defRPr sz="2400">
-                <a:solidFill>
-                  <a:schemeClr val="tx1"/>
-                </a:solidFill>
-                <a:latin typeface="Times New Roman" pitchFamily="18" charset="0"/>
-              </a:defRPr>
-            </a:lvl4pPr>
-            <a:lvl5pPr marL="2057400" indent="-228600">
-              <a:defRPr sz="2400">
-                <a:solidFill>
-                  <a:schemeClr val="tx1"/>
-                </a:solidFill>
-                <a:latin typeface="Times New Roman" pitchFamily="18" charset="0"/>
-              </a:defRPr>
-            </a:lvl5pPr>
-            <a:lvl6pPr marL="2514600" indent="-228600" eaLnBrk="0" fontAlgn="base" hangingPunct="0">
-              <a:spcBef>
-                <a:spcPct val="0"/>
-              </a:spcBef>
-              <a:spcAft>
-                <a:spcPct val="0"/>
-              </a:spcAft>
-              <a:defRPr sz="2400">
-                <a:solidFill>
-                  <a:schemeClr val="tx1"/>
-                </a:solidFill>
-                <a:latin typeface="Times New Roman" pitchFamily="18" charset="0"/>
-              </a:defRPr>
-            </a:lvl6pPr>
-            <a:lvl7pPr marL="2971800" indent="-228600" eaLnBrk="0" fontAlgn="base" hangingPunct="0">
-              <a:spcBef>
-                <a:spcPct val="0"/>
-              </a:spcBef>
-              <a:spcAft>
-                <a:spcPct val="0"/>
-              </a:spcAft>
-              <a:defRPr sz="2400">
-                <a:solidFill>
-                  <a:schemeClr val="tx1"/>
-                </a:solidFill>
-                <a:latin typeface="Times New Roman" pitchFamily="18" charset="0"/>
-              </a:defRPr>
-            </a:lvl7pPr>
-            <a:lvl8pPr marL="3429000" indent="-228600" eaLnBrk="0" fontAlgn="base" hangingPunct="0">
-              <a:spcBef>
-                <a:spcPct val="0"/>
-              </a:spcBef>
-              <a:spcAft>
-                <a:spcPct val="0"/>
-              </a:spcAft>
-              <a:defRPr sz="2400">
-                <a:solidFill>
-                  <a:schemeClr val="tx1"/>
-                </a:solidFill>
-                <a:latin typeface="Times New Roman" pitchFamily="18" charset="0"/>
-              </a:defRPr>
-            </a:lvl8pPr>
-            <a:lvl9pPr marL="3886200" indent="-228600" eaLnBrk="0" fontAlgn="base" hangingPunct="0">
-              <a:spcBef>
-                <a:spcPct val="0"/>
-              </a:spcBef>
-              <a:spcAft>
-                <a:spcPct val="0"/>
-              </a:spcAft>
-              <a:defRPr sz="2400">
-                <a:solidFill>
-                  <a:schemeClr val="tx1"/>
-                </a:solidFill>
-                <a:latin typeface="Times New Roman" pitchFamily="18" charset="0"/>
-              </a:defRPr>
-            </a:lvl9pPr>
-          </a:lstStyle>
-          <a:p>
-            <a:pPr algn="r"/>
-            <a:fld id="{D3F3FBC3-E63D-4C73-BEEC-F7CB45F6CBB4}" type="slidenum">
-              <a:rPr lang="en-US" altLang="en-US" sz="1200"/>
-              <a:pPr algn="r"/>
-              <a:t>3</a:t>
-            </a:fld>
-            <a:endParaRPr lang="en-US" altLang="en-US" sz="1200"/>
-          </a:p>
-        </p:txBody>
-      </p:sp>
-      <p:sp>
-        <p:nvSpPr>
-          <p:cNvPr id="150531" name="Rectangle 2"/>
-          <p:cNvSpPr>
-            <a:spLocks noGrp="1" noRot="1" noChangeAspect="1" noChangeArrowheads="1" noTextEdit="1"/>
-          </p:cNvSpPr>
-          <p:nvPr>
-            <p:ph type="sldImg"/>
-          </p:nvPr>
-        </p:nvSpPr>
-        <p:spPr>
-          <a:ln/>
-        </p:spPr>
-      </p:sp>
-      <p:sp>
-        <p:nvSpPr>
-          <p:cNvPr id="150532" name="Rectangle 3"/>
-          <p:cNvSpPr>
-            <a:spLocks noGrp="1" noChangeArrowheads="1"/>
-          </p:cNvSpPr>
-          <p:nvPr>
-            <p:ph type="body" idx="1"/>
-          </p:nvPr>
-        </p:nvSpPr>
-        <p:spPr>
-          <a:noFill/>
-          <a:ln/>
-          <a:extLst>
-            <a:ext uri="{909E8E84-426E-40DD-AFC4-6F175D3DCCD1}">
-              <a14:hiddenFill xmlns:a14="http://schemas.microsoft.com/office/drawing/2010/main">
-                <a:solidFill>
-                  <a:srgbClr val="FFFFFF"/>
-                </a:solidFill>
-              </a14:hiddenFill>
-            </a:ext>
-            <a:ext uri="{91240B29-F687-4F45-9708-019B960494DF}">
-              <a14:hiddenLine xmlns:a14="http://schemas.microsoft.com/office/drawing/2010/main" w="9525">
-                <a:solidFill>
-                  <a:srgbClr val="000000"/>
-                </a:solidFill>
-                <a:miter lim="800000"/>
-                <a:headEnd/>
-                <a:tailEnd/>
-              </a14:hiddenLine>
-            </a:ext>
-          </a:extLst>
-        </p:spPr>
-        <p:txBody>
-          <a:bodyPr/>
-          <a:lstStyle/>
-          <a:p>
-            <a:endParaRPr lang="en-US" altLang="en-US"/>
-          </a:p>
-        </p:txBody>
-      </p:sp>
-    </p:spTree>
-    <p:extLst>
-      <p:ext uri="{BB962C8B-B14F-4D97-AF65-F5344CB8AC3E}">
-        <p14:creationId xmlns:p14="http://schemas.microsoft.com/office/powerpoint/2010/main" val="1028532052"/>
-      </p:ext>
-    </p:extLst>
-  </p:cSld>
-  <p:clrMapOvr>
-    <a:masterClrMapping/>
-  </p:clrMapOvr>
-</p:notes>
-</file>
-
-<file path=ppt/notesSlides/notesSlide3.xml><?xml version="1.0" encoding="utf-8"?>
-<p:notes xmlns:a="http://schemas.openxmlformats.org/drawingml/2006/main" xmlns:r="http://schemas.openxmlformats.org/officeDocument/2006/relationships" xmlns:p="http://schemas.openxmlformats.org/presentationml/2006/main">
-  <p:cSld>
-    <p:spTree>
-      <p:nvGrpSpPr>
-        <p:cNvPr id="1" name=""/>
-        <p:cNvGrpSpPr/>
-        <p:nvPr/>
-      </p:nvGrpSpPr>
-      <p:grpSpPr>
-        <a:xfrm>
-          <a:off x="0" y="0"/>
-          <a:ext cx="0" cy="0"/>
-          <a:chOff x="0" y="0"/>
-          <a:chExt cx="0" cy="0"/>
-        </a:xfrm>
-      </p:grpSpPr>
-      <p:sp>
-        <p:nvSpPr>
-          <p:cNvPr id="2" name="Slide Image Placeholder 1"/>
-          <p:cNvSpPr>
-            <a:spLocks noGrp="1" noRot="1" noChangeAspect="1"/>
-          </p:cNvSpPr>
-          <p:nvPr>
-            <p:ph type="sldImg"/>
-          </p:nvPr>
-        </p:nvSpPr>
-        <p:spPr/>
-      </p:sp>
-      <p:sp>
-        <p:nvSpPr>
-          <p:cNvPr id="3" name="Notes Placeholder 2"/>
-          <p:cNvSpPr>
-            <a:spLocks noGrp="1"/>
-          </p:cNvSpPr>
-          <p:nvPr>
-            <p:ph type="body" idx="1"/>
-          </p:nvPr>
-        </p:nvSpPr>
-        <p:spPr/>
-        <p:txBody>
-          <a:bodyPr/>
-          <a:lstStyle/>
-          <a:p>
-            <a:endParaRPr lang="en-US" dirty="0"/>
-          </a:p>
-        </p:txBody>
-      </p:sp>
-      <p:sp>
-        <p:nvSpPr>
-          <p:cNvPr id="4" name="Slide Number Placeholder 3"/>
-          <p:cNvSpPr>
-            <a:spLocks noGrp="1"/>
-          </p:cNvSpPr>
-          <p:nvPr>
-            <p:ph type="sldNum" sz="quarter" idx="10"/>
-          </p:nvPr>
-        </p:nvSpPr>
-        <p:spPr/>
-        <p:txBody>
-          <a:bodyPr/>
-          <a:lstStyle/>
-          <a:p>
-            <a:fld id="{D22BA6BC-33FE-4DC7-BC0B-F9F3A7760179}" type="slidenum">
-              <a:rPr lang="en-US" smtClean="0"/>
-              <a:t>9</a:t>
-            </a:fld>
-            <a:endParaRPr lang="en-US"/>
-          </a:p>
-        </p:txBody>
-      </p:sp>
-    </p:spTree>
-    <p:extLst>
-      <p:ext uri="{BB962C8B-B14F-4D97-AF65-F5344CB8AC3E}">
-        <p14:creationId xmlns:p14="http://schemas.microsoft.com/office/powerpoint/2010/main" val="1665667260"/>
-      </p:ext>
-    </p:extLst>
-  </p:cSld>
-  <p:clrMapOvr>
-    <a:masterClrMapping/>
-  </p:clrMapOvr>
-</p:notes>
-</file>
-
-<file path=ppt/notesSlides/notesSlide4.xml><?xml version="1.0" encoding="utf-8"?>
-<p:notes xmlns:a="http://schemas.openxmlformats.org/drawingml/2006/main" xmlns:r="http://schemas.openxmlformats.org/officeDocument/2006/relationships" xmlns:p="http://schemas.openxmlformats.org/presentationml/2006/main">
-  <p:cSld>
-    <p:spTree>
-      <p:nvGrpSpPr>
-        <p:cNvPr id="1" name=""/>
-        <p:cNvGrpSpPr/>
-        <p:nvPr/>
-      </p:nvGrpSpPr>
-      <p:grpSpPr>
-        <a:xfrm>
-          <a:off x="0" y="0"/>
-          <a:ext cx="0" cy="0"/>
-          <a:chOff x="0" y="0"/>
-          <a:chExt cx="0" cy="0"/>
-        </a:xfrm>
-      </p:grpSpPr>
-      <p:sp>
-        <p:nvSpPr>
-          <p:cNvPr id="151554" name="Rectangle 7"/>
-          <p:cNvSpPr txBox="1">
-            <a:spLocks noGrp="1" noChangeArrowheads="1"/>
-          </p:cNvSpPr>
-          <p:nvPr/>
-        </p:nvSpPr>
-        <p:spPr bwMode="auto">
-          <a:xfrm>
-            <a:off x="3886200" y="8686800"/>
-            <a:ext cx="2971800" cy="457200"/>
-          </a:xfrm>
-          <a:prstGeom prst="rect">
-            <a:avLst/>
-          </a:prstGeom>
-          <a:noFill/>
-          <a:ln>
-            <a:noFill/>
-          </a:ln>
-          <a:extLst>
-            <a:ext uri="{909E8E84-426E-40DD-AFC4-6F175D3DCCD1}">
-              <a14:hiddenFill xmlns:a14="http://schemas.microsoft.com/office/drawing/2010/main">
-                <a:solidFill>
-                  <a:srgbClr val="FFFFFF"/>
-                </a:solidFill>
-              </a14:hiddenFill>
-            </a:ext>
-            <a:ext uri="{91240B29-F687-4F45-9708-019B960494DF}">
-              <a14:hiddenLine xmlns:a14="http://schemas.microsoft.com/office/drawing/2010/main" w="9525">
-                <a:solidFill>
-                  <a:srgbClr val="000000"/>
-                </a:solidFill>
-                <a:miter lim="800000"/>
-                <a:headEnd/>
-                <a:tailEnd/>
-              </a14:hiddenLine>
-            </a:ext>
-          </a:extLst>
-        </p:spPr>
-        <p:txBody>
-          <a:bodyPr anchor="b"/>
-          <a:lstStyle>
-            <a:lvl1pPr>
-              <a:defRPr sz="2400">
-                <a:solidFill>
-                  <a:schemeClr val="tx1"/>
-                </a:solidFill>
-                <a:latin typeface="Times New Roman" pitchFamily="18" charset="0"/>
-              </a:defRPr>
-            </a:lvl1pPr>
-            <a:lvl2pPr marL="742950" indent="-285750">
-              <a:defRPr sz="2400">
-                <a:solidFill>
-                  <a:schemeClr val="tx1"/>
-                </a:solidFill>
-                <a:latin typeface="Times New Roman" pitchFamily="18" charset="0"/>
-              </a:defRPr>
-            </a:lvl2pPr>
-            <a:lvl3pPr marL="1143000" indent="-228600">
-              <a:defRPr sz="2400">
-                <a:solidFill>
-                  <a:schemeClr val="tx1"/>
-                </a:solidFill>
-                <a:latin typeface="Times New Roman" pitchFamily="18" charset="0"/>
-              </a:defRPr>
-            </a:lvl3pPr>
-            <a:lvl4pPr marL="1600200" indent="-228600">
-              <a:defRPr sz="2400">
-                <a:solidFill>
-                  <a:schemeClr val="tx1"/>
-                </a:solidFill>
-                <a:latin typeface="Times New Roman" pitchFamily="18" charset="0"/>
-              </a:defRPr>
-            </a:lvl4pPr>
-            <a:lvl5pPr marL="2057400" indent="-228600">
-              <a:defRPr sz="2400">
-                <a:solidFill>
-                  <a:schemeClr val="tx1"/>
-                </a:solidFill>
-                <a:latin typeface="Times New Roman" pitchFamily="18" charset="0"/>
-              </a:defRPr>
-            </a:lvl5pPr>
-            <a:lvl6pPr marL="2514600" indent="-228600" eaLnBrk="0" fontAlgn="base" hangingPunct="0">
-              <a:spcBef>
-                <a:spcPct val="0"/>
-              </a:spcBef>
-              <a:spcAft>
-                <a:spcPct val="0"/>
-              </a:spcAft>
-              <a:defRPr sz="2400">
-                <a:solidFill>
-                  <a:schemeClr val="tx1"/>
-                </a:solidFill>
-                <a:latin typeface="Times New Roman" pitchFamily="18" charset="0"/>
-              </a:defRPr>
-            </a:lvl6pPr>
-            <a:lvl7pPr marL="2971800" indent="-228600" eaLnBrk="0" fontAlgn="base" hangingPunct="0">
-              <a:spcBef>
-                <a:spcPct val="0"/>
-              </a:spcBef>
-              <a:spcAft>
-                <a:spcPct val="0"/>
-              </a:spcAft>
-              <a:defRPr sz="2400">
-                <a:solidFill>
-                  <a:schemeClr val="tx1"/>
-                </a:solidFill>
-                <a:latin typeface="Times New Roman" pitchFamily="18" charset="0"/>
-              </a:defRPr>
-            </a:lvl7pPr>
-            <a:lvl8pPr marL="3429000" indent="-228600" eaLnBrk="0" fontAlgn="base" hangingPunct="0">
-              <a:spcBef>
-                <a:spcPct val="0"/>
-              </a:spcBef>
-              <a:spcAft>
-                <a:spcPct val="0"/>
-              </a:spcAft>
-              <a:defRPr sz="2400">
-                <a:solidFill>
-                  <a:schemeClr val="tx1"/>
-                </a:solidFill>
-                <a:latin typeface="Times New Roman" pitchFamily="18" charset="0"/>
-              </a:defRPr>
-            </a:lvl8pPr>
-            <a:lvl9pPr marL="3886200" indent="-228600" eaLnBrk="0" fontAlgn="base" hangingPunct="0">
-              <a:spcBef>
-                <a:spcPct val="0"/>
-              </a:spcBef>
-              <a:spcAft>
-                <a:spcPct val="0"/>
-              </a:spcAft>
-              <a:defRPr sz="2400">
-                <a:solidFill>
-                  <a:schemeClr val="tx1"/>
-                </a:solidFill>
-                <a:latin typeface="Times New Roman" pitchFamily="18" charset="0"/>
-              </a:defRPr>
-            </a:lvl9pPr>
-          </a:lstStyle>
-          <a:p>
-            <a:pPr algn="r"/>
-            <a:fld id="{4CF84D5B-A080-4844-9A91-E7645089B050}" type="slidenum">
-              <a:rPr lang="en-US" altLang="en-US" sz="1200"/>
-              <a:pPr algn="r"/>
-              <a:t>14</a:t>
             </a:fld>
             <a:endParaRPr lang="en-US" altLang="en-US" sz="1200"/>
           </a:p>
@@ -1287,7 +717,7 @@
 </p:notes>
 </file>
 
-<file path=ppt/notesSlides/notesSlide5.xml><?xml version="1.0" encoding="utf-8"?>
+<file path=ppt/notesSlides/notesSlide2.xml><?xml version="1.0" encoding="utf-8"?>
 <p:notes xmlns:a="http://schemas.openxmlformats.org/drawingml/2006/main" xmlns:r="http://schemas.openxmlformats.org/officeDocument/2006/relationships" xmlns:p="http://schemas.openxmlformats.org/presentationml/2006/main">
   <p:cSld>
     <p:spTree>
@@ -1551,7 +981,7 @@
           <a:p>
             <a:fld id="{C19809E4-CEF6-4BC7-8145-2858FE8BFFC8}" type="datetimeFigureOut">
               <a:rPr lang="en-US" smtClean="0"/>
-              <a:t>5/3/2017</a:t>
+              <a:t>5/11/2020</a:t>
             </a:fld>
             <a:endParaRPr lang="en-US"/>
           </a:p>
@@ -1719,7 +1149,7 @@
           <a:p>
             <a:fld id="{C19809E4-CEF6-4BC7-8145-2858FE8BFFC8}" type="datetimeFigureOut">
               <a:rPr lang="en-US" smtClean="0"/>
-              <a:t>5/3/2017</a:t>
+              <a:t>5/11/2020</a:t>
             </a:fld>
             <a:endParaRPr lang="en-US"/>
           </a:p>
@@ -1897,7 +1327,7 @@
           <a:p>
             <a:fld id="{C19809E4-CEF6-4BC7-8145-2858FE8BFFC8}" type="datetimeFigureOut">
               <a:rPr lang="en-US" smtClean="0"/>
-              <a:t>5/3/2017</a:t>
+              <a:t>5/11/2020</a:t>
             </a:fld>
             <a:endParaRPr lang="en-US"/>
           </a:p>
@@ -2065,7 +1495,7 @@
           <a:p>
             <a:fld id="{C19809E4-CEF6-4BC7-8145-2858FE8BFFC8}" type="datetimeFigureOut">
               <a:rPr lang="en-US" smtClean="0"/>
-              <a:t>5/3/2017</a:t>
+              <a:t>5/11/2020</a:t>
             </a:fld>
             <a:endParaRPr lang="en-US"/>
           </a:p>
@@ -2310,7 +1740,7 @@
           <a:p>
             <a:fld id="{C19809E4-CEF6-4BC7-8145-2858FE8BFFC8}" type="datetimeFigureOut">
               <a:rPr lang="en-US" smtClean="0"/>
-              <a:t>5/3/2017</a:t>
+              <a:t>5/11/2020</a:t>
             </a:fld>
             <a:endParaRPr lang="en-US"/>
           </a:p>
@@ -2595,7 +2025,7 @@
           <a:p>
             <a:fld id="{C19809E4-CEF6-4BC7-8145-2858FE8BFFC8}" type="datetimeFigureOut">
               <a:rPr lang="en-US" smtClean="0"/>
-              <a:t>5/3/2017</a:t>
+              <a:t>5/11/2020</a:t>
             </a:fld>
             <a:endParaRPr lang="en-US"/>
           </a:p>
@@ -3014,7 +2444,7 @@
           <a:p>
             <a:fld id="{C19809E4-CEF6-4BC7-8145-2858FE8BFFC8}" type="datetimeFigureOut">
               <a:rPr lang="en-US" smtClean="0"/>
-              <a:t>5/3/2017</a:t>
+              <a:t>5/11/2020</a:t>
             </a:fld>
             <a:endParaRPr lang="en-US"/>
           </a:p>
@@ -3131,7 +2561,7 @@
           <a:p>
             <a:fld id="{C19809E4-CEF6-4BC7-8145-2858FE8BFFC8}" type="datetimeFigureOut">
               <a:rPr lang="en-US" smtClean="0"/>
-              <a:t>5/3/2017</a:t>
+              <a:t>5/11/2020</a:t>
             </a:fld>
             <a:endParaRPr lang="en-US"/>
           </a:p>
@@ -3226,7 +2656,7 @@
           <a:p>
             <a:fld id="{C19809E4-CEF6-4BC7-8145-2858FE8BFFC8}" type="datetimeFigureOut">
               <a:rPr lang="en-US" smtClean="0"/>
-              <a:t>5/3/2017</a:t>
+              <a:t>5/11/2020</a:t>
             </a:fld>
             <a:endParaRPr lang="en-US"/>
           </a:p>
@@ -3501,7 +2931,7 @@
           <a:p>
             <a:fld id="{C19809E4-CEF6-4BC7-8145-2858FE8BFFC8}" type="datetimeFigureOut">
               <a:rPr lang="en-US" smtClean="0"/>
-              <a:t>5/3/2017</a:t>
+              <a:t>5/11/2020</a:t>
             </a:fld>
             <a:endParaRPr lang="en-US"/>
           </a:p>
@@ -3753,7 +3183,7 @@
           <a:p>
             <a:fld id="{C19809E4-CEF6-4BC7-8145-2858FE8BFFC8}" type="datetimeFigureOut">
               <a:rPr lang="en-US" smtClean="0"/>
-              <a:t>5/3/2017</a:t>
+              <a:t>5/11/2020</a:t>
             </a:fld>
             <a:endParaRPr lang="en-US"/>
           </a:p>
@@ -3964,7 +3394,7 @@
           <a:p>
             <a:fld id="{C19809E4-CEF6-4BC7-8145-2858FE8BFFC8}" type="datetimeFigureOut">
               <a:rPr lang="en-US" smtClean="0"/>
-              <a:t>5/3/2017</a:t>
+              <a:t>5/11/2020</a:t>
             </a:fld>
             <a:endParaRPr lang="en-US"/>
           </a:p>
@@ -4470,7 +3900,7 @@
 </p:sld>
 </file>
 
-<file path=ppt/slides/slide10.xml><?xml version="1.0" encoding="utf-8"?>
+<file path=ppt/slides/slide2.xml><?xml version="1.0" encoding="utf-8"?>
 <p:sld xmlns:a="http://schemas.openxmlformats.org/drawingml/2006/main" xmlns:r="http://schemas.openxmlformats.org/officeDocument/2006/relationships" xmlns:p="http://schemas.openxmlformats.org/presentationml/2006/main">
   <p:cSld>
     <p:spTree>
@@ -4489,1722 +3919,6 @@
       </p:grpSpPr>
       <p:sp>
         <p:nvSpPr>
-          <p:cNvPr id="3" name="Content Placeholder 2"/>
-          <p:cNvSpPr>
-            <a:spLocks noGrp="1"/>
-          </p:cNvSpPr>
-          <p:nvPr>
-            <p:ph idx="1"/>
-          </p:nvPr>
-        </p:nvSpPr>
-        <p:spPr>
-          <a:xfrm>
-            <a:off x="457200" y="533400"/>
-            <a:ext cx="8229600" cy="2895601"/>
-          </a:xfrm>
-        </p:spPr>
-        <p:txBody>
-          <a:bodyPr>
-            <a:normAutofit fontScale="92500" lnSpcReduction="10000"/>
-          </a:bodyPr>
-          <a:lstStyle/>
-          <a:p>
-            <a:r>
-              <a:rPr lang="en-US" sz="2800" dirty="0"/>
-              <a:t>Using that table name </a:t>
-            </a:r>
-            <a:r>
-              <a:rPr lang="en-US" sz="2800" dirty="0" err="1"/>
-              <a:t>myOrderDetail.Order_Details</a:t>
-            </a:r>
-            <a:endParaRPr lang="en-US" sz="2800" dirty="0"/>
-          </a:p>
-          <a:p>
-            <a:r>
-              <a:rPr lang="en-US" sz="2800" dirty="0" err="1"/>
-              <a:t>myOrders</a:t>
-            </a:r>
-            <a:r>
-              <a:rPr lang="en-US" sz="2800" dirty="0"/>
-              <a:t> is made up </a:t>
-            </a:r>
-            <a:r>
-              <a:rPr lang="en-US" sz="2800" i="1" dirty="0"/>
-              <a:t>range variable </a:t>
-            </a:r>
-            <a:r>
-              <a:rPr lang="en-US" sz="2800" dirty="0"/>
-              <a:t>name </a:t>
-            </a:r>
-          </a:p>
-          <a:p>
-            <a:pPr lvl="1"/>
-            <a:r>
-              <a:rPr lang="en-US" sz="2400" dirty="0">
-                <a:solidFill>
-                  <a:srgbClr val="0070C0"/>
-                </a:solidFill>
-              </a:rPr>
-              <a:t>(much like when we do a foreach, for each string item in blah)</a:t>
-            </a:r>
-          </a:p>
-          <a:p>
-            <a:pPr lvl="1"/>
-            <a:r>
-              <a:rPr lang="en-US" sz="2400" dirty="0"/>
-              <a:t>A local range variable that represents each element in the source sequence. (in our case, a row from the SQL table, but could also be an XML element)</a:t>
-            </a:r>
-          </a:p>
-          <a:p>
-            <a:pPr lvl="1"/>
-            <a:r>
-              <a:rPr lang="en-US" sz="2400" dirty="0" err="1"/>
-              <a:t>myOrders</a:t>
-            </a:r>
-            <a:r>
-              <a:rPr lang="en-US" sz="2400" dirty="0"/>
-              <a:t> is an "Entity Class", holding Class members, 1 for each </a:t>
-            </a:r>
-            <a:r>
-              <a:rPr lang="en-US" sz="2400" dirty="0" err="1"/>
-              <a:t>each</a:t>
-            </a:r>
-            <a:r>
-              <a:rPr lang="en-US" sz="2400" dirty="0"/>
-              <a:t> column in the original SQL table</a:t>
-            </a:r>
-          </a:p>
-        </p:txBody>
-      </p:sp>
-      <p:pic>
-        <p:nvPicPr>
-          <p:cNvPr id="5" name="Picture 4"/>
-          <p:cNvPicPr>
-            <a:picLocks noChangeAspect="1"/>
-          </p:cNvPicPr>
-          <p:nvPr/>
-        </p:nvPicPr>
-        <p:blipFill>
-          <a:blip r:embed="rId2">
-            <a:extLst>
-              <a:ext uri="{28A0092B-C50C-407E-A947-70E740481C1C}">
-                <a14:useLocalDpi xmlns:a14="http://schemas.microsoft.com/office/drawing/2010/main" val="0"/>
-              </a:ext>
-            </a:extLst>
-          </a:blip>
-          <a:stretch>
-            <a:fillRect/>
-          </a:stretch>
-        </p:blipFill>
-        <p:spPr>
-          <a:xfrm>
-            <a:off x="457200" y="3848100"/>
-            <a:ext cx="8245475" cy="2019300"/>
-          </a:xfrm>
-          <a:prstGeom prst="rect">
-            <a:avLst/>
-          </a:prstGeom>
-        </p:spPr>
-      </p:pic>
-    </p:spTree>
-    <p:extLst>
-      <p:ext uri="{BB962C8B-B14F-4D97-AF65-F5344CB8AC3E}">
-        <p14:creationId xmlns:p14="http://schemas.microsoft.com/office/powerpoint/2010/main" val="950461943"/>
-      </p:ext>
-    </p:extLst>
-  </p:cSld>
-  <p:clrMapOvr>
-    <a:masterClrMapping/>
-  </p:clrMapOvr>
-</p:sld>
-</file>
-
-<file path=ppt/slides/slide11.xml><?xml version="1.0" encoding="utf-8"?>
-<p:sld xmlns:a="http://schemas.openxmlformats.org/drawingml/2006/main" xmlns:r="http://schemas.openxmlformats.org/officeDocument/2006/relationships" xmlns:p="http://schemas.openxmlformats.org/presentationml/2006/main">
-  <p:cSld>
-    <p:spTree>
-      <p:nvGrpSpPr>
-        <p:cNvPr id="1" name=""/>
-        <p:cNvGrpSpPr/>
-        <p:nvPr/>
-      </p:nvGrpSpPr>
-      <p:grpSpPr>
-        <a:xfrm>
-          <a:off x="0" y="0"/>
-          <a:ext cx="0" cy="0"/>
-          <a:chOff x="0" y="0"/>
-          <a:chExt cx="0" cy="0"/>
-        </a:xfrm>
-      </p:grpSpPr>
-      <p:sp>
-        <p:nvSpPr>
-          <p:cNvPr id="2" name="Title 1"/>
-          <p:cNvSpPr>
-            <a:spLocks noGrp="1"/>
-          </p:cNvSpPr>
-          <p:nvPr>
-            <p:ph type="title"/>
-          </p:nvPr>
-        </p:nvSpPr>
-        <p:spPr/>
-        <p:txBody>
-          <a:bodyPr/>
-          <a:lstStyle/>
-          <a:p>
-            <a:r>
-              <a:rPr lang="en-US" dirty="0"/>
-              <a:t>Open   2-1-Query-A-OneTable</a:t>
-            </a:r>
-          </a:p>
-        </p:txBody>
-      </p:sp>
-      <p:sp>
-        <p:nvSpPr>
-          <p:cNvPr id="3" name="Content Placeholder 2"/>
-          <p:cNvSpPr>
-            <a:spLocks noGrp="1"/>
-          </p:cNvSpPr>
-          <p:nvPr>
-            <p:ph idx="1"/>
-          </p:nvPr>
-        </p:nvSpPr>
-        <p:spPr/>
-        <p:txBody>
-          <a:bodyPr/>
-          <a:lstStyle/>
-          <a:p>
-            <a:endParaRPr lang="en-US"/>
-          </a:p>
-        </p:txBody>
-      </p:sp>
-    </p:spTree>
-    <p:extLst>
-      <p:ext uri="{BB962C8B-B14F-4D97-AF65-F5344CB8AC3E}">
-        <p14:creationId xmlns:p14="http://schemas.microsoft.com/office/powerpoint/2010/main" val="3445754397"/>
-      </p:ext>
-    </p:extLst>
-  </p:cSld>
-  <p:clrMapOvr>
-    <a:masterClrMapping/>
-  </p:clrMapOvr>
-</p:sld>
-</file>
-
-<file path=ppt/slides/slide12.xml><?xml version="1.0" encoding="utf-8"?>
-<p:sld xmlns:a="http://schemas.openxmlformats.org/drawingml/2006/main" xmlns:r="http://schemas.openxmlformats.org/officeDocument/2006/relationships" xmlns:p="http://schemas.openxmlformats.org/presentationml/2006/main">
-  <p:cSld>
-    <p:spTree>
-      <p:nvGrpSpPr>
-        <p:cNvPr id="1" name=""/>
-        <p:cNvGrpSpPr/>
-        <p:nvPr/>
-      </p:nvGrpSpPr>
-      <p:grpSpPr>
-        <a:xfrm>
-          <a:off x="0" y="0"/>
-          <a:ext cx="0" cy="0"/>
-          <a:chOff x="0" y="0"/>
-          <a:chExt cx="0" cy="0"/>
-        </a:xfrm>
-      </p:grpSpPr>
-      <p:sp>
-        <p:nvSpPr>
-          <p:cNvPr id="2" name="Title 1"/>
-          <p:cNvSpPr>
-            <a:spLocks noGrp="1"/>
-          </p:cNvSpPr>
-          <p:nvPr>
-            <p:ph type="title"/>
-          </p:nvPr>
-        </p:nvSpPr>
-        <p:spPr/>
-        <p:txBody>
-          <a:bodyPr>
-            <a:normAutofit/>
-          </a:bodyPr>
-          <a:lstStyle/>
-          <a:p>
-            <a:r>
-              <a:rPr lang="en-US" sz="3600" dirty="0"/>
-              <a:t>define the query expression</a:t>
-            </a:r>
-          </a:p>
-        </p:txBody>
-      </p:sp>
-      <p:sp>
-        <p:nvSpPr>
-          <p:cNvPr id="3" name="Content Placeholder 2"/>
-          <p:cNvSpPr>
-            <a:spLocks noGrp="1"/>
-          </p:cNvSpPr>
-          <p:nvPr>
-            <p:ph idx="1"/>
-          </p:nvPr>
-        </p:nvSpPr>
-        <p:spPr>
-          <a:xfrm>
-            <a:off x="228600" y="1371600"/>
-            <a:ext cx="8610600" cy="5105400"/>
-          </a:xfrm>
-        </p:spPr>
-        <p:txBody>
-          <a:bodyPr>
-            <a:normAutofit fontScale="55000" lnSpcReduction="20000"/>
-          </a:bodyPr>
-          <a:lstStyle/>
-          <a:p>
-            <a:pPr marL="0" indent="0">
-              <a:buNone/>
-            </a:pPr>
-            <a:r>
-              <a:rPr lang="en-US" sz="2600" dirty="0">
-                <a:solidFill>
-                  <a:srgbClr val="008000"/>
-                </a:solidFill>
-                <a:highlight>
-                  <a:srgbClr val="FFFFFF"/>
-                </a:highlight>
-                <a:latin typeface="Consolas" panose="020B0609020204030204" pitchFamily="49" charset="0"/>
-              </a:rPr>
-              <a:t>// Q2 step, define the query expression</a:t>
-            </a:r>
-          </a:p>
-          <a:p>
-            <a:pPr marL="0" indent="0">
-              <a:buNone/>
-            </a:pPr>
-            <a:r>
-              <a:rPr lang="en-US" sz="2600" dirty="0">
-                <a:solidFill>
-                  <a:srgbClr val="008000"/>
-                </a:solidFill>
-                <a:highlight>
-                  <a:srgbClr val="FFFFFF"/>
-                </a:highlight>
-                <a:latin typeface="Consolas" panose="020B0609020204030204" pitchFamily="49" charset="0"/>
-              </a:rPr>
-              <a:t>// query expression is stored in our variable “orders”, of type query</a:t>
-            </a:r>
-          </a:p>
-          <a:p>
-            <a:pPr marL="0" indent="0">
-              <a:buNone/>
-            </a:pPr>
-            <a:endParaRPr lang="en-US" sz="2600" dirty="0">
-              <a:solidFill>
-                <a:srgbClr val="008000"/>
-              </a:solidFill>
-              <a:highlight>
-                <a:srgbClr val="FFFFFF"/>
-              </a:highlight>
-              <a:latin typeface="Consolas" panose="020B0609020204030204" pitchFamily="49" charset="0"/>
-            </a:endParaRPr>
-          </a:p>
-          <a:p>
-            <a:pPr marL="0" indent="0">
-              <a:buNone/>
-            </a:pPr>
-            <a:r>
-              <a:rPr lang="en-US" sz="2900" dirty="0" err="1">
-                <a:solidFill>
-                  <a:srgbClr val="0000FF"/>
-                </a:solidFill>
-                <a:highlight>
-                  <a:srgbClr val="FFFFFF"/>
-                </a:highlight>
-                <a:latin typeface="Consolas" panose="020B0609020204030204" pitchFamily="49" charset="0"/>
-              </a:rPr>
-              <a:t>var</a:t>
-            </a:r>
-            <a:r>
-              <a:rPr lang="en-US" sz="2900" dirty="0">
-                <a:solidFill>
-                  <a:srgbClr val="000000"/>
-                </a:solidFill>
-                <a:highlight>
-                  <a:srgbClr val="FFFFFF"/>
-                </a:highlight>
-                <a:latin typeface="Consolas" panose="020B0609020204030204" pitchFamily="49" charset="0"/>
-              </a:rPr>
-              <a:t> orders = </a:t>
-            </a:r>
-            <a:r>
-              <a:rPr lang="en-US" sz="2900" dirty="0">
-                <a:solidFill>
-                  <a:srgbClr val="0000FF"/>
-                </a:solidFill>
-                <a:highlight>
-                  <a:srgbClr val="FFFFFF"/>
-                </a:highlight>
-                <a:latin typeface="Consolas" panose="020B0609020204030204" pitchFamily="49" charset="0"/>
-              </a:rPr>
-              <a:t>from</a:t>
-            </a:r>
-            <a:r>
-              <a:rPr lang="en-US" sz="2900" dirty="0">
-                <a:solidFill>
-                  <a:srgbClr val="000000"/>
-                </a:solidFill>
-                <a:highlight>
-                  <a:srgbClr val="FFFFFF"/>
-                </a:highlight>
-                <a:latin typeface="Consolas" panose="020B0609020204030204" pitchFamily="49" charset="0"/>
-              </a:rPr>
-              <a:t> </a:t>
-            </a:r>
-            <a:r>
-              <a:rPr lang="en-US" sz="2900" dirty="0" err="1">
-                <a:solidFill>
-                  <a:srgbClr val="000000"/>
-                </a:solidFill>
-                <a:highlight>
-                  <a:srgbClr val="FFFFFF"/>
-                </a:highlight>
-                <a:latin typeface="Consolas" panose="020B0609020204030204" pitchFamily="49" charset="0"/>
-              </a:rPr>
-              <a:t>myOrders</a:t>
-            </a:r>
-            <a:r>
-              <a:rPr lang="en-US" sz="2900" dirty="0">
-                <a:solidFill>
-                  <a:srgbClr val="000000"/>
-                </a:solidFill>
-                <a:highlight>
-                  <a:srgbClr val="FFFFFF"/>
-                </a:highlight>
-                <a:latin typeface="Consolas" panose="020B0609020204030204" pitchFamily="49" charset="0"/>
-              </a:rPr>
-              <a:t> </a:t>
-            </a:r>
-            <a:r>
-              <a:rPr lang="en-US" sz="2900" dirty="0">
-                <a:solidFill>
-                  <a:srgbClr val="0000FF"/>
-                </a:solidFill>
-                <a:highlight>
-                  <a:srgbClr val="FFFFFF"/>
-                </a:highlight>
-                <a:latin typeface="Consolas" panose="020B0609020204030204" pitchFamily="49" charset="0"/>
-              </a:rPr>
-              <a:t>in</a:t>
-            </a:r>
-            <a:r>
-              <a:rPr lang="en-US" sz="2900" dirty="0">
-                <a:solidFill>
-                  <a:srgbClr val="000000"/>
-                </a:solidFill>
-                <a:highlight>
-                  <a:srgbClr val="FFFFFF"/>
-                </a:highlight>
-                <a:latin typeface="Consolas" panose="020B0609020204030204" pitchFamily="49" charset="0"/>
-              </a:rPr>
-              <a:t> </a:t>
-            </a:r>
-            <a:r>
-              <a:rPr lang="en-US" sz="2900" dirty="0" err="1">
-                <a:solidFill>
-                  <a:srgbClr val="000000"/>
-                </a:solidFill>
-                <a:highlight>
-                  <a:srgbClr val="FFFFFF"/>
-                </a:highlight>
-                <a:latin typeface="Consolas" panose="020B0609020204030204" pitchFamily="49" charset="0"/>
-              </a:rPr>
-              <a:t>myOrderDetail.Order_Details</a:t>
-            </a:r>
-            <a:endParaRPr lang="en-US" sz="2900" dirty="0">
-              <a:solidFill>
-                <a:srgbClr val="000000"/>
-              </a:solidFill>
-              <a:highlight>
-                <a:srgbClr val="FFFFFF"/>
-              </a:highlight>
-              <a:latin typeface="Consolas" panose="020B0609020204030204" pitchFamily="49" charset="0"/>
-            </a:endParaRPr>
-          </a:p>
-          <a:p>
-            <a:pPr marL="0" indent="0">
-              <a:buNone/>
-            </a:pPr>
-            <a:endParaRPr lang="en-US" sz="2900" dirty="0">
-              <a:solidFill>
-                <a:srgbClr val="000000"/>
-              </a:solidFill>
-              <a:highlight>
-                <a:srgbClr val="FFFFFF"/>
-              </a:highlight>
-              <a:latin typeface="Consolas" panose="020B0609020204030204" pitchFamily="49" charset="0"/>
-            </a:endParaRPr>
-          </a:p>
-          <a:p>
-            <a:pPr marL="0" indent="0">
-              <a:buNone/>
-            </a:pPr>
-            <a:r>
-              <a:rPr lang="en-US" sz="2200" dirty="0">
-                <a:solidFill>
-                  <a:srgbClr val="008000"/>
-                </a:solidFill>
-                <a:highlight>
-                  <a:srgbClr val="FFFFFF"/>
-                </a:highlight>
-                <a:latin typeface="Consolas" panose="020B0609020204030204" pitchFamily="49" charset="0"/>
-              </a:rPr>
-              <a:t>//</a:t>
-            </a:r>
-            <a:r>
-              <a:rPr lang="en-US" sz="2200" dirty="0" err="1">
-                <a:solidFill>
-                  <a:srgbClr val="008000"/>
-                </a:solidFill>
-                <a:highlight>
-                  <a:srgbClr val="FFFFFF"/>
-                </a:highlight>
-                <a:latin typeface="Consolas" panose="020B0609020204030204" pitchFamily="49" charset="0"/>
-              </a:rPr>
-              <a:t>Order_Details</a:t>
-            </a:r>
-            <a:r>
-              <a:rPr lang="en-US" sz="2200" dirty="0">
-                <a:solidFill>
-                  <a:srgbClr val="008000"/>
-                </a:solidFill>
-                <a:highlight>
-                  <a:srgbClr val="FFFFFF"/>
-                </a:highlight>
-                <a:latin typeface="Consolas" panose="020B0609020204030204" pitchFamily="49" charset="0"/>
-              </a:rPr>
-              <a:t> is the "Entity Class" that represents that table in the DB</a:t>
-            </a:r>
-            <a:endParaRPr lang="en-US" sz="2200" dirty="0">
-              <a:solidFill>
-                <a:srgbClr val="000000"/>
-              </a:solidFill>
-              <a:highlight>
-                <a:srgbClr val="FFFFFF"/>
-              </a:highlight>
-              <a:latin typeface="Consolas" panose="020B0609020204030204" pitchFamily="49" charset="0"/>
-            </a:endParaRPr>
-          </a:p>
-          <a:p>
-            <a:pPr marL="0" indent="0">
-              <a:buNone/>
-            </a:pPr>
-            <a:r>
-              <a:rPr lang="en-US" sz="2900" dirty="0">
-                <a:solidFill>
-                  <a:srgbClr val="0000FF"/>
-                </a:solidFill>
-                <a:highlight>
-                  <a:srgbClr val="FFFFFF"/>
-                </a:highlight>
-                <a:latin typeface="Consolas" panose="020B0609020204030204" pitchFamily="49" charset="0"/>
-              </a:rPr>
-              <a:t>    where</a:t>
-            </a:r>
-            <a:r>
-              <a:rPr lang="en-US" sz="2900" dirty="0">
-                <a:solidFill>
-                  <a:srgbClr val="000000"/>
-                </a:solidFill>
-                <a:highlight>
-                  <a:srgbClr val="FFFFFF"/>
-                </a:highlight>
-                <a:latin typeface="Consolas" panose="020B0609020204030204" pitchFamily="49" charset="0"/>
-              </a:rPr>
-              <a:t> </a:t>
-            </a:r>
-            <a:r>
-              <a:rPr lang="en-US" sz="2900" dirty="0" err="1">
-                <a:solidFill>
-                  <a:srgbClr val="000000"/>
-                </a:solidFill>
-                <a:highlight>
-                  <a:srgbClr val="FFFFFF"/>
-                </a:highlight>
-                <a:latin typeface="Consolas" panose="020B0609020204030204" pitchFamily="49" charset="0"/>
-              </a:rPr>
-              <a:t>myOrders.Quantity</a:t>
-            </a:r>
-            <a:r>
-              <a:rPr lang="en-US" sz="2900" dirty="0">
-                <a:solidFill>
-                  <a:srgbClr val="000000"/>
-                </a:solidFill>
-                <a:highlight>
-                  <a:srgbClr val="FFFFFF"/>
-                </a:highlight>
-                <a:latin typeface="Consolas" panose="020B0609020204030204" pitchFamily="49" charset="0"/>
-              </a:rPr>
-              <a:t> &gt; 79</a:t>
-            </a:r>
-          </a:p>
-          <a:p>
-            <a:pPr marL="0" indent="0">
-              <a:buNone/>
-            </a:pPr>
-            <a:endParaRPr lang="en-US" sz="2900" dirty="0">
-              <a:solidFill>
-                <a:srgbClr val="000000"/>
-              </a:solidFill>
-              <a:highlight>
-                <a:srgbClr val="FFFFFF"/>
-              </a:highlight>
-              <a:latin typeface="Consolas" panose="020B0609020204030204" pitchFamily="49" charset="0"/>
-            </a:endParaRPr>
-          </a:p>
-          <a:p>
-            <a:pPr marL="0" indent="0">
-              <a:buNone/>
-            </a:pPr>
-            <a:r>
-              <a:rPr lang="en-US" sz="2300" dirty="0">
-                <a:solidFill>
-                  <a:srgbClr val="008000"/>
-                </a:solidFill>
-                <a:highlight>
-                  <a:srgbClr val="FFFFFF"/>
-                </a:highlight>
-                <a:latin typeface="Consolas" panose="020B0609020204030204" pitchFamily="49" charset="0"/>
-              </a:rPr>
-              <a:t>// </a:t>
-            </a:r>
-            <a:r>
-              <a:rPr lang="en-US" sz="2300" dirty="0" err="1">
-                <a:solidFill>
-                  <a:srgbClr val="008000"/>
-                </a:solidFill>
-                <a:highlight>
-                  <a:srgbClr val="FFFFFF"/>
-                </a:highlight>
-                <a:latin typeface="Consolas" panose="020B0609020204030204" pitchFamily="49" charset="0"/>
-              </a:rPr>
-              <a:t>myOrders</a:t>
-            </a:r>
-            <a:r>
-              <a:rPr lang="en-US" sz="2300" dirty="0">
-                <a:solidFill>
-                  <a:srgbClr val="008000"/>
-                </a:solidFill>
-                <a:highlight>
-                  <a:srgbClr val="FFFFFF"/>
-                </a:highlight>
-                <a:latin typeface="Consolas" panose="020B0609020204030204" pitchFamily="49" charset="0"/>
-              </a:rPr>
-              <a:t> is our made up iterator variable, represents one row at a time</a:t>
-            </a:r>
-            <a:endParaRPr lang="en-US" sz="2300" dirty="0">
-              <a:solidFill>
-                <a:srgbClr val="000000"/>
-              </a:solidFill>
-              <a:highlight>
-                <a:srgbClr val="FFFFFF"/>
-              </a:highlight>
-              <a:latin typeface="Consolas" panose="020B0609020204030204" pitchFamily="49" charset="0"/>
-            </a:endParaRPr>
-          </a:p>
-          <a:p>
-            <a:pPr marL="0" indent="0">
-              <a:buNone/>
-            </a:pPr>
-            <a:r>
-              <a:rPr lang="en-US" sz="2300" dirty="0">
-                <a:solidFill>
-                  <a:srgbClr val="008000"/>
-                </a:solidFill>
-                <a:highlight>
-                  <a:srgbClr val="FFFFFF"/>
-                </a:highlight>
-                <a:latin typeface="Consolas" panose="020B0609020204030204" pitchFamily="49" charset="0"/>
-              </a:rPr>
-              <a:t>// </a:t>
-            </a:r>
-            <a:r>
-              <a:rPr lang="en-US" sz="2300" dirty="0" err="1">
-                <a:solidFill>
-                  <a:srgbClr val="008000"/>
-                </a:solidFill>
-                <a:highlight>
-                  <a:srgbClr val="FFFFFF"/>
-                </a:highlight>
-                <a:latin typeface="Consolas" panose="020B0609020204030204" pitchFamily="49" charset="0"/>
-              </a:rPr>
-              <a:t>myOrders</a:t>
-            </a:r>
-            <a:r>
-              <a:rPr lang="en-US" sz="2300" dirty="0">
-                <a:solidFill>
-                  <a:srgbClr val="008000"/>
-                </a:solidFill>
-                <a:highlight>
-                  <a:srgbClr val="FFFFFF"/>
-                </a:highlight>
-                <a:latin typeface="Consolas" panose="020B0609020204030204" pitchFamily="49" charset="0"/>
-              </a:rPr>
-              <a:t> object has the same properties as the table column names</a:t>
-            </a:r>
-          </a:p>
-          <a:p>
-            <a:pPr marL="0" indent="0">
-              <a:buNone/>
-            </a:pPr>
-            <a:endParaRPr lang="en-US" sz="2300" dirty="0">
-              <a:solidFill>
-                <a:srgbClr val="000000"/>
-              </a:solidFill>
-              <a:highlight>
-                <a:srgbClr val="FFFFFF"/>
-              </a:highlight>
-              <a:latin typeface="Consolas" panose="020B0609020204030204" pitchFamily="49" charset="0"/>
-            </a:endParaRPr>
-          </a:p>
-          <a:p>
-            <a:pPr marL="0" indent="0">
-              <a:buNone/>
-            </a:pPr>
-            <a:r>
-              <a:rPr lang="en-US" sz="2300" dirty="0">
-                <a:solidFill>
-                  <a:srgbClr val="000000"/>
-                </a:solidFill>
-                <a:highlight>
-                  <a:srgbClr val="FFFFFF"/>
-                </a:highlight>
-                <a:latin typeface="Consolas" panose="020B0609020204030204" pitchFamily="49" charset="0"/>
-              </a:rPr>
-              <a:t>     </a:t>
-            </a:r>
-            <a:r>
-              <a:rPr lang="en-US" sz="2900" dirty="0" err="1">
-                <a:solidFill>
-                  <a:srgbClr val="0000FF"/>
-                </a:solidFill>
-                <a:highlight>
-                  <a:srgbClr val="FFFFFF"/>
-                </a:highlight>
-                <a:latin typeface="Consolas" panose="020B0609020204030204" pitchFamily="49" charset="0"/>
-              </a:rPr>
-              <a:t>orderby</a:t>
-            </a:r>
-            <a:r>
-              <a:rPr lang="en-US" sz="2900" dirty="0">
-                <a:solidFill>
-                  <a:srgbClr val="000000"/>
-                </a:solidFill>
-                <a:highlight>
-                  <a:srgbClr val="FFFFFF"/>
-                </a:highlight>
-                <a:latin typeface="Consolas" panose="020B0609020204030204" pitchFamily="49" charset="0"/>
-              </a:rPr>
-              <a:t> </a:t>
-            </a:r>
-            <a:r>
-              <a:rPr lang="en-US" sz="2900" dirty="0" err="1">
-                <a:solidFill>
-                  <a:srgbClr val="000000"/>
-                </a:solidFill>
-                <a:highlight>
-                  <a:srgbClr val="FFFFFF"/>
-                </a:highlight>
-                <a:latin typeface="Consolas" panose="020B0609020204030204" pitchFamily="49" charset="0"/>
-              </a:rPr>
-              <a:t>myOrders.Quantity</a:t>
-            </a:r>
-            <a:r>
-              <a:rPr lang="en-US" sz="2900" dirty="0">
-                <a:solidFill>
-                  <a:srgbClr val="000000"/>
-                </a:solidFill>
-                <a:highlight>
-                  <a:srgbClr val="FFFFFF"/>
-                </a:highlight>
-                <a:latin typeface="Consolas" panose="020B0609020204030204" pitchFamily="49" charset="0"/>
-              </a:rPr>
-              <a:t> </a:t>
-            </a:r>
-            <a:r>
-              <a:rPr lang="en-US" sz="2900" dirty="0">
-                <a:solidFill>
-                  <a:srgbClr val="0000FF"/>
-                </a:solidFill>
-                <a:highlight>
-                  <a:srgbClr val="FFFFFF"/>
-                </a:highlight>
-                <a:latin typeface="Consolas" panose="020B0609020204030204" pitchFamily="49" charset="0"/>
-              </a:rPr>
-              <a:t>ascending</a:t>
-            </a:r>
-            <a:r>
-              <a:rPr lang="en-US" sz="2900" dirty="0">
-                <a:solidFill>
-                  <a:srgbClr val="000000"/>
-                </a:solidFill>
-                <a:highlight>
-                  <a:srgbClr val="FFFFFF"/>
-                </a:highlight>
-                <a:latin typeface="Consolas" panose="020B0609020204030204" pitchFamily="49" charset="0"/>
-              </a:rPr>
-              <a:t>,</a:t>
-            </a:r>
-          </a:p>
-          <a:p>
-            <a:pPr marL="0" indent="0">
-              <a:buNone/>
-            </a:pPr>
-            <a:r>
-              <a:rPr lang="en-US" sz="2900" dirty="0">
-                <a:solidFill>
-                  <a:srgbClr val="000000"/>
-                </a:solidFill>
-                <a:highlight>
-                  <a:srgbClr val="FFFFFF"/>
-                </a:highlight>
-                <a:latin typeface="Consolas" panose="020B0609020204030204" pitchFamily="49" charset="0"/>
-              </a:rPr>
-              <a:t>             </a:t>
-            </a:r>
-            <a:r>
-              <a:rPr lang="en-US" sz="2900" dirty="0" err="1">
-                <a:solidFill>
-                  <a:srgbClr val="000000"/>
-                </a:solidFill>
-                <a:highlight>
-                  <a:srgbClr val="FFFFFF"/>
-                </a:highlight>
-                <a:latin typeface="Consolas" panose="020B0609020204030204" pitchFamily="49" charset="0"/>
-              </a:rPr>
-              <a:t>myOrders.ProductID</a:t>
-            </a:r>
-            <a:r>
-              <a:rPr lang="en-US" sz="2900" dirty="0">
-                <a:solidFill>
-                  <a:srgbClr val="000000"/>
-                </a:solidFill>
-                <a:highlight>
-                  <a:srgbClr val="FFFFFF"/>
-                </a:highlight>
-                <a:latin typeface="Consolas" panose="020B0609020204030204" pitchFamily="49" charset="0"/>
-              </a:rPr>
-              <a:t> </a:t>
-            </a:r>
-            <a:r>
-              <a:rPr lang="en-US" sz="2900" dirty="0">
-                <a:solidFill>
-                  <a:srgbClr val="0000FF"/>
-                </a:solidFill>
-                <a:highlight>
-                  <a:srgbClr val="FFFFFF"/>
-                </a:highlight>
-                <a:latin typeface="Consolas" panose="020B0609020204030204" pitchFamily="49" charset="0"/>
-              </a:rPr>
-              <a:t>ascending</a:t>
-            </a:r>
-            <a:endParaRPr lang="en-US" sz="2900" dirty="0">
-              <a:solidFill>
-                <a:srgbClr val="000000"/>
-              </a:solidFill>
-              <a:highlight>
-                <a:srgbClr val="FFFFFF"/>
-              </a:highlight>
-              <a:latin typeface="Consolas" panose="020B0609020204030204" pitchFamily="49" charset="0"/>
-            </a:endParaRPr>
-          </a:p>
-          <a:p>
-            <a:pPr marL="0" indent="0">
-              <a:buNone/>
-            </a:pPr>
-            <a:endParaRPr lang="en-US" sz="2900" dirty="0">
-              <a:solidFill>
-                <a:srgbClr val="000000"/>
-              </a:solidFill>
-              <a:highlight>
-                <a:srgbClr val="FFFFFF"/>
-              </a:highlight>
-              <a:latin typeface="Consolas" panose="020B0609020204030204" pitchFamily="49" charset="0"/>
-            </a:endParaRPr>
-          </a:p>
-          <a:p>
-            <a:pPr marL="0" indent="0">
-              <a:buNone/>
-            </a:pPr>
-            <a:r>
-              <a:rPr lang="en-US" sz="2900" dirty="0">
-                <a:solidFill>
-                  <a:srgbClr val="000000"/>
-                </a:solidFill>
-                <a:highlight>
-                  <a:srgbClr val="FFFFFF"/>
-                </a:highlight>
-                <a:latin typeface="Consolas" panose="020B0609020204030204" pitchFamily="49" charset="0"/>
-              </a:rPr>
-              <a:t>    </a:t>
-            </a:r>
-            <a:r>
-              <a:rPr lang="en-US" sz="2900" dirty="0">
-                <a:solidFill>
-                  <a:srgbClr val="0000FF"/>
-                </a:solidFill>
-                <a:highlight>
-                  <a:srgbClr val="FFFFFF"/>
-                </a:highlight>
-                <a:latin typeface="Consolas" panose="020B0609020204030204" pitchFamily="49" charset="0"/>
-              </a:rPr>
-              <a:t>select</a:t>
-            </a:r>
-            <a:r>
-              <a:rPr lang="en-US" sz="2900" dirty="0">
-                <a:solidFill>
-                  <a:srgbClr val="000000"/>
-                </a:solidFill>
-                <a:highlight>
-                  <a:srgbClr val="FFFFFF"/>
-                </a:highlight>
-                <a:latin typeface="Consolas" panose="020B0609020204030204" pitchFamily="49" charset="0"/>
-              </a:rPr>
-              <a:t> </a:t>
-            </a:r>
-            <a:r>
-              <a:rPr lang="en-US" sz="2900" dirty="0">
-                <a:solidFill>
-                  <a:srgbClr val="0000FF"/>
-                </a:solidFill>
-                <a:highlight>
-                  <a:srgbClr val="FFFF00"/>
-                </a:highlight>
-                <a:latin typeface="Consolas" panose="020B0609020204030204" pitchFamily="49" charset="0"/>
-              </a:rPr>
-              <a:t>new</a:t>
-            </a:r>
-            <a:r>
-              <a:rPr lang="en-US" sz="2900" dirty="0">
-                <a:solidFill>
-                  <a:srgbClr val="000000"/>
-                </a:solidFill>
-                <a:highlight>
-                  <a:srgbClr val="FFFF00"/>
-                </a:highlight>
-                <a:latin typeface="Consolas" panose="020B0609020204030204" pitchFamily="49" charset="0"/>
-              </a:rPr>
-              <a:t> {</a:t>
-            </a:r>
-            <a:r>
-              <a:rPr lang="en-US" sz="2900" dirty="0">
-                <a:solidFill>
-                  <a:srgbClr val="000000"/>
-                </a:solidFill>
-                <a:highlight>
-                  <a:srgbClr val="FFFFFF"/>
-                </a:highlight>
-                <a:latin typeface="Consolas" panose="020B0609020204030204" pitchFamily="49" charset="0"/>
-              </a:rPr>
-              <a:t> </a:t>
-            </a:r>
-            <a:r>
-              <a:rPr lang="en-US" sz="2900" dirty="0" err="1">
-                <a:solidFill>
-                  <a:srgbClr val="000000"/>
-                </a:solidFill>
-                <a:highlight>
-                  <a:srgbClr val="FFFFFF"/>
-                </a:highlight>
-                <a:latin typeface="Consolas" panose="020B0609020204030204" pitchFamily="49" charset="0"/>
-              </a:rPr>
-              <a:t>myOrders.ProductID</a:t>
-            </a:r>
-            <a:r>
-              <a:rPr lang="en-US" sz="2900" dirty="0">
-                <a:solidFill>
-                  <a:srgbClr val="000000"/>
-                </a:solidFill>
-                <a:highlight>
-                  <a:srgbClr val="FFFFFF"/>
-                </a:highlight>
-                <a:latin typeface="Consolas" panose="020B0609020204030204" pitchFamily="49" charset="0"/>
-              </a:rPr>
-              <a:t>, </a:t>
-            </a:r>
-            <a:r>
-              <a:rPr lang="en-US" sz="2900" dirty="0" err="1">
-                <a:solidFill>
-                  <a:srgbClr val="000000"/>
-                </a:solidFill>
-                <a:highlight>
-                  <a:srgbClr val="FFFFFF"/>
-                </a:highlight>
-                <a:latin typeface="Consolas" panose="020B0609020204030204" pitchFamily="49" charset="0"/>
-              </a:rPr>
-              <a:t>myOrders.Quantity</a:t>
-            </a:r>
-            <a:r>
-              <a:rPr lang="en-US" sz="2900" dirty="0">
-                <a:solidFill>
-                  <a:srgbClr val="000000"/>
-                </a:solidFill>
-                <a:highlight>
-                  <a:srgbClr val="FFFFFF"/>
-                </a:highlight>
-                <a:latin typeface="Consolas" panose="020B0609020204030204" pitchFamily="49" charset="0"/>
-              </a:rPr>
-              <a:t> </a:t>
-            </a:r>
-            <a:r>
-              <a:rPr lang="en-US" sz="2900" dirty="0">
-                <a:solidFill>
-                  <a:srgbClr val="000000"/>
-                </a:solidFill>
-                <a:highlight>
-                  <a:srgbClr val="FFFF00"/>
-                </a:highlight>
-                <a:latin typeface="Consolas" panose="020B0609020204030204" pitchFamily="49" charset="0"/>
-              </a:rPr>
-              <a:t>}</a:t>
-            </a:r>
-            <a:r>
-              <a:rPr lang="en-US" sz="2900" dirty="0">
-                <a:solidFill>
-                  <a:srgbClr val="000000"/>
-                </a:solidFill>
-                <a:highlight>
-                  <a:srgbClr val="FFFFFF"/>
-                </a:highlight>
-                <a:latin typeface="Consolas" panose="020B0609020204030204" pitchFamily="49" charset="0"/>
-              </a:rPr>
-              <a:t>;</a:t>
-            </a:r>
-          </a:p>
-          <a:p>
-            <a:pPr marL="0" indent="0">
-              <a:buNone/>
-            </a:pPr>
-            <a:r>
-              <a:rPr lang="en-US" sz="2300" dirty="0">
-                <a:solidFill>
-                  <a:srgbClr val="008000"/>
-                </a:solidFill>
-                <a:highlight>
-                  <a:srgbClr val="FFFFFF"/>
-                </a:highlight>
-                <a:latin typeface="Consolas" panose="020B0609020204030204" pitchFamily="49" charset="0"/>
-              </a:rPr>
-              <a:t>// choosing </a:t>
-            </a:r>
-            <a:r>
-              <a:rPr lang="en-US" sz="2300" b="1" dirty="0">
-                <a:solidFill>
-                  <a:srgbClr val="008000"/>
-                </a:solidFill>
-                <a:highlight>
-                  <a:srgbClr val="FFFFFF"/>
-                </a:highlight>
-                <a:latin typeface="Consolas" panose="020B0609020204030204" pitchFamily="49" charset="0"/>
-              </a:rPr>
-              <a:t>which columns </a:t>
-            </a:r>
-            <a:r>
-              <a:rPr lang="en-US" sz="2300" dirty="0">
-                <a:solidFill>
-                  <a:srgbClr val="008000"/>
-                </a:solidFill>
-                <a:highlight>
-                  <a:srgbClr val="FFFFFF"/>
-                </a:highlight>
-                <a:latin typeface="Consolas" panose="020B0609020204030204" pitchFamily="49" charset="0"/>
-              </a:rPr>
-              <a:t>to actually load into this object representation of the table</a:t>
-            </a:r>
-          </a:p>
-          <a:p>
-            <a:pPr marL="0" indent="0">
-              <a:buNone/>
-            </a:pPr>
-            <a:endParaRPr lang="en-US" sz="2900" dirty="0">
-              <a:solidFill>
-                <a:srgbClr val="008000"/>
-              </a:solidFill>
-              <a:highlight>
-                <a:srgbClr val="FFFFFF"/>
-              </a:highlight>
-              <a:latin typeface="Consolas" panose="020B0609020204030204" pitchFamily="49" charset="0"/>
-            </a:endParaRPr>
-          </a:p>
-          <a:p>
-            <a:pPr marL="0" indent="0">
-              <a:buNone/>
-            </a:pPr>
-            <a:r>
-              <a:rPr lang="en-US" sz="2900" dirty="0">
-                <a:solidFill>
-                  <a:srgbClr val="008000"/>
-                </a:solidFill>
-                <a:highlight>
-                  <a:srgbClr val="FFFFFF"/>
-                </a:highlight>
-                <a:latin typeface="Consolas" panose="020B0609020204030204" pitchFamily="49" charset="0"/>
-              </a:rPr>
-              <a:t>==========================================================================</a:t>
-            </a:r>
-          </a:p>
-          <a:p>
-            <a:pPr marL="0" indent="0">
-              <a:buNone/>
-            </a:pPr>
-            <a:endParaRPr lang="en-US" sz="2900" dirty="0">
-              <a:solidFill>
-                <a:srgbClr val="008000"/>
-              </a:solidFill>
-              <a:highlight>
-                <a:srgbClr val="FFFFFF"/>
-              </a:highlight>
-              <a:latin typeface="Consolas" panose="020B0609020204030204" pitchFamily="49" charset="0"/>
-            </a:endParaRPr>
-          </a:p>
-          <a:p>
-            <a:pPr marL="0" indent="0">
-              <a:buNone/>
-            </a:pPr>
-            <a:r>
-              <a:rPr lang="en-US" sz="2900" dirty="0">
-                <a:solidFill>
-                  <a:srgbClr val="0000FF"/>
-                </a:solidFill>
-                <a:highlight>
-                  <a:srgbClr val="FFFFFF"/>
-                </a:highlight>
-                <a:latin typeface="Consolas" panose="020B0609020204030204" pitchFamily="49" charset="0"/>
-              </a:rPr>
-              <a:t>   select</a:t>
-            </a:r>
-            <a:r>
-              <a:rPr lang="en-US" sz="2900" dirty="0">
-                <a:solidFill>
-                  <a:srgbClr val="000000"/>
-                </a:solidFill>
-                <a:highlight>
-                  <a:srgbClr val="FFFFFF"/>
-                </a:highlight>
-                <a:latin typeface="Consolas" panose="020B0609020204030204" pitchFamily="49" charset="0"/>
-              </a:rPr>
-              <a:t> </a:t>
-            </a:r>
-            <a:r>
-              <a:rPr lang="en-US" sz="2900" dirty="0" err="1">
-                <a:solidFill>
-                  <a:srgbClr val="000000"/>
-                </a:solidFill>
-                <a:highlight>
-                  <a:srgbClr val="FFFFFF"/>
-                </a:highlight>
-                <a:latin typeface="Consolas" panose="020B0609020204030204" pitchFamily="49" charset="0"/>
-              </a:rPr>
-              <a:t>myOrders</a:t>
-            </a:r>
-            <a:r>
-              <a:rPr lang="en-US" sz="2900" dirty="0">
-                <a:solidFill>
-                  <a:srgbClr val="000000"/>
-                </a:solidFill>
-                <a:highlight>
-                  <a:srgbClr val="FFFFFF"/>
-                </a:highlight>
-                <a:latin typeface="Consolas" panose="020B0609020204030204" pitchFamily="49" charset="0"/>
-              </a:rPr>
-              <a:t>;</a:t>
-            </a:r>
-          </a:p>
-          <a:p>
-            <a:pPr marL="0" indent="0">
-              <a:buNone/>
-            </a:pPr>
-            <a:r>
-              <a:rPr lang="en-US" sz="2500" dirty="0">
-                <a:solidFill>
-                  <a:srgbClr val="008000"/>
-                </a:solidFill>
-                <a:highlight>
-                  <a:srgbClr val="FFFFFF"/>
-                </a:highlight>
-                <a:latin typeface="Consolas" panose="020B0609020204030204" pitchFamily="49" charset="0"/>
-              </a:rPr>
-              <a:t>//The other way: no qualification, we want all the data, like a SQL SELECT *</a:t>
-            </a:r>
-          </a:p>
-          <a:p>
-            <a:pPr marL="0" indent="0">
-              <a:buNone/>
-            </a:pPr>
-            <a:endParaRPr lang="en-US" sz="2300" dirty="0"/>
-          </a:p>
-        </p:txBody>
-      </p:sp>
-    </p:spTree>
-    <p:extLst>
-      <p:ext uri="{BB962C8B-B14F-4D97-AF65-F5344CB8AC3E}">
-        <p14:creationId xmlns:p14="http://schemas.microsoft.com/office/powerpoint/2010/main" val="1064160058"/>
-      </p:ext>
-    </p:extLst>
-  </p:cSld>
-  <p:clrMapOvr>
-    <a:masterClrMapping/>
-  </p:clrMapOvr>
-</p:sld>
-</file>
-
-<file path=ppt/slides/slide13.xml><?xml version="1.0" encoding="utf-8"?>
-<p:sld xmlns:a="http://schemas.openxmlformats.org/drawingml/2006/main" xmlns:r="http://schemas.openxmlformats.org/officeDocument/2006/relationships" xmlns:p="http://schemas.openxmlformats.org/presentationml/2006/main">
-  <p:cSld>
-    <p:spTree>
-      <p:nvGrpSpPr>
-        <p:cNvPr id="1" name=""/>
-        <p:cNvGrpSpPr/>
-        <p:nvPr/>
-      </p:nvGrpSpPr>
-      <p:grpSpPr>
-        <a:xfrm>
-          <a:off x="0" y="0"/>
-          <a:ext cx="0" cy="0"/>
-          <a:chOff x="0" y="0"/>
-          <a:chExt cx="0" cy="0"/>
-        </a:xfrm>
-      </p:grpSpPr>
-      <p:sp>
-        <p:nvSpPr>
-          <p:cNvPr id="2" name="Title 1"/>
-          <p:cNvSpPr>
-            <a:spLocks noGrp="1"/>
-          </p:cNvSpPr>
-          <p:nvPr>
-            <p:ph type="title"/>
-          </p:nvPr>
-        </p:nvSpPr>
-        <p:spPr>
-          <a:xfrm>
-            <a:off x="457200" y="274638"/>
-            <a:ext cx="8229600" cy="868362"/>
-          </a:xfrm>
-        </p:spPr>
-        <p:txBody>
-          <a:bodyPr>
-            <a:normAutofit/>
-          </a:bodyPr>
-          <a:lstStyle/>
-          <a:p>
-            <a:r>
-              <a:rPr lang="en-US" sz="4000" dirty="0"/>
-              <a:t>Q3 Execute the query </a:t>
-            </a:r>
-          </a:p>
-        </p:txBody>
-      </p:sp>
-      <p:sp>
-        <p:nvSpPr>
-          <p:cNvPr id="3" name="Content Placeholder 2"/>
-          <p:cNvSpPr>
-            <a:spLocks noGrp="1"/>
-          </p:cNvSpPr>
-          <p:nvPr>
-            <p:ph idx="1"/>
-          </p:nvPr>
-        </p:nvSpPr>
-        <p:spPr/>
-        <p:txBody>
-          <a:bodyPr>
-            <a:normAutofit fontScale="62500" lnSpcReduction="20000"/>
-          </a:bodyPr>
-          <a:lstStyle/>
-          <a:p>
-            <a:pPr marL="0" indent="0">
-              <a:buNone/>
-            </a:pPr>
-            <a:r>
-              <a:rPr lang="en-US" sz="2900" dirty="0">
-                <a:solidFill>
-                  <a:srgbClr val="008000"/>
-                </a:solidFill>
-                <a:highlight>
-                  <a:srgbClr val="FFFFFF"/>
-                </a:highlight>
-                <a:latin typeface="Consolas" panose="020B0609020204030204" pitchFamily="49" charset="0"/>
-              </a:rPr>
-              <a:t>// that all sets up a differed query, which we will use next</a:t>
-            </a:r>
-            <a:endParaRPr lang="en-US" sz="2900" dirty="0">
-              <a:solidFill>
-                <a:srgbClr val="000000"/>
-              </a:solidFill>
-              <a:highlight>
-                <a:srgbClr val="FFFFFF"/>
-              </a:highlight>
-              <a:latin typeface="Consolas" panose="020B0609020204030204" pitchFamily="49" charset="0"/>
-            </a:endParaRPr>
-          </a:p>
-          <a:p>
-            <a:pPr marL="0" indent="0">
-              <a:buNone/>
-            </a:pPr>
-            <a:r>
-              <a:rPr lang="en-US" sz="2900" dirty="0">
-                <a:solidFill>
-                  <a:srgbClr val="008000"/>
-                </a:solidFill>
-                <a:highlight>
-                  <a:srgbClr val="FFFFFF"/>
-                </a:highlight>
-                <a:latin typeface="Consolas" panose="020B0609020204030204" pitchFamily="49" charset="0"/>
-              </a:rPr>
-              <a:t>// Q3 Execute the query to return the results</a:t>
-            </a:r>
-            <a:endParaRPr lang="en-US" sz="2900" dirty="0">
-              <a:solidFill>
-                <a:srgbClr val="000000"/>
-              </a:solidFill>
-              <a:highlight>
-                <a:srgbClr val="FFFFFF"/>
-              </a:highlight>
-              <a:latin typeface="Consolas" panose="020B0609020204030204" pitchFamily="49" charset="0"/>
-            </a:endParaRPr>
-          </a:p>
-          <a:p>
-            <a:pPr marL="0" indent="0">
-              <a:buNone/>
-            </a:pPr>
-            <a:endParaRPr lang="en-US" dirty="0">
-              <a:solidFill>
-                <a:srgbClr val="000000"/>
-              </a:solidFill>
-              <a:highlight>
-                <a:srgbClr val="FFFFFF"/>
-              </a:highlight>
-              <a:latin typeface="Consolas" panose="020B0609020204030204" pitchFamily="49" charset="0"/>
-            </a:endParaRPr>
-          </a:p>
-          <a:p>
-            <a:pPr marL="0" indent="0">
-              <a:buNone/>
-            </a:pPr>
-            <a:r>
-              <a:rPr lang="sv-SE" dirty="0">
-                <a:solidFill>
-                  <a:srgbClr val="0000FF"/>
-                </a:solidFill>
-                <a:highlight>
-                  <a:srgbClr val="FFFFFF"/>
-                </a:highlight>
-                <a:latin typeface="Consolas" panose="020B0609020204030204" pitchFamily="49" charset="0"/>
-              </a:rPr>
-              <a:t>foreach</a:t>
-            </a:r>
-            <a:r>
-              <a:rPr lang="sv-SE" dirty="0">
-                <a:solidFill>
-                  <a:srgbClr val="000000"/>
-                </a:solidFill>
-                <a:highlight>
-                  <a:srgbClr val="FFFFFF"/>
-                </a:highlight>
-                <a:latin typeface="Consolas" panose="020B0609020204030204" pitchFamily="49" charset="0"/>
-              </a:rPr>
-              <a:t> (</a:t>
-            </a:r>
-            <a:r>
-              <a:rPr lang="sv-SE" dirty="0">
-                <a:solidFill>
-                  <a:srgbClr val="0000FF"/>
-                </a:solidFill>
-                <a:highlight>
-                  <a:srgbClr val="FFFFFF"/>
-                </a:highlight>
-                <a:latin typeface="Consolas" panose="020B0609020204030204" pitchFamily="49" charset="0"/>
-              </a:rPr>
-              <a:t>var</a:t>
-            </a:r>
-            <a:r>
-              <a:rPr lang="sv-SE" dirty="0">
-                <a:solidFill>
-                  <a:srgbClr val="000000"/>
-                </a:solidFill>
-                <a:highlight>
-                  <a:srgbClr val="FFFFFF"/>
-                </a:highlight>
-                <a:latin typeface="Consolas" panose="020B0609020204030204" pitchFamily="49" charset="0"/>
-              </a:rPr>
-              <a:t> orderItem </a:t>
-            </a:r>
-            <a:r>
-              <a:rPr lang="sv-SE" dirty="0">
-                <a:solidFill>
-                  <a:srgbClr val="0000FF"/>
-                </a:solidFill>
-                <a:highlight>
-                  <a:srgbClr val="FFFFFF"/>
-                </a:highlight>
-                <a:latin typeface="Consolas" panose="020B0609020204030204" pitchFamily="49" charset="0"/>
-              </a:rPr>
-              <a:t>in</a:t>
-            </a:r>
-            <a:r>
-              <a:rPr lang="sv-SE" dirty="0">
-                <a:solidFill>
-                  <a:srgbClr val="000000"/>
-                </a:solidFill>
-                <a:highlight>
-                  <a:srgbClr val="FFFFFF"/>
-                </a:highlight>
-                <a:latin typeface="Consolas" panose="020B0609020204030204" pitchFamily="49" charset="0"/>
-              </a:rPr>
-              <a:t> orders)</a:t>
-            </a:r>
-          </a:p>
-          <a:p>
-            <a:pPr marL="0" indent="0">
-              <a:buNone/>
-            </a:pPr>
-            <a:endParaRPr lang="en-US" dirty="0">
-              <a:solidFill>
-                <a:srgbClr val="000000"/>
-              </a:solidFill>
-              <a:highlight>
-                <a:srgbClr val="FFFFFF"/>
-              </a:highlight>
-              <a:latin typeface="Consolas" panose="020B0609020204030204" pitchFamily="49" charset="0"/>
-            </a:endParaRPr>
-          </a:p>
-          <a:p>
-            <a:pPr marL="0" indent="0">
-              <a:buNone/>
-            </a:pPr>
-            <a:r>
-              <a:rPr lang="en-US" sz="2600" dirty="0">
-                <a:solidFill>
-                  <a:srgbClr val="008000"/>
-                </a:solidFill>
-                <a:highlight>
-                  <a:srgbClr val="FFFFFF"/>
-                </a:highlight>
-                <a:latin typeface="Consolas" panose="020B0609020204030204" pitchFamily="49" charset="0"/>
-              </a:rPr>
-              <a:t>// </a:t>
-            </a:r>
-            <a:r>
-              <a:rPr lang="en-US" sz="2600" dirty="0" err="1">
-                <a:solidFill>
-                  <a:srgbClr val="008000"/>
-                </a:solidFill>
-                <a:highlight>
-                  <a:srgbClr val="FFFFFF"/>
-                </a:highlight>
-                <a:latin typeface="Consolas" panose="020B0609020204030204" pitchFamily="49" charset="0"/>
-              </a:rPr>
-              <a:t>orderItem</a:t>
-            </a:r>
-            <a:r>
-              <a:rPr lang="en-US" sz="2600" dirty="0">
-                <a:solidFill>
-                  <a:srgbClr val="008000"/>
-                </a:solidFill>
-                <a:highlight>
-                  <a:srgbClr val="FFFFFF"/>
-                </a:highlight>
-                <a:latin typeface="Consolas" panose="020B0609020204030204" pitchFamily="49" charset="0"/>
-              </a:rPr>
-              <a:t> is just a made up name, orders is our query expression</a:t>
-            </a:r>
-            <a:endParaRPr lang="en-US" sz="2600" dirty="0">
-              <a:solidFill>
-                <a:srgbClr val="000000"/>
-              </a:solidFill>
-              <a:highlight>
-                <a:srgbClr val="FFFFFF"/>
-              </a:highlight>
-              <a:latin typeface="Consolas" panose="020B0609020204030204" pitchFamily="49" charset="0"/>
-            </a:endParaRPr>
-          </a:p>
-          <a:p>
-            <a:pPr marL="0" indent="0">
-              <a:buNone/>
-            </a:pPr>
-            <a:r>
-              <a:rPr lang="en-US" dirty="0">
-                <a:solidFill>
-                  <a:srgbClr val="000000"/>
-                </a:solidFill>
-                <a:highlight>
-                  <a:srgbClr val="FFFFFF"/>
-                </a:highlight>
-                <a:latin typeface="Consolas" panose="020B0609020204030204" pitchFamily="49" charset="0"/>
-              </a:rPr>
-              <a:t>     {</a:t>
-            </a:r>
-          </a:p>
-          <a:p>
-            <a:pPr marL="0" indent="0">
-              <a:buNone/>
-            </a:pPr>
-            <a:r>
-              <a:rPr lang="en-US" dirty="0">
-                <a:solidFill>
-                  <a:srgbClr val="000000"/>
-                </a:solidFill>
-                <a:highlight>
-                  <a:srgbClr val="FFFFFF"/>
-                </a:highlight>
-                <a:latin typeface="Consolas" panose="020B0609020204030204" pitchFamily="49" charset="0"/>
-              </a:rPr>
-              <a:t>        </a:t>
-            </a:r>
-            <a:r>
-              <a:rPr lang="en-US" dirty="0" err="1">
-                <a:solidFill>
-                  <a:srgbClr val="000000"/>
-                </a:solidFill>
-                <a:highlight>
-                  <a:srgbClr val="FFFFFF"/>
-                </a:highlight>
-                <a:latin typeface="Consolas" panose="020B0609020204030204" pitchFamily="49" charset="0"/>
-              </a:rPr>
-              <a:t>orderDisplay</a:t>
-            </a:r>
-            <a:r>
-              <a:rPr lang="en-US" dirty="0">
-                <a:solidFill>
-                  <a:srgbClr val="000000"/>
-                </a:solidFill>
-                <a:highlight>
-                  <a:srgbClr val="FFFFFF"/>
-                </a:highlight>
-                <a:latin typeface="Consolas" panose="020B0609020204030204" pitchFamily="49" charset="0"/>
-              </a:rPr>
-              <a:t> += </a:t>
-            </a:r>
-            <a:r>
-              <a:rPr lang="en-US" dirty="0" err="1">
-                <a:solidFill>
-                  <a:srgbClr val="000000"/>
-                </a:solidFill>
-                <a:highlight>
-                  <a:srgbClr val="FFFFFF"/>
-                </a:highlight>
-                <a:latin typeface="Consolas" panose="020B0609020204030204" pitchFamily="49" charset="0"/>
-              </a:rPr>
-              <a:t>orderItem.ProductID</a:t>
-            </a:r>
-            <a:r>
-              <a:rPr lang="en-US" dirty="0">
-                <a:solidFill>
-                  <a:srgbClr val="000000"/>
-                </a:solidFill>
-                <a:highlight>
-                  <a:srgbClr val="FFFFFF"/>
-                </a:highlight>
-                <a:latin typeface="Consolas" panose="020B0609020204030204" pitchFamily="49" charset="0"/>
-              </a:rPr>
-              <a:t> + </a:t>
-            </a:r>
-            <a:r>
-              <a:rPr lang="en-US" dirty="0">
-                <a:solidFill>
-                  <a:srgbClr val="A31515"/>
-                </a:solidFill>
-                <a:highlight>
-                  <a:srgbClr val="FFFFFF"/>
-                </a:highlight>
-                <a:latin typeface="Consolas" panose="020B0609020204030204" pitchFamily="49" charset="0"/>
-              </a:rPr>
-              <a:t>"\t\t"</a:t>
-            </a:r>
-            <a:r>
-              <a:rPr lang="en-US" dirty="0">
-                <a:solidFill>
-                  <a:srgbClr val="000000"/>
-                </a:solidFill>
-                <a:highlight>
-                  <a:srgbClr val="FFFFFF"/>
-                </a:highlight>
-                <a:latin typeface="Consolas" panose="020B0609020204030204" pitchFamily="49" charset="0"/>
-              </a:rPr>
-              <a:t> + </a:t>
-            </a:r>
-          </a:p>
-          <a:p>
-            <a:pPr marL="0" indent="0">
-              <a:buNone/>
-            </a:pPr>
-            <a:r>
-              <a:rPr lang="en-US" dirty="0">
-                <a:solidFill>
-                  <a:srgbClr val="008000"/>
-                </a:solidFill>
-                <a:highlight>
-                  <a:srgbClr val="FFFFFF"/>
-                </a:highlight>
-                <a:latin typeface="Consolas" panose="020B0609020204030204" pitchFamily="49" charset="0"/>
-              </a:rPr>
-              <a:t>// first column</a:t>
-            </a:r>
-            <a:endParaRPr lang="en-US" dirty="0">
-              <a:solidFill>
-                <a:srgbClr val="000000"/>
-              </a:solidFill>
-              <a:highlight>
-                <a:srgbClr val="FFFFFF"/>
-              </a:highlight>
-              <a:latin typeface="Consolas" panose="020B0609020204030204" pitchFamily="49" charset="0"/>
-            </a:endParaRPr>
-          </a:p>
-          <a:p>
-            <a:pPr marL="0" indent="0">
-              <a:buNone/>
-            </a:pPr>
-            <a:r>
-              <a:rPr lang="en-US" dirty="0">
-                <a:solidFill>
-                  <a:srgbClr val="000000"/>
-                </a:solidFill>
-                <a:highlight>
-                  <a:srgbClr val="FFFFFF"/>
-                </a:highlight>
-                <a:latin typeface="Consolas" panose="020B0609020204030204" pitchFamily="49" charset="0"/>
-              </a:rPr>
-              <a:t>        </a:t>
-            </a:r>
-            <a:r>
-              <a:rPr lang="en-US" dirty="0" err="1">
-                <a:solidFill>
-                  <a:srgbClr val="000000"/>
-                </a:solidFill>
-                <a:highlight>
-                  <a:srgbClr val="FFFFFF"/>
-                </a:highlight>
-                <a:latin typeface="Consolas" panose="020B0609020204030204" pitchFamily="49" charset="0"/>
-              </a:rPr>
-              <a:t>orderItem.Quantity.ToString</a:t>
-            </a:r>
-            <a:r>
-              <a:rPr lang="en-US" dirty="0">
-                <a:solidFill>
-                  <a:srgbClr val="000000"/>
-                </a:solidFill>
-                <a:highlight>
-                  <a:srgbClr val="FFFFFF"/>
-                </a:highlight>
-                <a:latin typeface="Consolas" panose="020B0609020204030204" pitchFamily="49" charset="0"/>
-              </a:rPr>
-              <a:t>() + </a:t>
-            </a:r>
-            <a:r>
-              <a:rPr lang="en-US" dirty="0">
-                <a:solidFill>
-                  <a:srgbClr val="A31515"/>
-                </a:solidFill>
-                <a:highlight>
-                  <a:srgbClr val="FFFFFF"/>
-                </a:highlight>
-                <a:latin typeface="Consolas" panose="020B0609020204030204" pitchFamily="49" charset="0"/>
-              </a:rPr>
-              <a:t>"\n"</a:t>
-            </a:r>
-            <a:r>
-              <a:rPr lang="en-US" dirty="0">
-                <a:solidFill>
-                  <a:srgbClr val="000000"/>
-                </a:solidFill>
-                <a:highlight>
-                  <a:srgbClr val="FFFFFF"/>
-                </a:highlight>
-                <a:latin typeface="Consolas" panose="020B0609020204030204" pitchFamily="49" charset="0"/>
-              </a:rPr>
-              <a:t>;</a:t>
-            </a:r>
-          </a:p>
-          <a:p>
-            <a:pPr marL="0" indent="0">
-              <a:buNone/>
-            </a:pPr>
-            <a:r>
-              <a:rPr lang="en-US" dirty="0">
-                <a:solidFill>
-                  <a:srgbClr val="000000"/>
-                </a:solidFill>
-                <a:highlight>
-                  <a:srgbClr val="FFFFFF"/>
-                </a:highlight>
-                <a:latin typeface="Consolas" panose="020B0609020204030204" pitchFamily="49" charset="0"/>
-              </a:rPr>
-              <a:t> </a:t>
-            </a:r>
-            <a:r>
-              <a:rPr lang="en-US" dirty="0">
-                <a:solidFill>
-                  <a:srgbClr val="008000"/>
-                </a:solidFill>
-                <a:highlight>
-                  <a:srgbClr val="FFFFFF"/>
-                </a:highlight>
-                <a:latin typeface="Consolas" panose="020B0609020204030204" pitchFamily="49" charset="0"/>
-              </a:rPr>
-              <a:t>// second column appended to the string</a:t>
-            </a:r>
-            <a:endParaRPr lang="en-US" dirty="0">
-              <a:solidFill>
-                <a:srgbClr val="000000"/>
-              </a:solidFill>
-              <a:highlight>
-                <a:srgbClr val="FFFFFF"/>
-              </a:highlight>
-              <a:latin typeface="Consolas" panose="020B0609020204030204" pitchFamily="49" charset="0"/>
-            </a:endParaRPr>
-          </a:p>
-          <a:p>
-            <a:pPr marL="0" indent="0">
-              <a:buNone/>
-            </a:pPr>
-            <a:r>
-              <a:rPr lang="en-US" dirty="0">
-                <a:solidFill>
-                  <a:srgbClr val="000000"/>
-                </a:solidFill>
-                <a:highlight>
-                  <a:srgbClr val="FFFFFF"/>
-                </a:highlight>
-                <a:latin typeface="Consolas" panose="020B0609020204030204" pitchFamily="49" charset="0"/>
-              </a:rPr>
-              <a:t>     }</a:t>
-            </a:r>
-            <a:endParaRPr lang="en-US" dirty="0"/>
-          </a:p>
-        </p:txBody>
-      </p:sp>
-    </p:spTree>
-    <p:extLst>
-      <p:ext uri="{BB962C8B-B14F-4D97-AF65-F5344CB8AC3E}">
-        <p14:creationId xmlns:p14="http://schemas.microsoft.com/office/powerpoint/2010/main" val="2828503653"/>
-      </p:ext>
-    </p:extLst>
-  </p:cSld>
-  <p:clrMapOvr>
-    <a:masterClrMapping/>
-  </p:clrMapOvr>
-</p:sld>
-</file>
-
-<file path=ppt/slides/slide14.xml><?xml version="1.0" encoding="utf-8"?>
-<p:sld xmlns:a="http://schemas.openxmlformats.org/drawingml/2006/main" xmlns:r="http://schemas.openxmlformats.org/officeDocument/2006/relationships" xmlns:p="http://schemas.openxmlformats.org/presentationml/2006/main">
-  <p:cSld>
-    <p:spTree>
-      <p:nvGrpSpPr>
-        <p:cNvPr id="1" name=""/>
-        <p:cNvGrpSpPr/>
-        <p:nvPr/>
-      </p:nvGrpSpPr>
-      <p:grpSpPr>
-        <a:xfrm>
-          <a:off x="0" y="0"/>
-          <a:ext cx="0" cy="0"/>
-          <a:chOff x="0" y="0"/>
-          <a:chExt cx="0" cy="0"/>
-        </a:xfrm>
-      </p:grpSpPr>
-      <p:sp>
-        <p:nvSpPr>
           <p:cNvPr id="4" name="Date Placeholder 1"/>
           <p:cNvSpPr>
             <a:spLocks noGrp="1"/>
@@ -6275,7 +3989,7 @@
             <a:fld id="{3A80A862-8D36-4980-8768-28D26AAE6F1D}" type="slidenum">
               <a:rPr lang="en-US" altLang="en-US"/>
               <a:pPr algn="r"/>
-              <a:t>14</a:t>
+              <a:t>2</a:t>
             </a:fld>
             <a:endParaRPr lang="en-US" altLang="en-US"/>
           </a:p>
@@ -6303,7 +4017,7 @@
           <a:graphicData uri="http://schemas.openxmlformats.org/presentationml/2006/ole">
             <mc:AlternateContent xmlns:mc="http://schemas.openxmlformats.org/markup-compatibility/2006">
               <mc:Choice xmlns:v="urn:schemas-microsoft-com:vml" Requires="v">
-                <p:oleObj spid="_x0000_s24628" name="Document" r:id="rId4" imgW="7321366" imgH="775011" progId="Word.Document.8">
+                <p:oleObj spid="_x0000_s24629" name="Document" r:id="rId4" imgW="7321366" imgH="775011" progId="Word.Document.8">
                   <p:embed/>
                 </p:oleObj>
               </mc:Choice>
@@ -6503,166 +4217,7 @@
 </p:sld>
 </file>
 
-<file path=ppt/slides/slide15.xml><?xml version="1.0" encoding="utf-8"?>
-<p:sld xmlns:a="http://schemas.openxmlformats.org/drawingml/2006/main" xmlns:r="http://schemas.openxmlformats.org/officeDocument/2006/relationships" xmlns:p="http://schemas.openxmlformats.org/presentationml/2006/main">
-  <p:cSld>
-    <p:spTree>
-      <p:nvGrpSpPr>
-        <p:cNvPr id="1" name=""/>
-        <p:cNvGrpSpPr/>
-        <p:nvPr/>
-      </p:nvGrpSpPr>
-      <p:grpSpPr>
-        <a:xfrm>
-          <a:off x="0" y="0"/>
-          <a:ext cx="0" cy="0"/>
-          <a:chOff x="0" y="0"/>
-          <a:chExt cx="0" cy="0"/>
-        </a:xfrm>
-      </p:grpSpPr>
-      <p:sp>
-        <p:nvSpPr>
-          <p:cNvPr id="2" name="Title 1"/>
-          <p:cNvSpPr>
-            <a:spLocks noGrp="1"/>
-          </p:cNvSpPr>
-          <p:nvPr>
-            <p:ph type="title"/>
-          </p:nvPr>
-        </p:nvSpPr>
-        <p:spPr/>
-        <p:txBody>
-          <a:bodyPr>
-            <a:normAutofit fontScale="90000"/>
-          </a:bodyPr>
-          <a:lstStyle/>
-          <a:p>
-            <a:r>
-              <a:rPr lang="en-US" dirty="0"/>
-              <a:t>Make a copy of my program with new name</a:t>
-            </a:r>
-          </a:p>
-        </p:txBody>
-      </p:sp>
-      <p:sp>
-        <p:nvSpPr>
-          <p:cNvPr id="3" name="Content Placeholder 2"/>
-          <p:cNvSpPr>
-            <a:spLocks noGrp="1"/>
-          </p:cNvSpPr>
-          <p:nvPr>
-            <p:ph idx="1"/>
-          </p:nvPr>
-        </p:nvSpPr>
-        <p:spPr/>
-        <p:txBody>
-          <a:bodyPr>
-            <a:normAutofit fontScale="85000" lnSpcReduction="20000"/>
-          </a:bodyPr>
-          <a:lstStyle/>
-          <a:p>
-            <a:r>
-              <a:rPr lang="en-US" dirty="0"/>
-              <a:t>We will add a second table, Products</a:t>
-            </a:r>
-          </a:p>
-          <a:p>
-            <a:r>
-              <a:rPr lang="en-US" dirty="0"/>
-              <a:t>We will output the same pop up box, but instead of </a:t>
-            </a:r>
-            <a:r>
-              <a:rPr lang="en-US" dirty="0" err="1"/>
-              <a:t>ProductID</a:t>
-            </a:r>
-            <a:r>
-              <a:rPr lang="en-US" dirty="0"/>
-              <a:t>, we will show the </a:t>
-            </a:r>
-            <a:r>
-              <a:rPr lang="en-US" dirty="0" err="1"/>
-              <a:t>ProductName</a:t>
-            </a:r>
-            <a:endParaRPr lang="en-US" dirty="0"/>
-          </a:p>
-          <a:p>
-            <a:r>
-              <a:rPr lang="en-US" dirty="0"/>
-              <a:t>Open the </a:t>
-            </a:r>
-            <a:r>
-              <a:rPr lang="en-US" dirty="0" err="1"/>
-              <a:t>DataClassesOrdDetail.dbml</a:t>
-            </a:r>
-            <a:endParaRPr lang="en-US" dirty="0"/>
-          </a:p>
-          <a:p>
-            <a:r>
-              <a:rPr lang="en-US" dirty="0"/>
-              <a:t>Open Server Explorer and drag the Products table into the O/R Designer </a:t>
-            </a:r>
-          </a:p>
-          <a:p>
-            <a:r>
-              <a:rPr lang="en-US" dirty="0"/>
-              <a:t>Notice the arrow, showing the PK-FK so now we can use the </a:t>
-            </a:r>
-            <a:r>
-              <a:rPr lang="en-US" dirty="0" err="1"/>
-              <a:t>ProductID</a:t>
-            </a:r>
-            <a:r>
-              <a:rPr lang="en-US" dirty="0"/>
-              <a:t> in Orders Detail to get </a:t>
-            </a:r>
-            <a:r>
-              <a:rPr lang="en-US" dirty="0" err="1"/>
-              <a:t>get</a:t>
-            </a:r>
-            <a:r>
-              <a:rPr lang="en-US" dirty="0"/>
-              <a:t> to the </a:t>
-            </a:r>
-            <a:r>
-              <a:rPr lang="en-US" dirty="0" err="1"/>
-              <a:t>ProductName</a:t>
-            </a:r>
-            <a:r>
-              <a:rPr lang="en-US" dirty="0"/>
-              <a:t> with the same key in Products</a:t>
-            </a:r>
-          </a:p>
-          <a:p>
-            <a:endParaRPr lang="en-US" dirty="0"/>
-          </a:p>
-          <a:p>
-            <a:r>
-              <a:rPr lang="en-US" i="1" dirty="0">
-                <a:solidFill>
-                  <a:schemeClr val="bg2">
-                    <a:lumMod val="75000"/>
-                  </a:schemeClr>
-                </a:solidFill>
-              </a:rPr>
-              <a:t>2-2-Query-B-Join</a:t>
-            </a:r>
-          </a:p>
-        </p:txBody>
-      </p:sp>
-    </p:spTree>
-    <p:extLst>
-      <p:ext uri="{BB962C8B-B14F-4D97-AF65-F5344CB8AC3E}">
-        <p14:creationId xmlns:p14="http://schemas.microsoft.com/office/powerpoint/2010/main" val="1243515475"/>
-      </p:ext>
-    </p:extLst>
-  </p:cSld>
-  <p:clrMapOvr>
-    <a:masterClrMapping/>
-  </p:clrMapOvr>
-</p:sld>
-</file>
-
-<file path=ppt/slides/slide16.xml><?xml version="1.0" encoding="utf-8"?>
+<file path=ppt/slides/slide3.xml><?xml version="1.0" encoding="utf-8"?>
 <p:sld xmlns:a="http://schemas.openxmlformats.org/drawingml/2006/main" xmlns:r="http://schemas.openxmlformats.org/officeDocument/2006/relationships" xmlns:p="http://schemas.openxmlformats.org/presentationml/2006/main">
   <p:cSld>
     <p:spTree>
@@ -6722,7 +4277,7 @@
 </p:sld>
 </file>
 
-<file path=ppt/slides/slide17.xml><?xml version="1.0" encoding="utf-8"?>
+<file path=ppt/slides/slide4.xml><?xml version="1.0" encoding="utf-8"?>
 <p:sld xmlns:a="http://schemas.openxmlformats.org/drawingml/2006/main" xmlns:r="http://schemas.openxmlformats.org/officeDocument/2006/relationships" xmlns:p="http://schemas.openxmlformats.org/presentationml/2006/main">
   <p:cSld>
     <p:spTree>
@@ -6811,7 +4366,7 @@
             <a:fld id="{2425C5C6-51E5-475B-A21A-C7B4E991C679}" type="slidenum">
               <a:rPr lang="en-US" altLang="en-US"/>
               <a:pPr algn="r"/>
-              <a:t>17</a:t>
+              <a:t>4</a:t>
             </a:fld>
             <a:endParaRPr lang="en-US" altLang="en-US"/>
           </a:p>
@@ -6833,7 +4388,7 @@
           <a:graphicData uri="http://schemas.openxmlformats.org/presentationml/2006/ole">
             <mc:AlternateContent xmlns:mc="http://schemas.openxmlformats.org/markup-compatibility/2006">
               <mc:Choice xmlns:v="urn:schemas-microsoft-com:vml" Requires="v">
-                <p:oleObj spid="_x0000_s39958" name="Document" r:id="rId4" imgW="7285567" imgH="5308467" progId="Word.Document.8">
+                <p:oleObj spid="_x0000_s39959" name="Document" r:id="rId4" imgW="7285567" imgH="5308467" progId="Word.Document.8">
                   <p:embed/>
                 </p:oleObj>
               </mc:Choice>
@@ -6923,7 +4478,7 @@
 </p:sld>
 </file>
 
-<file path=ppt/slides/slide18.xml><?xml version="1.0" encoding="utf-8"?>
+<file path=ppt/slides/slide5.xml><?xml version="1.0" encoding="utf-8"?>
 <p:sld xmlns:a="http://schemas.openxmlformats.org/drawingml/2006/main" xmlns:r="http://schemas.openxmlformats.org/officeDocument/2006/relationships" xmlns:p="http://schemas.openxmlformats.org/presentationml/2006/main">
   <p:cSld>
     <p:spTree>
@@ -9221,7 +6776,7 @@
 </p:sld>
 </file>
 
-<file path=ppt/slides/slide19.xml><?xml version="1.0" encoding="utf-8"?>
+<file path=ppt/slides/slide6.xml><?xml version="1.0" encoding="utf-8"?>
 <p:sld xmlns:a="http://schemas.openxmlformats.org/drawingml/2006/main" xmlns:r="http://schemas.openxmlformats.org/officeDocument/2006/relationships" xmlns:p="http://schemas.openxmlformats.org/presentationml/2006/main">
   <p:cSld>
     <p:spTree>
@@ -10082,366 +7637,7 @@
 </p:sld>
 </file>
 
-<file path=ppt/slides/slide2.xml><?xml version="1.0" encoding="utf-8"?>
-<p:sld xmlns:a="http://schemas.openxmlformats.org/drawingml/2006/main" xmlns:r="http://schemas.openxmlformats.org/officeDocument/2006/relationships" xmlns:p="http://schemas.openxmlformats.org/presentationml/2006/main">
-  <p:cSld>
-    <p:spTree>
-      <p:nvGrpSpPr>
-        <p:cNvPr id="1" name=""/>
-        <p:cNvGrpSpPr/>
-        <p:nvPr/>
-      </p:nvGrpSpPr>
-      <p:grpSpPr>
-        <a:xfrm>
-          <a:off x="0" y="0"/>
-          <a:ext cx="0" cy="0"/>
-          <a:chOff x="0" y="0"/>
-          <a:chExt cx="0" cy="0"/>
-        </a:xfrm>
-      </p:grpSpPr>
-      <p:sp>
-        <p:nvSpPr>
-          <p:cNvPr id="4" name="Date Placeholder 1"/>
-          <p:cNvSpPr>
-            <a:spLocks noGrp="1"/>
-          </p:cNvSpPr>
-          <p:nvPr>
-            <p:ph type="dt" sz="half" idx="10"/>
-          </p:nvPr>
-        </p:nvSpPr>
-        <p:spPr/>
-        <p:txBody>
-          <a:bodyPr/>
-          <a:lstStyle/>
-          <a:p>
-            <a:r>
-              <a:rPr lang="en-US" altLang="en-US"/>
-              <a:t>ADO.NET 4 C#, C17</a:t>
-            </a:r>
-          </a:p>
-        </p:txBody>
-      </p:sp>
-      <p:sp>
-        <p:nvSpPr>
-          <p:cNvPr id="5" name="Footer Placeholder 2"/>
-          <p:cNvSpPr>
-            <a:spLocks noGrp="1"/>
-          </p:cNvSpPr>
-          <p:nvPr>
-            <p:ph type="ftr" sz="quarter" idx="11"/>
-          </p:nvPr>
-        </p:nvSpPr>
-        <p:spPr/>
-        <p:txBody>
-          <a:bodyPr/>
-          <a:lstStyle/>
-          <a:p>
-            <a:r>
-              <a:rPr lang="en-US" altLang="en-US"/>
-              <a:t>© 2011, Mike Murach &amp; Associates, Inc.</a:t>
-            </a:r>
-          </a:p>
-        </p:txBody>
-      </p:sp>
-      <p:sp>
-        <p:nvSpPr>
-          <p:cNvPr id="6" name="Slide Number Placeholder 3"/>
-          <p:cNvSpPr>
-            <a:spLocks noGrp="1"/>
-          </p:cNvSpPr>
-          <p:nvPr>
-            <p:ph type="sldNum" sz="quarter" idx="12"/>
-          </p:nvPr>
-        </p:nvSpPr>
-        <p:spPr/>
-        <p:txBody>
-          <a:bodyPr/>
-          <a:lstStyle/>
-          <a:p>
-            <a:endParaRPr lang="en-US" altLang="en-US" sz="1400">
-              <a:latin typeface="Times New Roman" pitchFamily="18" charset="0"/>
-            </a:endParaRPr>
-          </a:p>
-          <a:p>
-            <a:pPr algn="r"/>
-            <a:r>
-              <a:rPr lang="en-US" altLang="en-US"/>
-              <a:t>Slide </a:t>
-            </a:r>
-            <a:fld id="{64503A55-BAC7-4AB3-83CD-1BCC50490D3B}" type="slidenum">
-              <a:rPr lang="en-US" altLang="en-US"/>
-              <a:pPr algn="r"/>
-              <a:t>2</a:t>
-            </a:fld>
-            <a:endParaRPr lang="en-US" altLang="en-US"/>
-          </a:p>
-        </p:txBody>
-      </p:sp>
-      <p:graphicFrame>
-        <p:nvGraphicFramePr>
-          <p:cNvPr id="201730" name="Object 2"/>
-          <p:cNvGraphicFramePr>
-            <a:graphicFrameLocks noChangeAspect="1"/>
-          </p:cNvGraphicFramePr>
-          <p:nvPr>
-            <p:extLst>
-              <p:ext uri="{D42A27DB-BD31-4B8C-83A1-F6EECF244321}">
-                <p14:modId xmlns:p14="http://schemas.microsoft.com/office/powerpoint/2010/main" val="4153188834"/>
-              </p:ext>
-            </p:extLst>
-          </p:nvPr>
-        </p:nvGraphicFramePr>
-        <p:xfrm>
-          <a:off x="914400" y="609600"/>
-          <a:ext cx="7321550" cy="425450"/>
-        </p:xfrm>
-        <a:graphic>
-          <a:graphicData uri="http://schemas.openxmlformats.org/presentationml/2006/ole">
-            <mc:AlternateContent xmlns:mc="http://schemas.openxmlformats.org/markup-compatibility/2006">
-              <mc:Choice xmlns:v="urn:schemas-microsoft-com:vml" Requires="v">
-                <p:oleObj spid="_x0000_s22626" name="Document" r:id="rId4" imgW="7321366" imgH="425215" progId="Word.Document.8">
-                  <p:embed/>
-                </p:oleObj>
-              </mc:Choice>
-              <mc:Fallback>
-                <p:oleObj name="Document" r:id="rId4" imgW="7321366" imgH="425215" progId="Word.Document.8">
-                  <p:embed/>
-                  <p:pic>
-                    <p:nvPicPr>
-                      <p:cNvPr id="0" name=""/>
-                      <p:cNvPicPr>
-                        <a:picLocks noChangeAspect="1" noChangeArrowheads="1"/>
-                      </p:cNvPicPr>
-                      <p:nvPr/>
-                    </p:nvPicPr>
-                    <p:blipFill>
-                      <a:blip r:embed="rId5">
-                        <a:extLst>
-                          <a:ext uri="{28A0092B-C50C-407E-A947-70E740481C1C}">
-                            <a14:useLocalDpi xmlns:a14="http://schemas.microsoft.com/office/drawing/2010/main" val="0"/>
-                          </a:ext>
-                        </a:extLst>
-                      </a:blip>
-                      <a:srcRect/>
-                      <a:stretch>
-                        <a:fillRect/>
-                      </a:stretch>
-                    </p:blipFill>
-                    <p:spPr bwMode="auto">
-                      <a:xfrm>
-                        <a:off x="914400" y="609600"/>
-                        <a:ext cx="7321550" cy="425450"/>
-                      </a:xfrm>
-                      <a:prstGeom prst="rect">
-                        <a:avLst/>
-                      </a:prstGeom>
-                      <a:noFill/>
-                      <a:ln>
-                        <a:noFill/>
-                      </a:ln>
-                      <a:effectLst/>
-                      <a:extLst>
-                        <a:ext uri="{909E8E84-426E-40DD-AFC4-6F175D3DCCD1}">
-                          <a14:hiddenFill xmlns:a14="http://schemas.microsoft.com/office/drawing/2010/main">
-                            <a:solidFill>
-                              <a:schemeClr val="bg1"/>
-                            </a:solidFill>
-                          </a14:hiddenFill>
-                        </a:ext>
-                        <a:ext uri="{91240B29-F687-4F45-9708-019B960494DF}">
-                          <a14:hiddenLine xmlns:a14="http://schemas.microsoft.com/office/drawing/2010/main" w="9525">
-                            <a:solidFill>
-                              <a:schemeClr val="tx1"/>
-                            </a:solidFill>
-                            <a:miter lim="800000"/>
-                            <a:headEnd/>
-                            <a:tailEnd/>
-                          </a14:hiddenLine>
-                        </a:ext>
-                        <a:ext uri="{AF507438-7753-43E0-B8FC-AC1667EBCBE1}">
-                          <a14:hiddenEffects xmlns:a14="http://schemas.microsoft.com/office/drawing/2010/main">
-                            <a:effectLst>
-                              <a:outerShdw dist="35921" dir="2700000" algn="ctr" rotWithShape="0">
-                                <a:schemeClr val="bg2"/>
-                              </a:outerShdw>
-                            </a:effectLst>
-                          </a14:hiddenEffects>
-                        </a:ext>
-                      </a:extLst>
-                    </p:spPr>
-                  </p:pic>
-                </p:oleObj>
-              </mc:Fallback>
-            </mc:AlternateContent>
-          </a:graphicData>
-        </a:graphic>
-      </p:graphicFrame>
-      <p:graphicFrame>
-        <p:nvGraphicFramePr>
-          <p:cNvPr id="201731" name="Object 3"/>
-          <p:cNvGraphicFramePr>
-            <a:graphicFrameLocks noChangeAspect="1"/>
-          </p:cNvGraphicFramePr>
-          <p:nvPr>
-            <p:extLst>
-              <p:ext uri="{D42A27DB-BD31-4B8C-83A1-F6EECF244321}">
-                <p14:modId xmlns:p14="http://schemas.microsoft.com/office/powerpoint/2010/main" val="3435106543"/>
-              </p:ext>
-            </p:extLst>
-          </p:nvPr>
-        </p:nvGraphicFramePr>
-        <p:xfrm>
-          <a:off x="914400" y="1066800"/>
-          <a:ext cx="7239000" cy="3048000"/>
-        </p:xfrm>
-        <a:graphic>
-          <a:graphicData uri="http://schemas.openxmlformats.org/presentationml/2006/ole">
-            <mc:AlternateContent xmlns:mc="http://schemas.openxmlformats.org/markup-compatibility/2006">
-              <mc:Choice xmlns:v="urn:schemas-microsoft-com:vml" Requires="v">
-                <p:oleObj spid="_x0000_s22627" name="Visio" r:id="rId6" imgW="4850280" imgH="2042280" progId="Visio.Drawing.11">
-                  <p:embed/>
-                </p:oleObj>
-              </mc:Choice>
-              <mc:Fallback>
-                <p:oleObj name="Visio" r:id="rId6" imgW="4850280" imgH="2042280" progId="Visio.Drawing.11">
-                  <p:embed/>
-                  <p:pic>
-                    <p:nvPicPr>
-                      <p:cNvPr id="0" name=""/>
-                      <p:cNvPicPr>
-                        <a:picLocks noChangeAspect="1" noChangeArrowheads="1"/>
-                      </p:cNvPicPr>
-                      <p:nvPr/>
-                    </p:nvPicPr>
-                    <p:blipFill>
-                      <a:blip r:embed="rId7">
-                        <a:extLst>
-                          <a:ext uri="{28A0092B-C50C-407E-A947-70E740481C1C}">
-                            <a14:useLocalDpi xmlns:a14="http://schemas.microsoft.com/office/drawing/2010/main" val="0"/>
-                          </a:ext>
-                        </a:extLst>
-                      </a:blip>
-                      <a:srcRect/>
-                      <a:stretch>
-                        <a:fillRect/>
-                      </a:stretch>
-                    </p:blipFill>
-                    <p:spPr bwMode="auto">
-                      <a:xfrm>
-                        <a:off x="914400" y="1066800"/>
-                        <a:ext cx="7239000" cy="3048000"/>
-                      </a:xfrm>
-                      <a:prstGeom prst="rect">
-                        <a:avLst/>
-                      </a:prstGeom>
-                      <a:noFill/>
-                      <a:ln>
-                        <a:noFill/>
-                      </a:ln>
-                      <a:effectLst/>
-                      <a:extLst>
-                        <a:ext uri="{909E8E84-426E-40DD-AFC4-6F175D3DCCD1}">
-                          <a14:hiddenFill xmlns:a14="http://schemas.microsoft.com/office/drawing/2010/main">
-                            <a:solidFill>
-                              <a:schemeClr val="bg1"/>
-                            </a:solidFill>
-                          </a14:hiddenFill>
-                        </a:ext>
-                        <a:ext uri="{91240B29-F687-4F45-9708-019B960494DF}">
-                          <a14:hiddenLine xmlns:a14="http://schemas.microsoft.com/office/drawing/2010/main" w="9525">
-                            <a:solidFill>
-                              <a:schemeClr val="tx1"/>
-                            </a:solidFill>
-                            <a:miter lim="800000"/>
-                            <a:headEnd/>
-                            <a:tailEnd/>
-                          </a14:hiddenLine>
-                        </a:ext>
-                        <a:ext uri="{AF507438-7753-43E0-B8FC-AC1667EBCBE1}">
-                          <a14:hiddenEffects xmlns:a14="http://schemas.microsoft.com/office/drawing/2010/main">
-                            <a:effectLst>
-                              <a:outerShdw dist="35921" dir="2700000" algn="ctr" rotWithShape="0">
-                                <a:schemeClr val="bg2"/>
-                              </a:outerShdw>
-                            </a:effectLst>
-                          </a14:hiddenEffects>
-                        </a:ext>
-                      </a:extLst>
-                    </p:spPr>
-                  </p:pic>
-                </p:oleObj>
-              </mc:Fallback>
-            </mc:AlternateContent>
-          </a:graphicData>
-        </a:graphic>
-      </p:graphicFrame>
-      <p:sp>
-        <p:nvSpPr>
-          <p:cNvPr id="2" name="TextBox 1"/>
-          <p:cNvSpPr txBox="1"/>
-          <p:nvPr/>
-        </p:nvSpPr>
-        <p:spPr>
-          <a:xfrm>
-            <a:off x="609600" y="4876800"/>
-            <a:ext cx="7848600" cy="1477328"/>
-          </a:xfrm>
-          <a:prstGeom prst="rect">
-            <a:avLst/>
-          </a:prstGeom>
-          <a:noFill/>
-        </p:spPr>
-        <p:txBody>
-          <a:bodyPr wrap="square" rtlCol="0">
-            <a:spAutoFit/>
-          </a:bodyPr>
-          <a:lstStyle/>
-          <a:p>
-            <a:pPr marL="285750" indent="-285750">
-              <a:buFont typeface="Arial" panose="020B0604020202020204" pitchFamily="34" charset="0"/>
-              <a:buChar char="•"/>
-            </a:pPr>
-            <a:r>
-              <a:rPr lang="en-US" dirty="0"/>
-              <a:t>Think of the object model as a set of business classes that define business objects that are directly related to the tables (or views) in the database.</a:t>
-            </a:r>
-          </a:p>
-          <a:p>
-            <a:pPr marL="285750" indent="-285750">
-              <a:buFont typeface="Arial" panose="020B0604020202020204" pitchFamily="34" charset="0"/>
-              <a:buChar char="•"/>
-            </a:pPr>
-            <a:r>
-              <a:rPr lang="en-US" dirty="0"/>
-              <a:t>We will need to define this model for each program.</a:t>
-            </a:r>
-          </a:p>
-          <a:p>
-            <a:pPr marL="285750" indent="-285750">
-              <a:buFont typeface="Arial" panose="020B0604020202020204" pitchFamily="34" charset="0"/>
-              <a:buChar char="•"/>
-            </a:pPr>
-            <a:r>
-              <a:rPr lang="en-US" dirty="0"/>
-              <a:t>Your code will operate on the object model (reading or writing), the runtime will do the magic over to the database</a:t>
-            </a:r>
-          </a:p>
-        </p:txBody>
-      </p:sp>
-    </p:spTree>
-    <p:extLst>
-      <p:ext uri="{BB962C8B-B14F-4D97-AF65-F5344CB8AC3E}">
-        <p14:creationId xmlns:p14="http://schemas.microsoft.com/office/powerpoint/2010/main" val="530693541"/>
-      </p:ext>
-    </p:extLst>
-  </p:cSld>
-  <p:clrMapOvr>
-    <a:masterClrMapping/>
-  </p:clrMapOvr>
-</p:sld>
-</file>
-
-<file path=ppt/slides/slide20.xml><?xml version="1.0" encoding="utf-8"?>
+<file path=ppt/slides/slide7.xml><?xml version="1.0" encoding="utf-8"?>
 <p:sld xmlns:a="http://schemas.openxmlformats.org/drawingml/2006/main" xmlns:r="http://schemas.openxmlformats.org/officeDocument/2006/relationships" xmlns:p="http://schemas.openxmlformats.org/presentationml/2006/main">
   <p:cSld>
     <p:spTree>
@@ -10888,2403 +8084,6 @@
     <p:extLst>
       <p:ext uri="{BB962C8B-B14F-4D97-AF65-F5344CB8AC3E}">
         <p14:creationId xmlns:p14="http://schemas.microsoft.com/office/powerpoint/2010/main" val="2574151005"/>
-      </p:ext>
-    </p:extLst>
-  </p:cSld>
-  <p:clrMapOvr>
-    <a:masterClrMapping/>
-  </p:clrMapOvr>
-</p:sld>
-</file>
-
-<file path=ppt/slides/slide21.xml><?xml version="1.0" encoding="utf-8"?>
-<p:sld xmlns:a="http://schemas.openxmlformats.org/drawingml/2006/main" xmlns:r="http://schemas.openxmlformats.org/officeDocument/2006/relationships" xmlns:p="http://schemas.openxmlformats.org/presentationml/2006/main">
-  <p:cSld>
-    <p:spTree>
-      <p:nvGrpSpPr>
-        <p:cNvPr id="1" name=""/>
-        <p:cNvGrpSpPr/>
-        <p:nvPr/>
-      </p:nvGrpSpPr>
-      <p:grpSpPr>
-        <a:xfrm>
-          <a:off x="0" y="0"/>
-          <a:ext cx="0" cy="0"/>
-          <a:chOff x="0" y="0"/>
-          <a:chExt cx="0" cy="0"/>
-        </a:xfrm>
-      </p:grpSpPr>
-      <p:sp>
-        <p:nvSpPr>
-          <p:cNvPr id="2" name="Title 1"/>
-          <p:cNvSpPr>
-            <a:spLocks noGrp="1"/>
-          </p:cNvSpPr>
-          <p:nvPr>
-            <p:ph type="title"/>
-          </p:nvPr>
-        </p:nvSpPr>
-        <p:spPr/>
-        <p:txBody>
-          <a:bodyPr/>
-          <a:lstStyle/>
-          <a:p>
-            <a:r>
-              <a:rPr lang="en-US" dirty="0"/>
-              <a:t>Now we will crawl </a:t>
-            </a:r>
-            <a:r>
-              <a:rPr lang="en-US"/>
-              <a:t>through this one</a:t>
-            </a:r>
-          </a:p>
-        </p:txBody>
-      </p:sp>
-      <p:sp>
-        <p:nvSpPr>
-          <p:cNvPr id="3" name="Content Placeholder 2"/>
-          <p:cNvSpPr>
-            <a:spLocks noGrp="1"/>
-          </p:cNvSpPr>
-          <p:nvPr>
-            <p:ph idx="1"/>
-          </p:nvPr>
-        </p:nvSpPr>
-        <p:spPr/>
-        <p:txBody>
-          <a:bodyPr/>
-          <a:lstStyle/>
-          <a:p>
-            <a:r>
-              <a:rPr lang="en-US" dirty="0"/>
-              <a:t>LINQ-</a:t>
-            </a:r>
-            <a:r>
-              <a:rPr lang="en-US" dirty="0" err="1"/>
-              <a:t>InnerJoin</a:t>
-            </a:r>
-            <a:r>
-              <a:rPr lang="en-US" dirty="0"/>
-              <a:t>-Relationship</a:t>
-            </a:r>
-          </a:p>
-        </p:txBody>
-      </p:sp>
-    </p:spTree>
-    <p:extLst>
-      <p:ext uri="{BB962C8B-B14F-4D97-AF65-F5344CB8AC3E}">
-        <p14:creationId xmlns:p14="http://schemas.microsoft.com/office/powerpoint/2010/main" val="2284227219"/>
-      </p:ext>
-    </p:extLst>
-  </p:cSld>
-  <p:clrMapOvr>
-    <a:masterClrMapping/>
-  </p:clrMapOvr>
-</p:sld>
-</file>
-
-<file path=ppt/slides/slide3.xml><?xml version="1.0" encoding="utf-8"?>
-<p:sld xmlns:a="http://schemas.openxmlformats.org/drawingml/2006/main" xmlns:r="http://schemas.openxmlformats.org/officeDocument/2006/relationships" xmlns:p="http://schemas.openxmlformats.org/presentationml/2006/main">
-  <p:cSld>
-    <p:spTree>
-      <p:nvGrpSpPr>
-        <p:cNvPr id="1" name=""/>
-        <p:cNvGrpSpPr/>
-        <p:nvPr/>
-      </p:nvGrpSpPr>
-      <p:grpSpPr>
-        <a:xfrm>
-          <a:off x="0" y="0"/>
-          <a:ext cx="0" cy="0"/>
-          <a:chOff x="0" y="0"/>
-          <a:chExt cx="0" cy="0"/>
-        </a:xfrm>
-      </p:grpSpPr>
-      <p:sp>
-        <p:nvSpPr>
-          <p:cNvPr id="3" name="Date Placeholder 1"/>
-          <p:cNvSpPr>
-            <a:spLocks noGrp="1"/>
-          </p:cNvSpPr>
-          <p:nvPr>
-            <p:ph type="dt" sz="half" idx="10"/>
-          </p:nvPr>
-        </p:nvSpPr>
-        <p:spPr/>
-        <p:txBody>
-          <a:bodyPr/>
-          <a:lstStyle/>
-          <a:p>
-            <a:r>
-              <a:rPr lang="en-US" altLang="en-US"/>
-              <a:t>ADO.NET 4 C#, C17</a:t>
-            </a:r>
-          </a:p>
-        </p:txBody>
-      </p:sp>
-      <p:sp>
-        <p:nvSpPr>
-          <p:cNvPr id="4" name="Footer Placeholder 2"/>
-          <p:cNvSpPr>
-            <a:spLocks noGrp="1"/>
-          </p:cNvSpPr>
-          <p:nvPr>
-            <p:ph type="ftr" sz="quarter" idx="11"/>
-          </p:nvPr>
-        </p:nvSpPr>
-        <p:spPr/>
-        <p:txBody>
-          <a:bodyPr/>
-          <a:lstStyle/>
-          <a:p>
-            <a:r>
-              <a:rPr lang="en-US" altLang="en-US"/>
-              <a:t>© 2011, Mike Murach &amp; Associates, Inc.</a:t>
-            </a:r>
-          </a:p>
-        </p:txBody>
-      </p:sp>
-      <p:sp>
-        <p:nvSpPr>
-          <p:cNvPr id="5" name="Slide Number Placeholder 3"/>
-          <p:cNvSpPr>
-            <a:spLocks noGrp="1"/>
-          </p:cNvSpPr>
-          <p:nvPr>
-            <p:ph type="sldNum" sz="quarter" idx="12"/>
-          </p:nvPr>
-        </p:nvSpPr>
-        <p:spPr/>
-        <p:txBody>
-          <a:bodyPr/>
-          <a:lstStyle/>
-          <a:p>
-            <a:endParaRPr lang="en-US" altLang="en-US" sz="1400">
-              <a:latin typeface="Times New Roman" pitchFamily="18" charset="0"/>
-            </a:endParaRPr>
-          </a:p>
-          <a:p>
-            <a:pPr algn="r"/>
-            <a:r>
-              <a:rPr lang="en-US" altLang="en-US"/>
-              <a:t>Slide </a:t>
-            </a:r>
-            <a:fld id="{BA30C0BA-1222-4A90-A6BE-56C36D050D09}" type="slidenum">
-              <a:rPr lang="en-US" altLang="en-US"/>
-              <a:pPr algn="r"/>
-              <a:t>3</a:t>
-            </a:fld>
-            <a:endParaRPr lang="en-US" altLang="en-US"/>
-          </a:p>
-        </p:txBody>
-      </p:sp>
-      <p:graphicFrame>
-        <p:nvGraphicFramePr>
-          <p:cNvPr id="200706" name="Object 2"/>
-          <p:cNvGraphicFramePr>
-            <a:graphicFrameLocks noChangeAspect="1"/>
-          </p:cNvGraphicFramePr>
-          <p:nvPr>
-            <p:extLst>
-              <p:ext uri="{D42A27DB-BD31-4B8C-83A1-F6EECF244321}">
-                <p14:modId xmlns:p14="http://schemas.microsoft.com/office/powerpoint/2010/main" val="4052871588"/>
-              </p:ext>
-            </p:extLst>
-          </p:nvPr>
-        </p:nvGraphicFramePr>
-        <p:xfrm>
-          <a:off x="914400" y="1376363"/>
-          <a:ext cx="7369175" cy="4498975"/>
-        </p:xfrm>
-        <a:graphic>
-          <a:graphicData uri="http://schemas.openxmlformats.org/presentationml/2006/ole">
-            <mc:AlternateContent xmlns:mc="http://schemas.openxmlformats.org/markup-compatibility/2006">
-              <mc:Choice xmlns:v="urn:schemas-microsoft-com:vml" Requires="v">
-                <p:oleObj spid="_x0000_s23604" name="Document" r:id="rId4" imgW="7380083" imgH="4518991" progId="Word.Document.8">
-                  <p:embed/>
-                </p:oleObj>
-              </mc:Choice>
-              <mc:Fallback>
-                <p:oleObj name="Document" r:id="rId4" imgW="7380083" imgH="4518991" progId="Word.Document.8">
-                  <p:embed/>
-                  <p:pic>
-                    <p:nvPicPr>
-                      <p:cNvPr id="0" name=""/>
-                      <p:cNvPicPr>
-                        <a:picLocks noChangeAspect="1" noChangeArrowheads="1"/>
-                      </p:cNvPicPr>
-                      <p:nvPr/>
-                    </p:nvPicPr>
-                    <p:blipFill>
-                      <a:blip r:embed="rId5"/>
-                      <a:srcRect/>
-                      <a:stretch>
-                        <a:fillRect/>
-                      </a:stretch>
-                    </p:blipFill>
-                    <p:spPr bwMode="auto">
-                      <a:xfrm>
-                        <a:off x="914400" y="1376363"/>
-                        <a:ext cx="7369175" cy="4498975"/>
-                      </a:xfrm>
-                      <a:prstGeom prst="rect">
-                        <a:avLst/>
-                      </a:prstGeom>
-                      <a:noFill/>
-                      <a:ln>
-                        <a:noFill/>
-                      </a:ln>
-                      <a:effectLst/>
-                      <a:extLst>
-                        <a:ext uri="{909E8E84-426E-40DD-AFC4-6F175D3DCCD1}">
-                          <a14:hiddenFill xmlns:a14="http://schemas.microsoft.com/office/drawing/2010/main">
-                            <a:solidFill>
-                              <a:schemeClr val="bg1"/>
-                            </a:solidFill>
-                          </a14:hiddenFill>
-                        </a:ext>
-                        <a:ext uri="{91240B29-F687-4F45-9708-019B960494DF}">
-                          <a14:hiddenLine xmlns:a14="http://schemas.microsoft.com/office/drawing/2010/main" w="9525">
-                            <a:solidFill>
-                              <a:schemeClr val="tx1"/>
-                            </a:solidFill>
-                            <a:miter lim="800000"/>
-                            <a:headEnd/>
-                            <a:tailEnd/>
-                          </a14:hiddenLine>
-                        </a:ext>
-                        <a:ext uri="{AF507438-7753-43E0-B8FC-AC1667EBCBE1}">
-                          <a14:hiddenEffects xmlns:a14="http://schemas.microsoft.com/office/drawing/2010/main">
-                            <a:effectLst>
-                              <a:outerShdw dist="35921" dir="2700000" algn="ctr" rotWithShape="0">
-                                <a:schemeClr val="bg2"/>
-                              </a:outerShdw>
-                            </a:effectLst>
-                          </a14:hiddenEffects>
-                        </a:ext>
-                      </a:extLst>
-                    </p:spPr>
-                  </p:pic>
-                </p:oleObj>
-              </mc:Fallback>
-            </mc:AlternateContent>
-          </a:graphicData>
-        </a:graphic>
-      </p:graphicFrame>
-      <p:sp>
-        <p:nvSpPr>
-          <p:cNvPr id="6" name="TextBox 5"/>
-          <p:cNvSpPr txBox="1"/>
-          <p:nvPr/>
-        </p:nvSpPr>
-        <p:spPr>
-          <a:xfrm rot="19659507">
-            <a:off x="6903003" y="717542"/>
-            <a:ext cx="2159694" cy="369332"/>
-          </a:xfrm>
-          <a:prstGeom prst="rect">
-            <a:avLst/>
-          </a:prstGeom>
-          <a:noFill/>
-        </p:spPr>
-        <p:txBody>
-          <a:bodyPr wrap="none" rtlCol="0">
-            <a:spAutoFit/>
-          </a:bodyPr>
-          <a:lstStyle/>
-          <a:p>
-            <a:r>
-              <a:rPr lang="en-US" dirty="0">
-                <a:solidFill>
-                  <a:srgbClr val="0070C0"/>
-                </a:solidFill>
-              </a:rPr>
-              <a:t>(like a DataAdapter?)</a:t>
-            </a:r>
-          </a:p>
-        </p:txBody>
-      </p:sp>
-      <p:cxnSp>
-        <p:nvCxnSpPr>
-          <p:cNvPr id="8" name="Straight Arrow Connector 7"/>
-          <p:cNvCxnSpPr>
-            <a:stCxn id="6" idx="1"/>
-          </p:cNvCxnSpPr>
-          <p:nvPr/>
-        </p:nvCxnSpPr>
-        <p:spPr>
-          <a:xfrm flipH="1">
-            <a:off x="4876804" y="1479889"/>
-            <a:ext cx="2193711" cy="806111"/>
-          </a:xfrm>
-          <a:prstGeom prst="straightConnector1">
-            <a:avLst/>
-          </a:prstGeom>
-          <a:ln>
-            <a:tailEnd type="triangle"/>
-          </a:ln>
-        </p:spPr>
-        <p:style>
-          <a:lnRef idx="1">
-            <a:schemeClr val="accent1"/>
-          </a:lnRef>
-          <a:fillRef idx="0">
-            <a:schemeClr val="accent1"/>
-          </a:fillRef>
-          <a:effectRef idx="0">
-            <a:schemeClr val="accent1"/>
-          </a:effectRef>
-          <a:fontRef idx="minor">
-            <a:schemeClr val="tx1"/>
-          </a:fontRef>
-        </p:style>
-      </p:cxnSp>
-      <p:sp>
-        <p:nvSpPr>
-          <p:cNvPr id="10" name="TextBox 9"/>
-          <p:cNvSpPr txBox="1"/>
-          <p:nvPr/>
-        </p:nvSpPr>
-        <p:spPr>
-          <a:xfrm rot="19659507">
-            <a:off x="7358306" y="2178764"/>
-            <a:ext cx="1700337" cy="369332"/>
-          </a:xfrm>
-          <a:prstGeom prst="rect">
-            <a:avLst/>
-          </a:prstGeom>
-          <a:noFill/>
-        </p:spPr>
-        <p:txBody>
-          <a:bodyPr wrap="none" rtlCol="0">
-            <a:spAutoFit/>
-          </a:bodyPr>
-          <a:lstStyle/>
-          <a:p>
-            <a:r>
-              <a:rPr lang="en-US" dirty="0">
-                <a:solidFill>
-                  <a:srgbClr val="0070C0"/>
-                </a:solidFill>
-              </a:rPr>
-              <a:t>(like a DataSet?)</a:t>
-            </a:r>
-          </a:p>
-        </p:txBody>
-      </p:sp>
-      <p:cxnSp>
-        <p:nvCxnSpPr>
-          <p:cNvPr id="11" name="Straight Arrow Connector 10"/>
-          <p:cNvCxnSpPr>
-            <a:stCxn id="10" idx="1"/>
-          </p:cNvCxnSpPr>
-          <p:nvPr/>
-        </p:nvCxnSpPr>
-        <p:spPr>
-          <a:xfrm flipH="1">
-            <a:off x="5943600" y="2818241"/>
-            <a:ext cx="1546589" cy="686959"/>
-          </a:xfrm>
-          <a:prstGeom prst="straightConnector1">
-            <a:avLst/>
-          </a:prstGeom>
-          <a:ln>
-            <a:tailEnd type="triangle"/>
-          </a:ln>
-        </p:spPr>
-        <p:style>
-          <a:lnRef idx="1">
-            <a:schemeClr val="accent1"/>
-          </a:lnRef>
-          <a:fillRef idx="0">
-            <a:schemeClr val="accent1"/>
-          </a:fillRef>
-          <a:effectRef idx="0">
-            <a:schemeClr val="accent1"/>
-          </a:effectRef>
-          <a:fontRef idx="minor">
-            <a:schemeClr val="tx1"/>
-          </a:fontRef>
-        </p:style>
-      </p:cxnSp>
-      <p:sp>
-        <p:nvSpPr>
-          <p:cNvPr id="13" name="TextBox 12"/>
-          <p:cNvSpPr txBox="1"/>
-          <p:nvPr/>
-        </p:nvSpPr>
-        <p:spPr>
-          <a:xfrm rot="19659507">
-            <a:off x="7275399" y="3573501"/>
-            <a:ext cx="1786836" cy="369332"/>
-          </a:xfrm>
-          <a:prstGeom prst="rect">
-            <a:avLst/>
-          </a:prstGeom>
-          <a:noFill/>
-        </p:spPr>
-        <p:txBody>
-          <a:bodyPr wrap="none" rtlCol="0">
-            <a:spAutoFit/>
-          </a:bodyPr>
-          <a:lstStyle/>
-          <a:p>
-            <a:r>
-              <a:rPr lang="en-US" dirty="0">
-                <a:solidFill>
-                  <a:srgbClr val="0070C0"/>
-                </a:solidFill>
-              </a:rPr>
-              <a:t>(</a:t>
-            </a:r>
-            <a:r>
-              <a:rPr lang="en-US" dirty="0" err="1">
-                <a:solidFill>
-                  <a:srgbClr val="0070C0"/>
-                </a:solidFill>
-              </a:rPr>
-              <a:t>DataSet.CarID</a:t>
-            </a:r>
-            <a:r>
-              <a:rPr lang="en-US" dirty="0">
-                <a:solidFill>
-                  <a:srgbClr val="0070C0"/>
-                </a:solidFill>
-              </a:rPr>
-              <a:t> ?)</a:t>
-            </a:r>
-          </a:p>
-        </p:txBody>
-      </p:sp>
-      <p:cxnSp>
-        <p:nvCxnSpPr>
-          <p:cNvPr id="15" name="Straight Arrow Connector 14"/>
-          <p:cNvCxnSpPr>
-            <a:stCxn id="13" idx="1"/>
-          </p:cNvCxnSpPr>
-          <p:nvPr/>
-        </p:nvCxnSpPr>
-        <p:spPr>
-          <a:xfrm flipH="1">
-            <a:off x="6553200" y="4236115"/>
-            <a:ext cx="860791" cy="107285"/>
-          </a:xfrm>
-          <a:prstGeom prst="straightConnector1">
-            <a:avLst/>
-          </a:prstGeom>
-          <a:ln>
-            <a:tailEnd type="triangle"/>
-          </a:ln>
-        </p:spPr>
-        <p:style>
-          <a:lnRef idx="1">
-            <a:schemeClr val="accent1"/>
-          </a:lnRef>
-          <a:fillRef idx="0">
-            <a:schemeClr val="accent1"/>
-          </a:fillRef>
-          <a:effectRef idx="0">
-            <a:schemeClr val="accent1"/>
-          </a:effectRef>
-          <a:fontRef idx="minor">
-            <a:schemeClr val="tx1"/>
-          </a:fontRef>
-        </p:style>
-      </p:cxnSp>
-      <p:sp>
-        <p:nvSpPr>
-          <p:cNvPr id="16" name="TextBox 15"/>
-          <p:cNvSpPr txBox="1"/>
-          <p:nvPr/>
-        </p:nvSpPr>
-        <p:spPr>
-          <a:xfrm>
-            <a:off x="457200" y="381000"/>
-            <a:ext cx="4658839" cy="369332"/>
-          </a:xfrm>
-          <a:prstGeom prst="rect">
-            <a:avLst/>
-          </a:prstGeom>
-          <a:noFill/>
-        </p:spPr>
-        <p:txBody>
-          <a:bodyPr wrap="none" rtlCol="0">
-            <a:spAutoFit/>
-          </a:bodyPr>
-          <a:lstStyle/>
-          <a:p>
-            <a:r>
-              <a:rPr lang="en-US" i="1" dirty="0">
-                <a:solidFill>
-                  <a:srgbClr val="0070C0"/>
-                </a:solidFill>
-              </a:rPr>
-              <a:t>Yep, another way of specifying the same things!</a:t>
-            </a:r>
-          </a:p>
-        </p:txBody>
-      </p:sp>
-    </p:spTree>
-    <p:extLst>
-      <p:ext uri="{BB962C8B-B14F-4D97-AF65-F5344CB8AC3E}">
-        <p14:creationId xmlns:p14="http://schemas.microsoft.com/office/powerpoint/2010/main" val="1276784203"/>
-      </p:ext>
-    </p:extLst>
-  </p:cSld>
-  <p:clrMapOvr>
-    <a:masterClrMapping/>
-  </p:clrMapOvr>
-</p:sld>
-</file>
-
-<file path=ppt/slides/slide4.xml><?xml version="1.0" encoding="utf-8"?>
-<p:sld xmlns:a="http://schemas.openxmlformats.org/drawingml/2006/main" xmlns:r="http://schemas.openxmlformats.org/officeDocument/2006/relationships" xmlns:p="http://schemas.openxmlformats.org/presentationml/2006/main">
-  <p:cSld>
-    <p:spTree>
-      <p:nvGrpSpPr>
-        <p:cNvPr id="1" name=""/>
-        <p:cNvGrpSpPr/>
-        <p:nvPr/>
-      </p:nvGrpSpPr>
-      <p:grpSpPr>
-        <a:xfrm>
-          <a:off x="0" y="0"/>
-          <a:ext cx="0" cy="0"/>
-          <a:chOff x="0" y="0"/>
-          <a:chExt cx="0" cy="0"/>
-        </a:xfrm>
-      </p:grpSpPr>
-      <p:pic>
-        <p:nvPicPr>
-          <p:cNvPr id="2" name="Picture 1"/>
-          <p:cNvPicPr>
-            <a:picLocks noChangeAspect="1"/>
-          </p:cNvPicPr>
-          <p:nvPr/>
-        </p:nvPicPr>
-        <p:blipFill>
-          <a:blip r:embed="rId2">
-            <a:extLst>
-              <a:ext uri="{28A0092B-C50C-407E-A947-70E740481C1C}">
-                <a14:useLocalDpi xmlns:a14="http://schemas.microsoft.com/office/drawing/2010/main" val="0"/>
-              </a:ext>
-            </a:extLst>
-          </a:blip>
-          <a:stretch>
-            <a:fillRect/>
-          </a:stretch>
-        </p:blipFill>
-        <p:spPr>
-          <a:xfrm>
-            <a:off x="556901" y="415183"/>
-            <a:ext cx="8072195" cy="6163621"/>
-          </a:xfrm>
-          <a:prstGeom prst="rect">
-            <a:avLst/>
-          </a:prstGeom>
-        </p:spPr>
-      </p:pic>
-      <p:sp>
-        <p:nvSpPr>
-          <p:cNvPr id="3" name="TextBox 2"/>
-          <p:cNvSpPr txBox="1"/>
-          <p:nvPr/>
-        </p:nvSpPr>
-        <p:spPr>
-          <a:xfrm>
-            <a:off x="533400" y="415183"/>
-            <a:ext cx="5746510" cy="646331"/>
-          </a:xfrm>
-          <a:prstGeom prst="rect">
-            <a:avLst/>
-          </a:prstGeom>
-          <a:noFill/>
-        </p:spPr>
-        <p:txBody>
-          <a:bodyPr wrap="none" rtlCol="0">
-            <a:spAutoFit/>
-          </a:bodyPr>
-          <a:lstStyle/>
-          <a:p>
-            <a:r>
-              <a:rPr lang="en-US" dirty="0"/>
-              <a:t>Creating an Entity Class with the Object Relational Designer</a:t>
-            </a:r>
-          </a:p>
-          <a:p>
-            <a:r>
-              <a:rPr lang="en-US" dirty="0"/>
-              <a:t>O/R Designer</a:t>
-            </a:r>
-          </a:p>
-        </p:txBody>
-      </p:sp>
-      <p:sp>
-        <p:nvSpPr>
-          <p:cNvPr id="4" name="TextBox 3"/>
-          <p:cNvSpPr txBox="1"/>
-          <p:nvPr/>
-        </p:nvSpPr>
-        <p:spPr>
-          <a:xfrm>
-            <a:off x="1524000" y="5867400"/>
-            <a:ext cx="2373855" cy="307777"/>
-          </a:xfrm>
-          <a:prstGeom prst="rect">
-            <a:avLst/>
-          </a:prstGeom>
-          <a:solidFill>
-            <a:schemeClr val="bg1"/>
-          </a:solidFill>
-        </p:spPr>
-        <p:txBody>
-          <a:bodyPr wrap="none" rtlCol="0">
-            <a:spAutoFit/>
-          </a:bodyPr>
-          <a:lstStyle/>
-          <a:p>
-            <a:r>
-              <a:rPr lang="en-US" sz="1400" b="1" dirty="0" err="1">
-                <a:solidFill>
-                  <a:srgbClr val="C00000"/>
-                </a:solidFill>
-              </a:rPr>
-              <a:t>DataClassesOrderDetail.dbml</a:t>
-            </a:r>
-            <a:endParaRPr lang="en-US" sz="1400" b="1" dirty="0">
-              <a:solidFill>
-                <a:srgbClr val="C00000"/>
-              </a:solidFill>
-            </a:endParaRPr>
-          </a:p>
-        </p:txBody>
-      </p:sp>
-    </p:spTree>
-    <p:extLst>
-      <p:ext uri="{BB962C8B-B14F-4D97-AF65-F5344CB8AC3E}">
-        <p14:creationId xmlns:p14="http://schemas.microsoft.com/office/powerpoint/2010/main" val="971309267"/>
-      </p:ext>
-    </p:extLst>
-  </p:cSld>
-  <p:clrMapOvr>
-    <a:masterClrMapping/>
-  </p:clrMapOvr>
-</p:sld>
-</file>
-
-<file path=ppt/slides/slide5.xml><?xml version="1.0" encoding="utf-8"?>
-<p:sld xmlns:a="http://schemas.openxmlformats.org/drawingml/2006/main" xmlns:r="http://schemas.openxmlformats.org/officeDocument/2006/relationships" xmlns:p="http://schemas.openxmlformats.org/presentationml/2006/main">
-  <p:cSld>
-    <p:spTree>
-      <p:nvGrpSpPr>
-        <p:cNvPr id="1" name=""/>
-        <p:cNvGrpSpPr/>
-        <p:nvPr/>
-      </p:nvGrpSpPr>
-      <p:grpSpPr>
-        <a:xfrm>
-          <a:off x="0" y="0"/>
-          <a:ext cx="0" cy="0"/>
-          <a:chOff x="0" y="0"/>
-          <a:chExt cx="0" cy="0"/>
-        </a:xfrm>
-      </p:grpSpPr>
-      <p:pic>
-        <p:nvPicPr>
-          <p:cNvPr id="2" name="Picture 1"/>
-          <p:cNvPicPr>
-            <a:picLocks noChangeAspect="1"/>
-          </p:cNvPicPr>
-          <p:nvPr/>
-        </p:nvPicPr>
-        <p:blipFill>
-          <a:blip r:embed="rId2">
-            <a:extLst>
-              <a:ext uri="{28A0092B-C50C-407E-A947-70E740481C1C}">
-                <a14:useLocalDpi xmlns:a14="http://schemas.microsoft.com/office/drawing/2010/main" val="0"/>
-              </a:ext>
-            </a:extLst>
-          </a:blip>
-          <a:stretch>
-            <a:fillRect/>
-          </a:stretch>
-        </p:blipFill>
-        <p:spPr>
-          <a:xfrm>
-            <a:off x="228600" y="533400"/>
-            <a:ext cx="8534400" cy="6077279"/>
-          </a:xfrm>
-          <a:prstGeom prst="rect">
-            <a:avLst/>
-          </a:prstGeom>
-        </p:spPr>
-      </p:pic>
-      <p:sp>
-        <p:nvSpPr>
-          <p:cNvPr id="3" name="Freeform 2"/>
-          <p:cNvSpPr/>
-          <p:nvPr/>
-        </p:nvSpPr>
-        <p:spPr>
-          <a:xfrm>
-            <a:off x="623843" y="3119215"/>
-            <a:ext cx="2623559" cy="478564"/>
-          </a:xfrm>
-          <a:custGeom>
-            <a:avLst/>
-            <a:gdLst>
-              <a:gd name="connsiteX0" fmla="*/ 504202 w 2623559"/>
-              <a:gd name="connsiteY0" fmla="*/ 25637 h 478564"/>
-              <a:gd name="connsiteX1" fmla="*/ 188007 w 2623559"/>
-              <a:gd name="connsiteY1" fmla="*/ 34183 h 478564"/>
-              <a:gd name="connsiteX2" fmla="*/ 145278 w 2623559"/>
-              <a:gd name="connsiteY2" fmla="*/ 42729 h 478564"/>
-              <a:gd name="connsiteX3" fmla="*/ 85458 w 2623559"/>
-              <a:gd name="connsiteY3" fmla="*/ 51275 h 478564"/>
-              <a:gd name="connsiteX4" fmla="*/ 34183 w 2623559"/>
-              <a:gd name="connsiteY4" fmla="*/ 76912 h 478564"/>
-              <a:gd name="connsiteX5" fmla="*/ 17092 w 2623559"/>
-              <a:gd name="connsiteY5" fmla="*/ 128187 h 478564"/>
-              <a:gd name="connsiteX6" fmla="*/ 8546 w 2623559"/>
-              <a:gd name="connsiteY6" fmla="*/ 153824 h 478564"/>
-              <a:gd name="connsiteX7" fmla="*/ 0 w 2623559"/>
-              <a:gd name="connsiteY7" fmla="*/ 179462 h 478564"/>
-              <a:gd name="connsiteX8" fmla="*/ 25637 w 2623559"/>
-              <a:gd name="connsiteY8" fmla="*/ 247828 h 478564"/>
-              <a:gd name="connsiteX9" fmla="*/ 42729 w 2623559"/>
-              <a:gd name="connsiteY9" fmla="*/ 282011 h 478564"/>
-              <a:gd name="connsiteX10" fmla="*/ 68366 w 2623559"/>
-              <a:gd name="connsiteY10" fmla="*/ 290557 h 478564"/>
-              <a:gd name="connsiteX11" fmla="*/ 85458 w 2623559"/>
-              <a:gd name="connsiteY11" fmla="*/ 316194 h 478564"/>
-              <a:gd name="connsiteX12" fmla="*/ 136733 w 2623559"/>
-              <a:gd name="connsiteY12" fmla="*/ 341832 h 478564"/>
-              <a:gd name="connsiteX13" fmla="*/ 162370 w 2623559"/>
-              <a:gd name="connsiteY13" fmla="*/ 358923 h 478564"/>
-              <a:gd name="connsiteX14" fmla="*/ 222191 w 2623559"/>
-              <a:gd name="connsiteY14" fmla="*/ 376015 h 478564"/>
-              <a:gd name="connsiteX15" fmla="*/ 247828 w 2623559"/>
-              <a:gd name="connsiteY15" fmla="*/ 384561 h 478564"/>
-              <a:gd name="connsiteX16" fmla="*/ 384561 w 2623559"/>
-              <a:gd name="connsiteY16" fmla="*/ 410198 h 478564"/>
-              <a:gd name="connsiteX17" fmla="*/ 521293 w 2623559"/>
-              <a:gd name="connsiteY17" fmla="*/ 427290 h 478564"/>
-              <a:gd name="connsiteX18" fmla="*/ 675118 w 2623559"/>
-              <a:gd name="connsiteY18" fmla="*/ 435835 h 478564"/>
-              <a:gd name="connsiteX19" fmla="*/ 957129 w 2623559"/>
-              <a:gd name="connsiteY19" fmla="*/ 461473 h 478564"/>
-              <a:gd name="connsiteX20" fmla="*/ 1230594 w 2623559"/>
-              <a:gd name="connsiteY20" fmla="*/ 478564 h 478564"/>
-              <a:gd name="connsiteX21" fmla="*/ 2008262 w 2623559"/>
-              <a:gd name="connsiteY21" fmla="*/ 461473 h 478564"/>
-              <a:gd name="connsiteX22" fmla="*/ 2042445 w 2623559"/>
-              <a:gd name="connsiteY22" fmla="*/ 452927 h 478564"/>
-              <a:gd name="connsiteX23" fmla="*/ 2093720 w 2623559"/>
-              <a:gd name="connsiteY23" fmla="*/ 444381 h 478564"/>
-              <a:gd name="connsiteX24" fmla="*/ 2204815 w 2623559"/>
-              <a:gd name="connsiteY24" fmla="*/ 427290 h 478564"/>
-              <a:gd name="connsiteX25" fmla="*/ 2238998 w 2623559"/>
-              <a:gd name="connsiteY25" fmla="*/ 418744 h 478564"/>
-              <a:gd name="connsiteX26" fmla="*/ 2341548 w 2623559"/>
-              <a:gd name="connsiteY26" fmla="*/ 401652 h 478564"/>
-              <a:gd name="connsiteX27" fmla="*/ 2418460 w 2623559"/>
-              <a:gd name="connsiteY27" fmla="*/ 376015 h 478564"/>
-              <a:gd name="connsiteX28" fmla="*/ 2521009 w 2623559"/>
-              <a:gd name="connsiteY28" fmla="*/ 341832 h 478564"/>
-              <a:gd name="connsiteX29" fmla="*/ 2546647 w 2623559"/>
-              <a:gd name="connsiteY29" fmla="*/ 333286 h 478564"/>
-              <a:gd name="connsiteX30" fmla="*/ 2572284 w 2623559"/>
-              <a:gd name="connsiteY30" fmla="*/ 324740 h 478564"/>
-              <a:gd name="connsiteX31" fmla="*/ 2589376 w 2623559"/>
-              <a:gd name="connsiteY31" fmla="*/ 299103 h 478564"/>
-              <a:gd name="connsiteX32" fmla="*/ 2606467 w 2623559"/>
-              <a:gd name="connsiteY32" fmla="*/ 247828 h 478564"/>
-              <a:gd name="connsiteX33" fmla="*/ 2623559 w 2623559"/>
-              <a:gd name="connsiteY33" fmla="*/ 179462 h 478564"/>
-              <a:gd name="connsiteX34" fmla="*/ 2615013 w 2623559"/>
-              <a:gd name="connsiteY34" fmla="*/ 111095 h 478564"/>
-              <a:gd name="connsiteX35" fmla="*/ 2563738 w 2623559"/>
-              <a:gd name="connsiteY35" fmla="*/ 76912 h 478564"/>
-              <a:gd name="connsiteX36" fmla="*/ 2495372 w 2623559"/>
-              <a:gd name="connsiteY36" fmla="*/ 59821 h 478564"/>
-              <a:gd name="connsiteX37" fmla="*/ 2469735 w 2623559"/>
-              <a:gd name="connsiteY37" fmla="*/ 51275 h 478564"/>
-              <a:gd name="connsiteX38" fmla="*/ 2401368 w 2623559"/>
-              <a:gd name="connsiteY38" fmla="*/ 34183 h 478564"/>
-              <a:gd name="connsiteX39" fmla="*/ 2290273 w 2623559"/>
-              <a:gd name="connsiteY39" fmla="*/ 25637 h 478564"/>
-              <a:gd name="connsiteX40" fmla="*/ 1273323 w 2623559"/>
-              <a:gd name="connsiteY40" fmla="*/ 17092 h 478564"/>
-              <a:gd name="connsiteX41" fmla="*/ 948583 w 2623559"/>
-              <a:gd name="connsiteY41" fmla="*/ 8546 h 478564"/>
-              <a:gd name="connsiteX42" fmla="*/ 811850 w 2623559"/>
-              <a:gd name="connsiteY42" fmla="*/ 0 h 478564"/>
-              <a:gd name="connsiteX43" fmla="*/ 504202 w 2623559"/>
-              <a:gd name="connsiteY43" fmla="*/ 8546 h 478564"/>
-              <a:gd name="connsiteX44" fmla="*/ 444381 w 2623559"/>
-              <a:gd name="connsiteY44" fmla="*/ 25637 h 478564"/>
-            </a:gdLst>
-            <a:ahLst/>
-            <a:cxnLst>
-              <a:cxn ang="0">
-                <a:pos x="connsiteX0" y="connsiteY0"/>
-              </a:cxn>
-              <a:cxn ang="0">
-                <a:pos x="connsiteX1" y="connsiteY1"/>
-              </a:cxn>
-              <a:cxn ang="0">
-                <a:pos x="connsiteX2" y="connsiteY2"/>
-              </a:cxn>
-              <a:cxn ang="0">
-                <a:pos x="connsiteX3" y="connsiteY3"/>
-              </a:cxn>
-              <a:cxn ang="0">
-                <a:pos x="connsiteX4" y="connsiteY4"/>
-              </a:cxn>
-              <a:cxn ang="0">
-                <a:pos x="connsiteX5" y="connsiteY5"/>
-              </a:cxn>
-              <a:cxn ang="0">
-                <a:pos x="connsiteX6" y="connsiteY6"/>
-              </a:cxn>
-              <a:cxn ang="0">
-                <a:pos x="connsiteX7" y="connsiteY7"/>
-              </a:cxn>
-              <a:cxn ang="0">
-                <a:pos x="connsiteX8" y="connsiteY8"/>
-              </a:cxn>
-              <a:cxn ang="0">
-                <a:pos x="connsiteX9" y="connsiteY9"/>
-              </a:cxn>
-              <a:cxn ang="0">
-                <a:pos x="connsiteX10" y="connsiteY10"/>
-              </a:cxn>
-              <a:cxn ang="0">
-                <a:pos x="connsiteX11" y="connsiteY11"/>
-              </a:cxn>
-              <a:cxn ang="0">
-                <a:pos x="connsiteX12" y="connsiteY12"/>
-              </a:cxn>
-              <a:cxn ang="0">
-                <a:pos x="connsiteX13" y="connsiteY13"/>
-              </a:cxn>
-              <a:cxn ang="0">
-                <a:pos x="connsiteX14" y="connsiteY14"/>
-              </a:cxn>
-              <a:cxn ang="0">
-                <a:pos x="connsiteX15" y="connsiteY15"/>
-              </a:cxn>
-              <a:cxn ang="0">
-                <a:pos x="connsiteX16" y="connsiteY16"/>
-              </a:cxn>
-              <a:cxn ang="0">
-                <a:pos x="connsiteX17" y="connsiteY17"/>
-              </a:cxn>
-              <a:cxn ang="0">
-                <a:pos x="connsiteX18" y="connsiteY18"/>
-              </a:cxn>
-              <a:cxn ang="0">
-                <a:pos x="connsiteX19" y="connsiteY19"/>
-              </a:cxn>
-              <a:cxn ang="0">
-                <a:pos x="connsiteX20" y="connsiteY20"/>
-              </a:cxn>
-              <a:cxn ang="0">
-                <a:pos x="connsiteX21" y="connsiteY21"/>
-              </a:cxn>
-              <a:cxn ang="0">
-                <a:pos x="connsiteX22" y="connsiteY22"/>
-              </a:cxn>
-              <a:cxn ang="0">
-                <a:pos x="connsiteX23" y="connsiteY23"/>
-              </a:cxn>
-              <a:cxn ang="0">
-                <a:pos x="connsiteX24" y="connsiteY24"/>
-              </a:cxn>
-              <a:cxn ang="0">
-                <a:pos x="connsiteX25" y="connsiteY25"/>
-              </a:cxn>
-              <a:cxn ang="0">
-                <a:pos x="connsiteX26" y="connsiteY26"/>
-              </a:cxn>
-              <a:cxn ang="0">
-                <a:pos x="connsiteX27" y="connsiteY27"/>
-              </a:cxn>
-              <a:cxn ang="0">
-                <a:pos x="connsiteX28" y="connsiteY28"/>
-              </a:cxn>
-              <a:cxn ang="0">
-                <a:pos x="connsiteX29" y="connsiteY29"/>
-              </a:cxn>
-              <a:cxn ang="0">
-                <a:pos x="connsiteX30" y="connsiteY30"/>
-              </a:cxn>
-              <a:cxn ang="0">
-                <a:pos x="connsiteX31" y="connsiteY31"/>
-              </a:cxn>
-              <a:cxn ang="0">
-                <a:pos x="connsiteX32" y="connsiteY32"/>
-              </a:cxn>
-              <a:cxn ang="0">
-                <a:pos x="connsiteX33" y="connsiteY33"/>
-              </a:cxn>
-              <a:cxn ang="0">
-                <a:pos x="connsiteX34" y="connsiteY34"/>
-              </a:cxn>
-              <a:cxn ang="0">
-                <a:pos x="connsiteX35" y="connsiteY35"/>
-              </a:cxn>
-              <a:cxn ang="0">
-                <a:pos x="connsiteX36" y="connsiteY36"/>
-              </a:cxn>
-              <a:cxn ang="0">
-                <a:pos x="connsiteX37" y="connsiteY37"/>
-              </a:cxn>
-              <a:cxn ang="0">
-                <a:pos x="connsiteX38" y="connsiteY38"/>
-              </a:cxn>
-              <a:cxn ang="0">
-                <a:pos x="connsiteX39" y="connsiteY39"/>
-              </a:cxn>
-              <a:cxn ang="0">
-                <a:pos x="connsiteX40" y="connsiteY40"/>
-              </a:cxn>
-              <a:cxn ang="0">
-                <a:pos x="connsiteX41" y="connsiteY41"/>
-              </a:cxn>
-              <a:cxn ang="0">
-                <a:pos x="connsiteX42" y="connsiteY42"/>
-              </a:cxn>
-              <a:cxn ang="0">
-                <a:pos x="connsiteX43" y="connsiteY43"/>
-              </a:cxn>
-              <a:cxn ang="0">
-                <a:pos x="connsiteX44" y="connsiteY44"/>
-              </a:cxn>
-            </a:cxnLst>
-            <a:rect l="l" t="t" r="r" b="b"/>
-            <a:pathLst>
-              <a:path w="2623559" h="478564">
-                <a:moveTo>
-                  <a:pt x="504202" y="25637"/>
-                </a:moveTo>
-                <a:cubicBezTo>
-                  <a:pt x="398804" y="28486"/>
-                  <a:pt x="293324" y="29168"/>
-                  <a:pt x="188007" y="34183"/>
-                </a:cubicBezTo>
-                <a:cubicBezTo>
-                  <a:pt x="173498" y="34874"/>
-                  <a:pt x="159605" y="40341"/>
-                  <a:pt x="145278" y="42729"/>
-                </a:cubicBezTo>
-                <a:cubicBezTo>
-                  <a:pt x="125410" y="46040"/>
-                  <a:pt x="105398" y="48426"/>
-                  <a:pt x="85458" y="51275"/>
-                </a:cubicBezTo>
-                <a:cubicBezTo>
-                  <a:pt x="71490" y="55931"/>
-                  <a:pt x="42901" y="62963"/>
-                  <a:pt x="34183" y="76912"/>
-                </a:cubicBezTo>
-                <a:cubicBezTo>
-                  <a:pt x="24634" y="92190"/>
-                  <a:pt x="22789" y="111095"/>
-                  <a:pt x="17092" y="128187"/>
-                </a:cubicBezTo>
-                <a:lnTo>
-                  <a:pt x="8546" y="153824"/>
-                </a:lnTo>
-                <a:lnTo>
-                  <a:pt x="0" y="179462"/>
-                </a:lnTo>
-                <a:cubicBezTo>
-                  <a:pt x="13296" y="245939"/>
-                  <a:pt x="-1445" y="200434"/>
-                  <a:pt x="25637" y="247828"/>
-                </a:cubicBezTo>
-                <a:cubicBezTo>
-                  <a:pt x="31957" y="258889"/>
-                  <a:pt x="33721" y="273003"/>
-                  <a:pt x="42729" y="282011"/>
-                </a:cubicBezTo>
-                <a:cubicBezTo>
-                  <a:pt x="49099" y="288381"/>
-                  <a:pt x="59820" y="287708"/>
-                  <a:pt x="68366" y="290557"/>
-                </a:cubicBezTo>
-                <a:cubicBezTo>
-                  <a:pt x="74063" y="299103"/>
-                  <a:pt x="78195" y="308931"/>
-                  <a:pt x="85458" y="316194"/>
-                </a:cubicBezTo>
-                <a:cubicBezTo>
-                  <a:pt x="109950" y="340686"/>
-                  <a:pt x="108930" y="327931"/>
-                  <a:pt x="136733" y="341832"/>
-                </a:cubicBezTo>
-                <a:cubicBezTo>
-                  <a:pt x="145919" y="346425"/>
-                  <a:pt x="153184" y="354330"/>
-                  <a:pt x="162370" y="358923"/>
-                </a:cubicBezTo>
-                <a:cubicBezTo>
-                  <a:pt x="176032" y="365754"/>
-                  <a:pt x="209410" y="372363"/>
-                  <a:pt x="222191" y="376015"/>
-                </a:cubicBezTo>
-                <a:cubicBezTo>
-                  <a:pt x="230852" y="378490"/>
-                  <a:pt x="239035" y="382607"/>
-                  <a:pt x="247828" y="384561"/>
-                </a:cubicBezTo>
-                <a:cubicBezTo>
-                  <a:pt x="377619" y="413403"/>
-                  <a:pt x="198517" y="363686"/>
-                  <a:pt x="384561" y="410198"/>
-                </a:cubicBezTo>
-                <a:cubicBezTo>
-                  <a:pt x="448464" y="426174"/>
-                  <a:pt x="417429" y="420366"/>
-                  <a:pt x="521293" y="427290"/>
-                </a:cubicBezTo>
-                <a:cubicBezTo>
-                  <a:pt x="572533" y="430706"/>
-                  <a:pt x="623915" y="431896"/>
-                  <a:pt x="675118" y="435835"/>
-                </a:cubicBezTo>
-                <a:cubicBezTo>
-                  <a:pt x="807822" y="446043"/>
-                  <a:pt x="840878" y="453723"/>
-                  <a:pt x="957129" y="461473"/>
-                </a:cubicBezTo>
-                <a:lnTo>
-                  <a:pt x="1230594" y="478564"/>
-                </a:lnTo>
-                <a:cubicBezTo>
-                  <a:pt x="1267387" y="478038"/>
-                  <a:pt x="1816184" y="476840"/>
-                  <a:pt x="2008262" y="461473"/>
-                </a:cubicBezTo>
-                <a:cubicBezTo>
-                  <a:pt x="2019970" y="460536"/>
-                  <a:pt x="2030928" y="455230"/>
-                  <a:pt x="2042445" y="452927"/>
-                </a:cubicBezTo>
-                <a:cubicBezTo>
-                  <a:pt x="2059436" y="449529"/>
-                  <a:pt x="2076628" y="447230"/>
-                  <a:pt x="2093720" y="444381"/>
-                </a:cubicBezTo>
-                <a:cubicBezTo>
-                  <a:pt x="2153201" y="424553"/>
-                  <a:pt x="2089149" y="443813"/>
-                  <a:pt x="2204815" y="427290"/>
-                </a:cubicBezTo>
-                <a:cubicBezTo>
-                  <a:pt x="2216442" y="425629"/>
-                  <a:pt x="2227442" y="420845"/>
-                  <a:pt x="2238998" y="418744"/>
-                </a:cubicBezTo>
-                <a:cubicBezTo>
-                  <a:pt x="2275687" y="412073"/>
-                  <a:pt x="2306117" y="411315"/>
-                  <a:pt x="2341548" y="401652"/>
-                </a:cubicBezTo>
-                <a:cubicBezTo>
-                  <a:pt x="2341552" y="401651"/>
-                  <a:pt x="2405640" y="380288"/>
-                  <a:pt x="2418460" y="376015"/>
-                </a:cubicBezTo>
-                <a:lnTo>
-                  <a:pt x="2521009" y="341832"/>
-                </a:lnTo>
-                <a:lnTo>
-                  <a:pt x="2546647" y="333286"/>
-                </a:lnTo>
-                <a:lnTo>
-                  <a:pt x="2572284" y="324740"/>
-                </a:lnTo>
-                <a:cubicBezTo>
-                  <a:pt x="2577981" y="316194"/>
-                  <a:pt x="2585205" y="308489"/>
-                  <a:pt x="2589376" y="299103"/>
-                </a:cubicBezTo>
-                <a:cubicBezTo>
-                  <a:pt x="2596693" y="282640"/>
-                  <a:pt x="2600770" y="264920"/>
-                  <a:pt x="2606467" y="247828"/>
-                </a:cubicBezTo>
-                <a:cubicBezTo>
-                  <a:pt x="2619607" y="208406"/>
-                  <a:pt x="2613245" y="231032"/>
-                  <a:pt x="2623559" y="179462"/>
-                </a:cubicBezTo>
-                <a:cubicBezTo>
-                  <a:pt x="2620710" y="156673"/>
-                  <a:pt x="2622862" y="132679"/>
-                  <a:pt x="2615013" y="111095"/>
-                </a:cubicBezTo>
-                <a:cubicBezTo>
-                  <a:pt x="2606834" y="88604"/>
-                  <a:pt x="2583080" y="82187"/>
-                  <a:pt x="2563738" y="76912"/>
-                </a:cubicBezTo>
-                <a:cubicBezTo>
-                  <a:pt x="2541076" y="70731"/>
-                  <a:pt x="2517656" y="67249"/>
-                  <a:pt x="2495372" y="59821"/>
-                </a:cubicBezTo>
-                <a:cubicBezTo>
-                  <a:pt x="2486826" y="56972"/>
-                  <a:pt x="2478426" y="53645"/>
-                  <a:pt x="2469735" y="51275"/>
-                </a:cubicBezTo>
-                <a:cubicBezTo>
-                  <a:pt x="2447072" y="45094"/>
-                  <a:pt x="2424789" y="35985"/>
-                  <a:pt x="2401368" y="34183"/>
-                </a:cubicBezTo>
-                <a:cubicBezTo>
-                  <a:pt x="2364336" y="31334"/>
-                  <a:pt x="2327410" y="26200"/>
-                  <a:pt x="2290273" y="25637"/>
-                </a:cubicBezTo>
-                <a:lnTo>
-                  <a:pt x="1273323" y="17092"/>
-                </a:lnTo>
-                <a:lnTo>
-                  <a:pt x="948583" y="8546"/>
-                </a:lnTo>
-                <a:cubicBezTo>
-                  <a:pt x="902948" y="6856"/>
-                  <a:pt x="857517" y="0"/>
-                  <a:pt x="811850" y="0"/>
-                </a:cubicBezTo>
-                <a:cubicBezTo>
-                  <a:pt x="709261" y="0"/>
-                  <a:pt x="606751" y="5697"/>
-                  <a:pt x="504202" y="8546"/>
-                </a:cubicBezTo>
-                <a:cubicBezTo>
-                  <a:pt x="450225" y="26538"/>
-                  <a:pt x="470943" y="25637"/>
-                  <a:pt x="444381" y="25637"/>
-                </a:cubicBezTo>
-              </a:path>
-            </a:pathLst>
-          </a:custGeom>
-          <a:noFill/>
-        </p:spPr>
-        <p:style>
-          <a:lnRef idx="2">
-            <a:schemeClr val="accent1">
-              <a:shade val="50000"/>
-            </a:schemeClr>
-          </a:lnRef>
-          <a:fillRef idx="1">
-            <a:schemeClr val="accent1"/>
-          </a:fillRef>
-          <a:effectRef idx="0">
-            <a:schemeClr val="accent1"/>
-          </a:effectRef>
-          <a:fontRef idx="minor">
-            <a:schemeClr val="lt1"/>
-          </a:fontRef>
-        </p:style>
-        <p:txBody>
-          <a:bodyPr rtlCol="0" anchor="ctr"/>
-          <a:lstStyle/>
-          <a:p>
-            <a:pPr algn="ctr"/>
-            <a:endParaRPr lang="en-US"/>
-          </a:p>
-        </p:txBody>
-      </p:sp>
-      <p:sp>
-        <p:nvSpPr>
-          <p:cNvPr id="4" name="Freeform 3"/>
-          <p:cNvSpPr/>
-          <p:nvPr/>
-        </p:nvSpPr>
-        <p:spPr>
-          <a:xfrm>
-            <a:off x="1042587" y="3375589"/>
-            <a:ext cx="478564" cy="17896"/>
-          </a:xfrm>
-          <a:custGeom>
-            <a:avLst/>
-            <a:gdLst>
-              <a:gd name="connsiteX0" fmla="*/ 0 w 478564"/>
-              <a:gd name="connsiteY0" fmla="*/ 0 h 17896"/>
-              <a:gd name="connsiteX1" fmla="*/ 239282 w 478564"/>
-              <a:gd name="connsiteY1" fmla="*/ 17091 h 17896"/>
-              <a:gd name="connsiteX2" fmla="*/ 478564 w 478564"/>
-              <a:gd name="connsiteY2" fmla="*/ 17091 h 17896"/>
-            </a:gdLst>
-            <a:ahLst/>
-            <a:cxnLst>
-              <a:cxn ang="0">
-                <a:pos x="connsiteX0" y="connsiteY0"/>
-              </a:cxn>
-              <a:cxn ang="0">
-                <a:pos x="connsiteX1" y="connsiteY1"/>
-              </a:cxn>
-              <a:cxn ang="0">
-                <a:pos x="connsiteX2" y="connsiteY2"/>
-              </a:cxn>
-            </a:cxnLst>
-            <a:rect l="l" t="t" r="r" b="b"/>
-            <a:pathLst>
-              <a:path w="478564" h="17896">
-                <a:moveTo>
-                  <a:pt x="0" y="0"/>
-                </a:moveTo>
-                <a:cubicBezTo>
-                  <a:pt x="63797" y="5317"/>
-                  <a:pt x="180493" y="15755"/>
-                  <a:pt x="239282" y="17091"/>
-                </a:cubicBezTo>
-                <a:cubicBezTo>
-                  <a:pt x="319022" y="18903"/>
-                  <a:pt x="398803" y="17091"/>
-                  <a:pt x="478564" y="17091"/>
-                </a:cubicBezTo>
-              </a:path>
-            </a:pathLst>
-          </a:custGeom>
-          <a:noFill/>
-        </p:spPr>
-        <p:style>
-          <a:lnRef idx="2">
-            <a:schemeClr val="accent1">
-              <a:shade val="50000"/>
-            </a:schemeClr>
-          </a:lnRef>
-          <a:fillRef idx="1">
-            <a:schemeClr val="accent1"/>
-          </a:fillRef>
-          <a:effectRef idx="0">
-            <a:schemeClr val="accent1"/>
-          </a:effectRef>
-          <a:fontRef idx="minor">
-            <a:schemeClr val="lt1"/>
-          </a:fontRef>
-        </p:style>
-        <p:txBody>
-          <a:bodyPr rtlCol="0" anchor="ctr"/>
-          <a:lstStyle/>
-          <a:p>
-            <a:pPr algn="ctr"/>
-            <a:endParaRPr lang="en-US"/>
-          </a:p>
-        </p:txBody>
-      </p:sp>
-      <p:sp>
-        <p:nvSpPr>
-          <p:cNvPr id="5" name="Freeform 4"/>
-          <p:cNvSpPr/>
-          <p:nvPr/>
-        </p:nvSpPr>
-        <p:spPr>
-          <a:xfrm>
-            <a:off x="4773858" y="3016665"/>
-            <a:ext cx="1387660" cy="564023"/>
-          </a:xfrm>
-          <a:custGeom>
-            <a:avLst/>
-            <a:gdLst>
-              <a:gd name="connsiteX0" fmla="*/ 327981 w 1387660"/>
-              <a:gd name="connsiteY0" fmla="*/ 0 h 564023"/>
-              <a:gd name="connsiteX1" fmla="*/ 182703 w 1387660"/>
-              <a:gd name="connsiteY1" fmla="*/ 8546 h 564023"/>
-              <a:gd name="connsiteX2" fmla="*/ 122882 w 1387660"/>
-              <a:gd name="connsiteY2" fmla="*/ 25638 h 564023"/>
-              <a:gd name="connsiteX3" fmla="*/ 71607 w 1387660"/>
-              <a:gd name="connsiteY3" fmla="*/ 51275 h 564023"/>
-              <a:gd name="connsiteX4" fmla="*/ 37424 w 1387660"/>
-              <a:gd name="connsiteY4" fmla="*/ 102550 h 564023"/>
-              <a:gd name="connsiteX5" fmla="*/ 20333 w 1387660"/>
-              <a:gd name="connsiteY5" fmla="*/ 128187 h 564023"/>
-              <a:gd name="connsiteX6" fmla="*/ 11787 w 1387660"/>
-              <a:gd name="connsiteY6" fmla="*/ 324741 h 564023"/>
-              <a:gd name="connsiteX7" fmla="*/ 28878 w 1387660"/>
-              <a:gd name="connsiteY7" fmla="*/ 350378 h 564023"/>
-              <a:gd name="connsiteX8" fmla="*/ 88699 w 1387660"/>
-              <a:gd name="connsiteY8" fmla="*/ 384561 h 564023"/>
-              <a:gd name="connsiteX9" fmla="*/ 114336 w 1387660"/>
-              <a:gd name="connsiteY9" fmla="*/ 401653 h 564023"/>
-              <a:gd name="connsiteX10" fmla="*/ 165611 w 1387660"/>
-              <a:gd name="connsiteY10" fmla="*/ 418744 h 564023"/>
-              <a:gd name="connsiteX11" fmla="*/ 191249 w 1387660"/>
-              <a:gd name="connsiteY11" fmla="*/ 435836 h 564023"/>
-              <a:gd name="connsiteX12" fmla="*/ 251069 w 1387660"/>
-              <a:gd name="connsiteY12" fmla="*/ 461473 h 564023"/>
-              <a:gd name="connsiteX13" fmla="*/ 276706 w 1387660"/>
-              <a:gd name="connsiteY13" fmla="*/ 478565 h 564023"/>
-              <a:gd name="connsiteX14" fmla="*/ 319435 w 1387660"/>
-              <a:gd name="connsiteY14" fmla="*/ 487111 h 564023"/>
-              <a:gd name="connsiteX15" fmla="*/ 353619 w 1387660"/>
-              <a:gd name="connsiteY15" fmla="*/ 495656 h 564023"/>
-              <a:gd name="connsiteX16" fmla="*/ 413439 w 1387660"/>
-              <a:gd name="connsiteY16" fmla="*/ 512748 h 564023"/>
-              <a:gd name="connsiteX17" fmla="*/ 584355 w 1387660"/>
-              <a:gd name="connsiteY17" fmla="*/ 538385 h 564023"/>
-              <a:gd name="connsiteX18" fmla="*/ 635630 w 1387660"/>
-              <a:gd name="connsiteY18" fmla="*/ 546931 h 564023"/>
-              <a:gd name="connsiteX19" fmla="*/ 678359 w 1387660"/>
-              <a:gd name="connsiteY19" fmla="*/ 555477 h 564023"/>
-              <a:gd name="connsiteX20" fmla="*/ 900549 w 1387660"/>
-              <a:gd name="connsiteY20" fmla="*/ 564023 h 564023"/>
-              <a:gd name="connsiteX21" fmla="*/ 1139832 w 1387660"/>
-              <a:gd name="connsiteY21" fmla="*/ 555477 h 564023"/>
-              <a:gd name="connsiteX22" fmla="*/ 1225290 w 1387660"/>
-              <a:gd name="connsiteY22" fmla="*/ 521294 h 564023"/>
-              <a:gd name="connsiteX23" fmla="*/ 1276564 w 1387660"/>
-              <a:gd name="connsiteY23" fmla="*/ 495656 h 564023"/>
-              <a:gd name="connsiteX24" fmla="*/ 1293656 w 1387660"/>
-              <a:gd name="connsiteY24" fmla="*/ 470019 h 564023"/>
-              <a:gd name="connsiteX25" fmla="*/ 1319293 w 1387660"/>
-              <a:gd name="connsiteY25" fmla="*/ 452928 h 564023"/>
-              <a:gd name="connsiteX26" fmla="*/ 1327839 w 1387660"/>
-              <a:gd name="connsiteY26" fmla="*/ 427290 h 564023"/>
-              <a:gd name="connsiteX27" fmla="*/ 1362022 w 1387660"/>
-              <a:gd name="connsiteY27" fmla="*/ 367470 h 564023"/>
-              <a:gd name="connsiteX28" fmla="*/ 1387660 w 1387660"/>
-              <a:gd name="connsiteY28" fmla="*/ 273466 h 564023"/>
-              <a:gd name="connsiteX29" fmla="*/ 1370568 w 1387660"/>
-              <a:gd name="connsiteY29" fmla="*/ 136733 h 564023"/>
-              <a:gd name="connsiteX30" fmla="*/ 1353477 w 1387660"/>
-              <a:gd name="connsiteY30" fmla="*/ 111096 h 564023"/>
-              <a:gd name="connsiteX31" fmla="*/ 1302202 w 1387660"/>
-              <a:gd name="connsiteY31" fmla="*/ 85458 h 564023"/>
-              <a:gd name="connsiteX32" fmla="*/ 1268019 w 1387660"/>
-              <a:gd name="connsiteY32" fmla="*/ 59821 h 564023"/>
-              <a:gd name="connsiteX33" fmla="*/ 1233835 w 1387660"/>
-              <a:gd name="connsiteY33" fmla="*/ 51275 h 564023"/>
-              <a:gd name="connsiteX34" fmla="*/ 1114194 w 1387660"/>
-              <a:gd name="connsiteY34" fmla="*/ 42729 h 564023"/>
-              <a:gd name="connsiteX35" fmla="*/ 498897 w 1387660"/>
-              <a:gd name="connsiteY35" fmla="*/ 34184 h 564023"/>
-              <a:gd name="connsiteX36" fmla="*/ 302344 w 1387660"/>
-              <a:gd name="connsiteY36" fmla="*/ 17092 h 564023"/>
-              <a:gd name="connsiteX37" fmla="*/ 259615 w 1387660"/>
-              <a:gd name="connsiteY37" fmla="*/ 8546 h 564023"/>
-            </a:gdLst>
-            <a:ahLst/>
-            <a:cxnLst>
-              <a:cxn ang="0">
-                <a:pos x="connsiteX0" y="connsiteY0"/>
-              </a:cxn>
-              <a:cxn ang="0">
-                <a:pos x="connsiteX1" y="connsiteY1"/>
-              </a:cxn>
-              <a:cxn ang="0">
-                <a:pos x="connsiteX2" y="connsiteY2"/>
-              </a:cxn>
-              <a:cxn ang="0">
-                <a:pos x="connsiteX3" y="connsiteY3"/>
-              </a:cxn>
-              <a:cxn ang="0">
-                <a:pos x="connsiteX4" y="connsiteY4"/>
-              </a:cxn>
-              <a:cxn ang="0">
-                <a:pos x="connsiteX5" y="connsiteY5"/>
-              </a:cxn>
-              <a:cxn ang="0">
-                <a:pos x="connsiteX6" y="connsiteY6"/>
-              </a:cxn>
-              <a:cxn ang="0">
-                <a:pos x="connsiteX7" y="connsiteY7"/>
-              </a:cxn>
-              <a:cxn ang="0">
-                <a:pos x="connsiteX8" y="connsiteY8"/>
-              </a:cxn>
-              <a:cxn ang="0">
-                <a:pos x="connsiteX9" y="connsiteY9"/>
-              </a:cxn>
-              <a:cxn ang="0">
-                <a:pos x="connsiteX10" y="connsiteY10"/>
-              </a:cxn>
-              <a:cxn ang="0">
-                <a:pos x="connsiteX11" y="connsiteY11"/>
-              </a:cxn>
-              <a:cxn ang="0">
-                <a:pos x="connsiteX12" y="connsiteY12"/>
-              </a:cxn>
-              <a:cxn ang="0">
-                <a:pos x="connsiteX13" y="connsiteY13"/>
-              </a:cxn>
-              <a:cxn ang="0">
-                <a:pos x="connsiteX14" y="connsiteY14"/>
-              </a:cxn>
-              <a:cxn ang="0">
-                <a:pos x="connsiteX15" y="connsiteY15"/>
-              </a:cxn>
-              <a:cxn ang="0">
-                <a:pos x="connsiteX16" y="connsiteY16"/>
-              </a:cxn>
-              <a:cxn ang="0">
-                <a:pos x="connsiteX17" y="connsiteY17"/>
-              </a:cxn>
-              <a:cxn ang="0">
-                <a:pos x="connsiteX18" y="connsiteY18"/>
-              </a:cxn>
-              <a:cxn ang="0">
-                <a:pos x="connsiteX19" y="connsiteY19"/>
-              </a:cxn>
-              <a:cxn ang="0">
-                <a:pos x="connsiteX20" y="connsiteY20"/>
-              </a:cxn>
-              <a:cxn ang="0">
-                <a:pos x="connsiteX21" y="connsiteY21"/>
-              </a:cxn>
-              <a:cxn ang="0">
-                <a:pos x="connsiteX22" y="connsiteY22"/>
-              </a:cxn>
-              <a:cxn ang="0">
-                <a:pos x="connsiteX23" y="connsiteY23"/>
-              </a:cxn>
-              <a:cxn ang="0">
-                <a:pos x="connsiteX24" y="connsiteY24"/>
-              </a:cxn>
-              <a:cxn ang="0">
-                <a:pos x="connsiteX25" y="connsiteY25"/>
-              </a:cxn>
-              <a:cxn ang="0">
-                <a:pos x="connsiteX26" y="connsiteY26"/>
-              </a:cxn>
-              <a:cxn ang="0">
-                <a:pos x="connsiteX27" y="connsiteY27"/>
-              </a:cxn>
-              <a:cxn ang="0">
-                <a:pos x="connsiteX28" y="connsiteY28"/>
-              </a:cxn>
-              <a:cxn ang="0">
-                <a:pos x="connsiteX29" y="connsiteY29"/>
-              </a:cxn>
-              <a:cxn ang="0">
-                <a:pos x="connsiteX30" y="connsiteY30"/>
-              </a:cxn>
-              <a:cxn ang="0">
-                <a:pos x="connsiteX31" y="connsiteY31"/>
-              </a:cxn>
-              <a:cxn ang="0">
-                <a:pos x="connsiteX32" y="connsiteY32"/>
-              </a:cxn>
-              <a:cxn ang="0">
-                <a:pos x="connsiteX33" y="connsiteY33"/>
-              </a:cxn>
-              <a:cxn ang="0">
-                <a:pos x="connsiteX34" y="connsiteY34"/>
-              </a:cxn>
-              <a:cxn ang="0">
-                <a:pos x="connsiteX35" y="connsiteY35"/>
-              </a:cxn>
-              <a:cxn ang="0">
-                <a:pos x="connsiteX36" y="connsiteY36"/>
-              </a:cxn>
-              <a:cxn ang="0">
-                <a:pos x="connsiteX37" y="connsiteY37"/>
-              </a:cxn>
-            </a:cxnLst>
-            <a:rect l="l" t="t" r="r" b="b"/>
-            <a:pathLst>
-              <a:path w="1387660" h="564023">
-                <a:moveTo>
-                  <a:pt x="327981" y="0"/>
-                </a:moveTo>
-                <a:cubicBezTo>
-                  <a:pt x="279555" y="2849"/>
-                  <a:pt x="230994" y="3947"/>
-                  <a:pt x="182703" y="8546"/>
-                </a:cubicBezTo>
-                <a:cubicBezTo>
-                  <a:pt x="175939" y="9190"/>
-                  <a:pt x="131930" y="21114"/>
-                  <a:pt x="122882" y="25638"/>
-                </a:cubicBezTo>
-                <a:cubicBezTo>
-                  <a:pt x="56616" y="58770"/>
-                  <a:pt x="136050" y="29794"/>
-                  <a:pt x="71607" y="51275"/>
-                </a:cubicBezTo>
-                <a:lnTo>
-                  <a:pt x="37424" y="102550"/>
-                </a:lnTo>
-                <a:lnTo>
-                  <a:pt x="20333" y="128187"/>
-                </a:lnTo>
-                <a:cubicBezTo>
-                  <a:pt x="-2155" y="218139"/>
-                  <a:pt x="-7419" y="209504"/>
-                  <a:pt x="11787" y="324741"/>
-                </a:cubicBezTo>
-                <a:cubicBezTo>
-                  <a:pt x="13475" y="334872"/>
-                  <a:pt x="21616" y="343116"/>
-                  <a:pt x="28878" y="350378"/>
-                </a:cubicBezTo>
-                <a:cubicBezTo>
-                  <a:pt x="70207" y="391706"/>
-                  <a:pt x="49589" y="365005"/>
-                  <a:pt x="88699" y="384561"/>
-                </a:cubicBezTo>
-                <a:cubicBezTo>
-                  <a:pt x="97885" y="389154"/>
-                  <a:pt x="104950" y="397482"/>
-                  <a:pt x="114336" y="401653"/>
-                </a:cubicBezTo>
-                <a:cubicBezTo>
-                  <a:pt x="130799" y="408970"/>
-                  <a:pt x="165611" y="418744"/>
-                  <a:pt x="165611" y="418744"/>
-                </a:cubicBezTo>
-                <a:cubicBezTo>
-                  <a:pt x="174157" y="424441"/>
-                  <a:pt x="182062" y="431243"/>
-                  <a:pt x="191249" y="435836"/>
-                </a:cubicBezTo>
-                <a:cubicBezTo>
-                  <a:pt x="287119" y="483772"/>
-                  <a:pt x="126595" y="390345"/>
-                  <a:pt x="251069" y="461473"/>
-                </a:cubicBezTo>
-                <a:cubicBezTo>
-                  <a:pt x="259986" y="466569"/>
-                  <a:pt x="267089" y="474959"/>
-                  <a:pt x="276706" y="478565"/>
-                </a:cubicBezTo>
-                <a:cubicBezTo>
-                  <a:pt x="290306" y="483665"/>
-                  <a:pt x="305256" y="483960"/>
-                  <a:pt x="319435" y="487111"/>
-                </a:cubicBezTo>
-                <a:cubicBezTo>
-                  <a:pt x="330901" y="489659"/>
-                  <a:pt x="342326" y="492429"/>
-                  <a:pt x="353619" y="495656"/>
-                </a:cubicBezTo>
-                <a:cubicBezTo>
-                  <a:pt x="391638" y="506518"/>
-                  <a:pt x="368900" y="503840"/>
-                  <a:pt x="413439" y="512748"/>
-                </a:cubicBezTo>
-                <a:cubicBezTo>
-                  <a:pt x="455478" y="521156"/>
-                  <a:pt x="561419" y="534562"/>
-                  <a:pt x="584355" y="538385"/>
-                </a:cubicBezTo>
-                <a:lnTo>
-                  <a:pt x="635630" y="546931"/>
-                </a:lnTo>
-                <a:cubicBezTo>
-                  <a:pt x="649921" y="549529"/>
-                  <a:pt x="663864" y="554542"/>
-                  <a:pt x="678359" y="555477"/>
-                </a:cubicBezTo>
-                <a:cubicBezTo>
-                  <a:pt x="752323" y="560249"/>
-                  <a:pt x="826486" y="561174"/>
-                  <a:pt x="900549" y="564023"/>
-                </a:cubicBezTo>
-                <a:cubicBezTo>
-                  <a:pt x="980310" y="561174"/>
-                  <a:pt x="1060329" y="562492"/>
-                  <a:pt x="1139832" y="555477"/>
-                </a:cubicBezTo>
-                <a:cubicBezTo>
-                  <a:pt x="1172484" y="552596"/>
-                  <a:pt x="1196706" y="533544"/>
-                  <a:pt x="1225290" y="521294"/>
-                </a:cubicBezTo>
-                <a:cubicBezTo>
-                  <a:pt x="1274817" y="500068"/>
-                  <a:pt x="1227302" y="528499"/>
-                  <a:pt x="1276564" y="495656"/>
-                </a:cubicBezTo>
-                <a:cubicBezTo>
-                  <a:pt x="1282261" y="487110"/>
-                  <a:pt x="1286393" y="477281"/>
-                  <a:pt x="1293656" y="470019"/>
-                </a:cubicBezTo>
-                <a:cubicBezTo>
-                  <a:pt x="1300918" y="462757"/>
-                  <a:pt x="1312877" y="460948"/>
-                  <a:pt x="1319293" y="452928"/>
-                </a:cubicBezTo>
-                <a:cubicBezTo>
-                  <a:pt x="1324920" y="445894"/>
-                  <a:pt x="1323810" y="435347"/>
-                  <a:pt x="1327839" y="427290"/>
-                </a:cubicBezTo>
-                <a:cubicBezTo>
-                  <a:pt x="1358676" y="365618"/>
-                  <a:pt x="1332055" y="442388"/>
-                  <a:pt x="1362022" y="367470"/>
-                </a:cubicBezTo>
-                <a:cubicBezTo>
-                  <a:pt x="1379371" y="324098"/>
-                  <a:pt x="1379077" y="316380"/>
-                  <a:pt x="1387660" y="273466"/>
-                </a:cubicBezTo>
-                <a:cubicBezTo>
-                  <a:pt x="1386028" y="252257"/>
-                  <a:pt x="1389014" y="173627"/>
-                  <a:pt x="1370568" y="136733"/>
-                </a:cubicBezTo>
-                <a:cubicBezTo>
-                  <a:pt x="1365975" y="127547"/>
-                  <a:pt x="1360739" y="118358"/>
-                  <a:pt x="1353477" y="111096"/>
-                </a:cubicBezTo>
-                <a:cubicBezTo>
-                  <a:pt x="1336911" y="94530"/>
-                  <a:pt x="1323053" y="92409"/>
-                  <a:pt x="1302202" y="85458"/>
-                </a:cubicBezTo>
-                <a:cubicBezTo>
-                  <a:pt x="1290808" y="76912"/>
-                  <a:pt x="1280758" y="66191"/>
-                  <a:pt x="1268019" y="59821"/>
-                </a:cubicBezTo>
-                <a:cubicBezTo>
-                  <a:pt x="1257514" y="54568"/>
-                  <a:pt x="1245509" y="52572"/>
-                  <a:pt x="1233835" y="51275"/>
-                </a:cubicBezTo>
-                <a:cubicBezTo>
-                  <a:pt x="1194098" y="46860"/>
-                  <a:pt x="1154165" y="43659"/>
-                  <a:pt x="1114194" y="42729"/>
-                </a:cubicBezTo>
-                <a:lnTo>
-                  <a:pt x="498897" y="34184"/>
-                </a:lnTo>
-                <a:cubicBezTo>
-                  <a:pt x="453105" y="30661"/>
-                  <a:pt x="352422" y="23769"/>
-                  <a:pt x="302344" y="17092"/>
-                </a:cubicBezTo>
-                <a:cubicBezTo>
-                  <a:pt x="287946" y="15172"/>
-                  <a:pt x="259615" y="8546"/>
-                  <a:pt x="259615" y="8546"/>
-                </a:cubicBezTo>
-              </a:path>
-            </a:pathLst>
-          </a:custGeom>
-          <a:noFill/>
-        </p:spPr>
-        <p:style>
-          <a:lnRef idx="2">
-            <a:schemeClr val="accent1">
-              <a:shade val="50000"/>
-            </a:schemeClr>
-          </a:lnRef>
-          <a:fillRef idx="1">
-            <a:schemeClr val="accent1"/>
-          </a:fillRef>
-          <a:effectRef idx="0">
-            <a:schemeClr val="accent1"/>
-          </a:effectRef>
-          <a:fontRef idx="minor">
-            <a:schemeClr val="lt1"/>
-          </a:fontRef>
-        </p:style>
-        <p:txBody>
-          <a:bodyPr rtlCol="0" anchor="ctr"/>
-          <a:lstStyle/>
-          <a:p>
-            <a:pPr algn="ctr"/>
-            <a:endParaRPr lang="en-US"/>
-          </a:p>
-        </p:txBody>
-      </p:sp>
-      <p:sp>
-        <p:nvSpPr>
-          <p:cNvPr id="6" name="Freeform 5"/>
-          <p:cNvSpPr/>
-          <p:nvPr/>
-        </p:nvSpPr>
-        <p:spPr>
-          <a:xfrm>
-            <a:off x="5161660" y="3238247"/>
-            <a:ext cx="316194" cy="17701"/>
-          </a:xfrm>
-          <a:custGeom>
-            <a:avLst/>
-            <a:gdLst>
-              <a:gd name="connsiteX0" fmla="*/ 0 w 316194"/>
-              <a:gd name="connsiteY0" fmla="*/ 17701 h 17701"/>
-              <a:gd name="connsiteX1" fmla="*/ 205099 w 316194"/>
-              <a:gd name="connsiteY1" fmla="*/ 609 h 17701"/>
-              <a:gd name="connsiteX2" fmla="*/ 316194 w 316194"/>
-              <a:gd name="connsiteY2" fmla="*/ 609 h 17701"/>
-            </a:gdLst>
-            <a:ahLst/>
-            <a:cxnLst>
-              <a:cxn ang="0">
-                <a:pos x="connsiteX0" y="connsiteY0"/>
-              </a:cxn>
-              <a:cxn ang="0">
-                <a:pos x="connsiteX1" y="connsiteY1"/>
-              </a:cxn>
-              <a:cxn ang="0">
-                <a:pos x="connsiteX2" y="connsiteY2"/>
-              </a:cxn>
-            </a:cxnLst>
-            <a:rect l="l" t="t" r="r" b="b"/>
-            <a:pathLst>
-              <a:path w="316194" h="17701">
-                <a:moveTo>
-                  <a:pt x="0" y="17701"/>
-                </a:moveTo>
-                <a:cubicBezTo>
-                  <a:pt x="67281" y="10973"/>
-                  <a:pt x="137850" y="3100"/>
-                  <a:pt x="205099" y="609"/>
-                </a:cubicBezTo>
-                <a:cubicBezTo>
-                  <a:pt x="242105" y="-762"/>
-                  <a:pt x="279162" y="609"/>
-                  <a:pt x="316194" y="609"/>
-                </a:cubicBezTo>
-              </a:path>
-            </a:pathLst>
-          </a:custGeom>
-          <a:noFill/>
-        </p:spPr>
-        <p:style>
-          <a:lnRef idx="2">
-            <a:schemeClr val="accent1">
-              <a:shade val="50000"/>
-            </a:schemeClr>
-          </a:lnRef>
-          <a:fillRef idx="1">
-            <a:schemeClr val="accent1"/>
-          </a:fillRef>
-          <a:effectRef idx="0">
-            <a:schemeClr val="accent1"/>
-          </a:effectRef>
-          <a:fontRef idx="minor">
-            <a:schemeClr val="lt1"/>
-          </a:fontRef>
-        </p:style>
-        <p:txBody>
-          <a:bodyPr rtlCol="0" anchor="ctr"/>
-          <a:lstStyle/>
-          <a:p>
-            <a:pPr algn="ctr"/>
-            <a:endParaRPr lang="en-US"/>
-          </a:p>
-        </p:txBody>
-      </p:sp>
-    </p:spTree>
-    <p:extLst>
-      <p:ext uri="{BB962C8B-B14F-4D97-AF65-F5344CB8AC3E}">
-        <p14:creationId xmlns:p14="http://schemas.microsoft.com/office/powerpoint/2010/main" val="3493826295"/>
-      </p:ext>
-    </p:extLst>
-  </p:cSld>
-  <p:clrMapOvr>
-    <a:masterClrMapping/>
-  </p:clrMapOvr>
-</p:sld>
-</file>
-
-<file path=ppt/slides/slide6.xml><?xml version="1.0" encoding="utf-8"?>
-<p:sld xmlns:a="http://schemas.openxmlformats.org/drawingml/2006/main" xmlns:r="http://schemas.openxmlformats.org/officeDocument/2006/relationships" xmlns:p="http://schemas.openxmlformats.org/presentationml/2006/main">
-  <p:cSld>
-    <p:spTree>
-      <p:nvGrpSpPr>
-        <p:cNvPr id="1" name=""/>
-        <p:cNvGrpSpPr/>
-        <p:nvPr/>
-      </p:nvGrpSpPr>
-      <p:grpSpPr>
-        <a:xfrm>
-          <a:off x="0" y="0"/>
-          <a:ext cx="0" cy="0"/>
-          <a:chOff x="0" y="0"/>
-          <a:chExt cx="0" cy="0"/>
-        </a:xfrm>
-      </p:grpSpPr>
-      <p:pic>
-        <p:nvPicPr>
-          <p:cNvPr id="2" name="Picture 1"/>
-          <p:cNvPicPr>
-            <a:picLocks noChangeAspect="1"/>
-          </p:cNvPicPr>
-          <p:nvPr/>
-        </p:nvPicPr>
-        <p:blipFill>
-          <a:blip r:embed="rId2">
-            <a:extLst>
-              <a:ext uri="{28A0092B-C50C-407E-A947-70E740481C1C}">
-                <a14:useLocalDpi xmlns:a14="http://schemas.microsoft.com/office/drawing/2010/main" val="0"/>
-              </a:ext>
-            </a:extLst>
-          </a:blip>
-          <a:stretch>
-            <a:fillRect/>
-          </a:stretch>
-        </p:blipFill>
-        <p:spPr>
-          <a:xfrm>
-            <a:off x="457200" y="1029095"/>
-            <a:ext cx="8382000" cy="5304860"/>
-          </a:xfrm>
-          <a:prstGeom prst="rect">
-            <a:avLst/>
-          </a:prstGeom>
-        </p:spPr>
-      </p:pic>
-      <p:sp>
-        <p:nvSpPr>
-          <p:cNvPr id="3" name="TextBox 2"/>
-          <p:cNvSpPr txBox="1"/>
-          <p:nvPr/>
-        </p:nvSpPr>
-        <p:spPr>
-          <a:xfrm>
-            <a:off x="457200" y="304800"/>
-            <a:ext cx="8305800" cy="646331"/>
-          </a:xfrm>
-          <a:prstGeom prst="rect">
-            <a:avLst/>
-          </a:prstGeom>
-          <a:noFill/>
-        </p:spPr>
-        <p:txBody>
-          <a:bodyPr wrap="square" rtlCol="0">
-            <a:spAutoFit/>
-          </a:bodyPr>
-          <a:lstStyle/>
-          <a:p>
-            <a:r>
-              <a:rPr lang="en-US" dirty="0"/>
-              <a:t>Order Details =&gt; </a:t>
-            </a:r>
-            <a:r>
-              <a:rPr lang="en-US" dirty="0" err="1"/>
-              <a:t>Order_Detail</a:t>
-            </a:r>
-            <a:r>
-              <a:rPr lang="en-US" dirty="0"/>
-              <a:t>  (by default, the O/R designer tools drops the s off the names of items and makes them singular. You can change the default.)</a:t>
-            </a:r>
-          </a:p>
-        </p:txBody>
-      </p:sp>
-      <p:sp>
-        <p:nvSpPr>
-          <p:cNvPr id="4" name="TextBox 3"/>
-          <p:cNvSpPr txBox="1"/>
-          <p:nvPr/>
-        </p:nvSpPr>
-        <p:spPr>
-          <a:xfrm>
-            <a:off x="3657600" y="2743200"/>
-            <a:ext cx="3179588" cy="923330"/>
-          </a:xfrm>
-          <a:prstGeom prst="rect">
-            <a:avLst/>
-          </a:prstGeom>
-          <a:noFill/>
-        </p:spPr>
-        <p:txBody>
-          <a:bodyPr wrap="none" rtlCol="0">
-            <a:spAutoFit/>
-          </a:bodyPr>
-          <a:lstStyle/>
-          <a:p>
-            <a:r>
-              <a:rPr lang="en-US" dirty="0">
-                <a:solidFill>
-                  <a:srgbClr val="0070C0"/>
-                </a:solidFill>
-              </a:rPr>
-              <a:t>Doing this automatically creates</a:t>
-            </a:r>
-          </a:p>
-          <a:p>
-            <a:r>
-              <a:rPr lang="en-US" dirty="0">
-                <a:solidFill>
-                  <a:srgbClr val="0070C0"/>
-                </a:solidFill>
-              </a:rPr>
-              <a:t>The “connection string” for us </a:t>
-            </a:r>
-          </a:p>
-          <a:p>
-            <a:r>
-              <a:rPr lang="en-US" dirty="0">
-                <a:solidFill>
-                  <a:srgbClr val="0070C0"/>
-                </a:solidFill>
-              </a:rPr>
-              <a:t>In the </a:t>
-            </a:r>
-            <a:r>
-              <a:rPr lang="en-US" dirty="0" err="1">
-                <a:solidFill>
-                  <a:srgbClr val="0070C0"/>
-                </a:solidFill>
-              </a:rPr>
-              <a:t>App.config</a:t>
-            </a:r>
-            <a:r>
-              <a:rPr lang="en-US" dirty="0">
-                <a:solidFill>
-                  <a:srgbClr val="0070C0"/>
-                </a:solidFill>
-              </a:rPr>
-              <a:t> file.</a:t>
-            </a:r>
-          </a:p>
-        </p:txBody>
-      </p:sp>
-    </p:spTree>
-    <p:extLst>
-      <p:ext uri="{BB962C8B-B14F-4D97-AF65-F5344CB8AC3E}">
-        <p14:creationId xmlns:p14="http://schemas.microsoft.com/office/powerpoint/2010/main" val="1333812664"/>
-      </p:ext>
-    </p:extLst>
-  </p:cSld>
-  <p:clrMapOvr>
-    <a:masterClrMapping/>
-  </p:clrMapOvr>
-</p:sld>
-</file>
-
-<file path=ppt/slides/slide7.xml><?xml version="1.0" encoding="utf-8"?>
-<p:sld xmlns:a="http://schemas.openxmlformats.org/drawingml/2006/main" xmlns:r="http://schemas.openxmlformats.org/officeDocument/2006/relationships" xmlns:p="http://schemas.openxmlformats.org/presentationml/2006/main">
-  <p:cSld>
-    <p:spTree>
-      <p:nvGrpSpPr>
-        <p:cNvPr id="1" name=""/>
-        <p:cNvGrpSpPr/>
-        <p:nvPr/>
-      </p:nvGrpSpPr>
-      <p:grpSpPr>
-        <a:xfrm>
-          <a:off x="0" y="0"/>
-          <a:ext cx="0" cy="0"/>
-          <a:chOff x="0" y="0"/>
-          <a:chExt cx="0" cy="0"/>
-        </a:xfrm>
-      </p:grpSpPr>
-      <p:pic>
-        <p:nvPicPr>
-          <p:cNvPr id="4" name="Picture 3"/>
-          <p:cNvPicPr>
-            <a:picLocks noChangeAspect="1"/>
-          </p:cNvPicPr>
-          <p:nvPr/>
-        </p:nvPicPr>
-        <p:blipFill>
-          <a:blip r:embed="rId2">
-            <a:extLst>
-              <a:ext uri="{28A0092B-C50C-407E-A947-70E740481C1C}">
-                <a14:useLocalDpi xmlns:a14="http://schemas.microsoft.com/office/drawing/2010/main" val="0"/>
-              </a:ext>
-            </a:extLst>
-          </a:blip>
-          <a:stretch>
-            <a:fillRect/>
-          </a:stretch>
-        </p:blipFill>
-        <p:spPr>
-          <a:xfrm>
-            <a:off x="4495800" y="1524000"/>
-            <a:ext cx="3913933" cy="3505200"/>
-          </a:xfrm>
-          <a:prstGeom prst="rect">
-            <a:avLst/>
-          </a:prstGeom>
-        </p:spPr>
-      </p:pic>
-      <p:sp>
-        <p:nvSpPr>
-          <p:cNvPr id="5" name="TextBox 4"/>
-          <p:cNvSpPr txBox="1"/>
-          <p:nvPr/>
-        </p:nvSpPr>
-        <p:spPr>
-          <a:xfrm>
-            <a:off x="914400" y="2734216"/>
-            <a:ext cx="1374287" cy="369332"/>
-          </a:xfrm>
-          <a:prstGeom prst="rect">
-            <a:avLst/>
-          </a:prstGeom>
-          <a:noFill/>
-        </p:spPr>
-        <p:txBody>
-          <a:bodyPr wrap="none" rtlCol="0">
-            <a:spAutoFit/>
-          </a:bodyPr>
-          <a:lstStyle/>
-          <a:p>
-            <a:r>
-              <a:rPr lang="en-US" dirty="0"/>
-              <a:t>Data context</a:t>
-            </a:r>
-          </a:p>
-        </p:txBody>
-      </p:sp>
-      <p:sp>
-        <p:nvSpPr>
-          <p:cNvPr id="6" name="TextBox 5"/>
-          <p:cNvSpPr txBox="1"/>
-          <p:nvPr/>
-        </p:nvSpPr>
-        <p:spPr>
-          <a:xfrm>
-            <a:off x="914400" y="3440668"/>
-            <a:ext cx="1246944" cy="369332"/>
-          </a:xfrm>
-          <a:prstGeom prst="rect">
-            <a:avLst/>
-          </a:prstGeom>
-          <a:noFill/>
-        </p:spPr>
-        <p:txBody>
-          <a:bodyPr wrap="none" rtlCol="0">
-            <a:spAutoFit/>
-          </a:bodyPr>
-          <a:lstStyle/>
-          <a:p>
-            <a:r>
-              <a:rPr lang="en-US" dirty="0"/>
-              <a:t>Entity Class</a:t>
-            </a:r>
-          </a:p>
-        </p:txBody>
-      </p:sp>
-      <p:cxnSp>
-        <p:nvCxnSpPr>
-          <p:cNvPr id="8" name="Straight Arrow Connector 7"/>
-          <p:cNvCxnSpPr/>
-          <p:nvPr/>
-        </p:nvCxnSpPr>
-        <p:spPr>
-          <a:xfrm>
-            <a:off x="2362200" y="2918882"/>
-            <a:ext cx="2971800" cy="521786"/>
-          </a:xfrm>
-          <a:prstGeom prst="straightConnector1">
-            <a:avLst/>
-          </a:prstGeom>
-          <a:ln w="38100">
-            <a:tailEnd type="arrow"/>
-          </a:ln>
-        </p:spPr>
-        <p:style>
-          <a:lnRef idx="1">
-            <a:schemeClr val="accent1"/>
-          </a:lnRef>
-          <a:fillRef idx="0">
-            <a:schemeClr val="accent1"/>
-          </a:fillRef>
-          <a:effectRef idx="0">
-            <a:schemeClr val="accent1"/>
-          </a:effectRef>
-          <a:fontRef idx="minor">
-            <a:schemeClr val="tx1"/>
-          </a:fontRef>
-        </p:style>
-      </p:cxnSp>
-      <p:cxnSp>
-        <p:nvCxnSpPr>
-          <p:cNvPr id="9" name="Straight Arrow Connector 8"/>
-          <p:cNvCxnSpPr>
-            <a:stCxn id="6" idx="3"/>
-          </p:cNvCxnSpPr>
-          <p:nvPr/>
-        </p:nvCxnSpPr>
-        <p:spPr>
-          <a:xfrm>
-            <a:off x="2161344" y="3625334"/>
-            <a:ext cx="3172656" cy="108466"/>
-          </a:xfrm>
-          <a:prstGeom prst="straightConnector1">
-            <a:avLst/>
-          </a:prstGeom>
-          <a:ln w="38100">
-            <a:tailEnd type="arrow"/>
-          </a:ln>
-        </p:spPr>
-        <p:style>
-          <a:lnRef idx="1">
-            <a:schemeClr val="accent1"/>
-          </a:lnRef>
-          <a:fillRef idx="0">
-            <a:schemeClr val="accent1"/>
-          </a:fillRef>
-          <a:effectRef idx="0">
-            <a:schemeClr val="accent1"/>
-          </a:effectRef>
-          <a:fontRef idx="minor">
-            <a:schemeClr val="tx1"/>
-          </a:fontRef>
-        </p:style>
-      </p:cxnSp>
-      <p:sp>
-        <p:nvSpPr>
-          <p:cNvPr id="13" name="TextBox 12"/>
-          <p:cNvSpPr txBox="1"/>
-          <p:nvPr/>
-        </p:nvSpPr>
-        <p:spPr>
-          <a:xfrm>
-            <a:off x="691166" y="2030558"/>
-            <a:ext cx="3195042" cy="369332"/>
-          </a:xfrm>
-          <a:prstGeom prst="rect">
-            <a:avLst/>
-          </a:prstGeom>
-          <a:noFill/>
-        </p:spPr>
-        <p:txBody>
-          <a:bodyPr wrap="none" rtlCol="0">
-            <a:spAutoFit/>
-          </a:bodyPr>
-          <a:lstStyle/>
-          <a:p>
-            <a:r>
-              <a:rPr lang="en-US" dirty="0"/>
-              <a:t>Our Object Model is built for us:</a:t>
-            </a:r>
-          </a:p>
-        </p:txBody>
-      </p:sp>
-    </p:spTree>
-    <p:extLst>
-      <p:ext uri="{BB962C8B-B14F-4D97-AF65-F5344CB8AC3E}">
-        <p14:creationId xmlns:p14="http://schemas.microsoft.com/office/powerpoint/2010/main" val="2342626437"/>
-      </p:ext>
-    </p:extLst>
-  </p:cSld>
-  <p:clrMapOvr>
-    <a:masterClrMapping/>
-  </p:clrMapOvr>
-</p:sld>
-</file>
-
-<file path=ppt/slides/slide8.xml><?xml version="1.0" encoding="utf-8"?>
-<p:sld xmlns:a="http://schemas.openxmlformats.org/drawingml/2006/main" xmlns:r="http://schemas.openxmlformats.org/officeDocument/2006/relationships" xmlns:p="http://schemas.openxmlformats.org/presentationml/2006/main">
-  <p:cSld>
-    <p:spTree>
-      <p:nvGrpSpPr>
-        <p:cNvPr id="1" name=""/>
-        <p:cNvGrpSpPr/>
-        <p:nvPr/>
-      </p:nvGrpSpPr>
-      <p:grpSpPr>
-        <a:xfrm>
-          <a:off x="0" y="0"/>
-          <a:ext cx="0" cy="0"/>
-          <a:chOff x="0" y="0"/>
-          <a:chExt cx="0" cy="0"/>
-        </a:xfrm>
-      </p:grpSpPr>
-      <p:sp>
-        <p:nvSpPr>
-          <p:cNvPr id="2" name="Title 1"/>
-          <p:cNvSpPr>
-            <a:spLocks noGrp="1"/>
-          </p:cNvSpPr>
-          <p:nvPr>
-            <p:ph type="title"/>
-          </p:nvPr>
-        </p:nvSpPr>
-        <p:spPr/>
-        <p:txBody>
-          <a:bodyPr/>
-          <a:lstStyle/>
-          <a:p>
-            <a:r>
-              <a:rPr lang="en-US" dirty="0"/>
-              <a:t>This new class</a:t>
-            </a:r>
-          </a:p>
-        </p:txBody>
-      </p:sp>
-      <p:sp>
-        <p:nvSpPr>
-          <p:cNvPr id="3" name="Content Placeholder 2"/>
-          <p:cNvSpPr>
-            <a:spLocks noGrp="1"/>
-          </p:cNvSpPr>
-          <p:nvPr>
-            <p:ph idx="1"/>
-          </p:nvPr>
-        </p:nvSpPr>
-        <p:spPr/>
-        <p:txBody>
-          <a:bodyPr>
-            <a:normAutofit fontScale="92500" lnSpcReduction="20000"/>
-          </a:bodyPr>
-          <a:lstStyle/>
-          <a:p>
-            <a:r>
-              <a:rPr lang="en-US" dirty="0"/>
-              <a:t>Is created for us</a:t>
-            </a:r>
-          </a:p>
-          <a:p>
-            <a:r>
-              <a:rPr lang="en-US" dirty="0"/>
-              <a:t>Includes properties to refer to each column in that table (using the same names)</a:t>
-            </a:r>
-          </a:p>
-          <a:p>
-            <a:r>
-              <a:rPr lang="en-US" dirty="0"/>
-              <a:t>Also adds a property to the data context class that refers to the table (Order Details)</a:t>
-            </a:r>
-          </a:p>
-          <a:p>
-            <a:r>
-              <a:rPr lang="en-US" dirty="0"/>
-              <a:t>If you drag in 2 tables that have a relationship,  then the O/R designer will create an Association  object to maintain those constraints.  (see next slide for example)</a:t>
-            </a:r>
-          </a:p>
-          <a:p>
-            <a:r>
-              <a:rPr lang="en-US" dirty="0"/>
-              <a:t>We now have a C# class view of a table, its columns, and any PK-FK relationships.</a:t>
-            </a:r>
-          </a:p>
-        </p:txBody>
-      </p:sp>
-    </p:spTree>
-    <p:extLst>
-      <p:ext uri="{BB962C8B-B14F-4D97-AF65-F5344CB8AC3E}">
-        <p14:creationId xmlns:p14="http://schemas.microsoft.com/office/powerpoint/2010/main" val="2219509518"/>
-      </p:ext>
-    </p:extLst>
-  </p:cSld>
-  <p:clrMapOvr>
-    <a:masterClrMapping/>
-  </p:clrMapOvr>
-</p:sld>
-</file>
-
-<file path=ppt/slides/slide9.xml><?xml version="1.0" encoding="utf-8"?>
-<p:sld xmlns:a="http://schemas.openxmlformats.org/drawingml/2006/main" xmlns:r="http://schemas.openxmlformats.org/officeDocument/2006/relationships" xmlns:p="http://schemas.openxmlformats.org/presentationml/2006/main">
-  <p:cSld>
-    <p:spTree>
-      <p:nvGrpSpPr>
-        <p:cNvPr id="1" name=""/>
-        <p:cNvGrpSpPr/>
-        <p:nvPr/>
-      </p:nvGrpSpPr>
-      <p:grpSpPr>
-        <a:xfrm>
-          <a:off x="0" y="0"/>
-          <a:ext cx="0" cy="0"/>
-          <a:chOff x="0" y="0"/>
-          <a:chExt cx="0" cy="0"/>
-        </a:xfrm>
-      </p:grpSpPr>
-      <p:sp>
-        <p:nvSpPr>
-          <p:cNvPr id="2" name="Title 1"/>
-          <p:cNvSpPr>
-            <a:spLocks noGrp="1"/>
-          </p:cNvSpPr>
-          <p:nvPr>
-            <p:ph type="title"/>
-          </p:nvPr>
-        </p:nvSpPr>
-        <p:spPr/>
-        <p:txBody>
-          <a:bodyPr/>
-          <a:lstStyle/>
-          <a:p>
-            <a:r>
-              <a:rPr lang="en-US" dirty="0"/>
-              <a:t>Using </a:t>
-            </a:r>
-            <a:r>
-              <a:rPr lang="en-US" dirty="0" err="1"/>
-              <a:t>Intelisense</a:t>
-            </a:r>
-            <a:r>
-              <a:rPr lang="en-US" dirty="0"/>
-              <a:t> …</a:t>
-            </a:r>
-          </a:p>
-        </p:txBody>
-      </p:sp>
-      <p:sp>
-        <p:nvSpPr>
-          <p:cNvPr id="3" name="Content Placeholder 2"/>
-          <p:cNvSpPr>
-            <a:spLocks noGrp="1"/>
-          </p:cNvSpPr>
-          <p:nvPr>
-            <p:ph idx="1"/>
-          </p:nvPr>
-        </p:nvSpPr>
-        <p:spPr>
-          <a:xfrm>
-            <a:off x="363221" y="1447800"/>
-            <a:ext cx="8229600" cy="1371600"/>
-          </a:xfrm>
-        </p:spPr>
-        <p:txBody>
-          <a:bodyPr>
-            <a:normAutofit/>
-          </a:bodyPr>
-          <a:lstStyle/>
-          <a:p>
-            <a:r>
-              <a:rPr lang="en-US" sz="2800" dirty="0"/>
-              <a:t>My Data Context object has a property that is my DB table name.</a:t>
-            </a:r>
-          </a:p>
-        </p:txBody>
-      </p:sp>
-      <p:pic>
-        <p:nvPicPr>
-          <p:cNvPr id="4" name="Picture 3"/>
-          <p:cNvPicPr>
-            <a:picLocks noChangeAspect="1"/>
-          </p:cNvPicPr>
-          <p:nvPr/>
-        </p:nvPicPr>
-        <p:blipFill>
-          <a:blip r:embed="rId3">
-            <a:extLst>
-              <a:ext uri="{28A0092B-C50C-407E-A947-70E740481C1C}">
-                <a14:useLocalDpi xmlns:a14="http://schemas.microsoft.com/office/drawing/2010/main" val="0"/>
-              </a:ext>
-            </a:extLst>
-          </a:blip>
-          <a:stretch>
-            <a:fillRect/>
-          </a:stretch>
-        </p:blipFill>
-        <p:spPr>
-          <a:xfrm>
-            <a:off x="914400" y="2895600"/>
-            <a:ext cx="7171199" cy="2252663"/>
-          </a:xfrm>
-          <a:prstGeom prst="rect">
-            <a:avLst/>
-          </a:prstGeom>
-        </p:spPr>
-      </p:pic>
-    </p:spTree>
-    <p:extLst>
-      <p:ext uri="{BB962C8B-B14F-4D97-AF65-F5344CB8AC3E}">
-        <p14:creationId xmlns:p14="http://schemas.microsoft.com/office/powerpoint/2010/main" val="683015817"/>
       </p:ext>
     </p:extLst>
   </p:cSld>
